--- a/COMP110/Lectures/Chapter1/Chapter01.pptx
+++ b/COMP110/Lectures/Chapter1/Chapter01.pptx
@@ -5,7 +5,7 @@
     <p:sldMasterId id="2147483648" r:id="rId1"/>
   </p:sldMasterIdLst>
   <p:notesMasterIdLst>
-    <p:notesMasterId r:id="rId27"/>
+    <p:notesMasterId r:id="rId31"/>
   </p:notesMasterIdLst>
   <p:sldIdLst>
     <p:sldId id="330" r:id="rId2"/>
@@ -19,20 +19,24 @@
     <p:sldId id="269" r:id="rId10"/>
     <p:sldId id="270" r:id="rId11"/>
     <p:sldId id="305" r:id="rId12"/>
-    <p:sldId id="262" r:id="rId13"/>
-    <p:sldId id="263" r:id="rId14"/>
-    <p:sldId id="264" r:id="rId15"/>
-    <p:sldId id="266" r:id="rId16"/>
-    <p:sldId id="273" r:id="rId17"/>
-    <p:sldId id="274" r:id="rId18"/>
-    <p:sldId id="304" r:id="rId19"/>
-    <p:sldId id="279" r:id="rId20"/>
-    <p:sldId id="280" r:id="rId21"/>
-    <p:sldId id="294" r:id="rId22"/>
-    <p:sldId id="295" r:id="rId23"/>
-    <p:sldId id="296" r:id="rId24"/>
-    <p:sldId id="297" r:id="rId25"/>
-    <p:sldId id="298" r:id="rId26"/>
+    <p:sldId id="410" r:id="rId13"/>
+    <p:sldId id="411" r:id="rId14"/>
+    <p:sldId id="267" r:id="rId15"/>
+    <p:sldId id="262" r:id="rId16"/>
+    <p:sldId id="263" r:id="rId17"/>
+    <p:sldId id="264" r:id="rId18"/>
+    <p:sldId id="412" r:id="rId19"/>
+    <p:sldId id="266" r:id="rId20"/>
+    <p:sldId id="273" r:id="rId21"/>
+    <p:sldId id="274" r:id="rId22"/>
+    <p:sldId id="304" r:id="rId23"/>
+    <p:sldId id="279" r:id="rId24"/>
+    <p:sldId id="280" r:id="rId25"/>
+    <p:sldId id="294" r:id="rId26"/>
+    <p:sldId id="295" r:id="rId27"/>
+    <p:sldId id="296" r:id="rId28"/>
+    <p:sldId id="297" r:id="rId29"/>
+    <p:sldId id="298" r:id="rId30"/>
   </p:sldIdLst>
   <p:sldSz cx="12192000" cy="6858000"/>
   <p:notesSz cx="7102475" cy="9388475"/>
@@ -233,7 +237,7 @@
           <a:p>
             <a:fld id="{F2D10BC6-1D20-44E7-A3C1-21FAAC7BADF5}" type="datetimeFigureOut">
               <a:rPr lang="en-US" smtClean="0"/>
-              <a:t>3/31/2025</a:t>
+              <a:t>4/2/2025</a:t>
             </a:fld>
             <a:endParaRPr lang="en-US"/>
           </a:p>
@@ -1041,7 +1045,7 @@
           <a:p>
             <a:fld id="{AADE69E9-3FE3-4D22-B82E-48B23EA44EED}" type="slidenum">
               <a:rPr lang="en-US" smtClean="0"/>
-              <a:t>15</a:t>
+              <a:t>19</a:t>
             </a:fld>
             <a:endParaRPr lang="en-US"/>
           </a:p>
@@ -1312,7 +1316,7 @@
                 <a:latin typeface="Calibri" panose="020F0502020204030204" pitchFamily="34" charset="0"/>
               </a:rPr>
               <a:pPr eaLnBrk="1" hangingPunct="1"/>
-              <a:t>20</a:t>
+              <a:t>24</a:t>
             </a:fld>
             <a:endParaRPr lang="en-US" altLang="en-US">
               <a:latin typeface="Calibri" panose="020F0502020204030204" pitchFamily="34" charset="0"/>
@@ -1480,7 +1484,7 @@
           <a:p>
             <a:fld id="{E9130BEF-1A0B-42BE-B758-0C5BFDF1C889}" type="datetimeFigureOut">
               <a:rPr lang="en-US" smtClean="0"/>
-              <a:t>3/31/2025</a:t>
+              <a:t>4/2/2025</a:t>
             </a:fld>
             <a:endParaRPr lang="en-US"/>
           </a:p>
@@ -1678,7 +1682,7 @@
           <a:p>
             <a:fld id="{E9130BEF-1A0B-42BE-B758-0C5BFDF1C889}" type="datetimeFigureOut">
               <a:rPr lang="en-US" smtClean="0"/>
-              <a:t>3/31/2025</a:t>
+              <a:t>4/2/2025</a:t>
             </a:fld>
             <a:endParaRPr lang="en-US"/>
           </a:p>
@@ -1886,7 +1890,7 @@
           <a:p>
             <a:fld id="{E9130BEF-1A0B-42BE-B758-0C5BFDF1C889}" type="datetimeFigureOut">
               <a:rPr lang="en-US" smtClean="0"/>
-              <a:t>3/31/2025</a:t>
+              <a:t>4/2/2025</a:t>
             </a:fld>
             <a:endParaRPr lang="en-US"/>
           </a:p>
@@ -3385,6 +3389,202 @@
 </p:sldLayout>
 </file>
 
+<file path=ppt/slideLayouts/slideLayout15.xml><?xml version="1.0" encoding="utf-8"?>
+<p:sldLayout xmlns:a="http://schemas.openxmlformats.org/drawingml/2006/main" xmlns:r="http://schemas.openxmlformats.org/officeDocument/2006/relationships" xmlns:p="http://schemas.openxmlformats.org/presentationml/2006/main" type="obj">
+  <p:cSld name="1_Title Slide">
+    <p:spTree>
+      <p:nvGrpSpPr>
+        <p:cNvPr id="1" name=""/>
+        <p:cNvGrpSpPr/>
+        <p:nvPr/>
+      </p:nvGrpSpPr>
+      <p:grpSpPr>
+        <a:xfrm>
+          <a:off x="0" y="0"/>
+          <a:ext cx="0" cy="0"/>
+          <a:chOff x="0" y="0"/>
+          <a:chExt cx="0" cy="0"/>
+        </a:xfrm>
+      </p:grpSpPr>
+      <p:sp>
+        <p:nvSpPr>
+          <p:cNvPr id="2" name="Holder 2"/>
+          <p:cNvSpPr>
+            <a:spLocks noGrp="1"/>
+          </p:cNvSpPr>
+          <p:nvPr>
+            <p:ph type="ctrTitle"/>
+          </p:nvPr>
+        </p:nvSpPr>
+        <p:spPr>
+          <a:xfrm>
+            <a:off x="4755857" y="500983"/>
+            <a:ext cx="2680287" cy="699550"/>
+          </a:xfrm>
+          <a:prstGeom prst="rect">
+            <a:avLst/>
+          </a:prstGeom>
+        </p:spPr>
+        <p:txBody>
+          <a:bodyPr wrap="square" lIns="0" tIns="0" rIns="0" bIns="0">
+            <a:spAutoFit/>
+          </a:bodyPr>
+          <a:lstStyle>
+            <a:lvl1pPr>
+              <a:defRPr sz="5051" b="0" i="0">
+                <a:solidFill>
+                  <a:schemeClr val="tx1"/>
+                </a:solidFill>
+                <a:latin typeface="Gill Sans MT"/>
+                <a:cs typeface="Gill Sans MT"/>
+              </a:defRPr>
+            </a:lvl1pPr>
+          </a:lstStyle>
+          <a:p>
+            <a:endParaRPr/>
+          </a:p>
+        </p:txBody>
+      </p:sp>
+      <p:sp>
+        <p:nvSpPr>
+          <p:cNvPr id="3" name="Holder 3"/>
+          <p:cNvSpPr>
+            <a:spLocks noGrp="1"/>
+          </p:cNvSpPr>
+          <p:nvPr>
+            <p:ph type="subTitle" idx="4"/>
+          </p:nvPr>
+        </p:nvSpPr>
+        <p:spPr>
+          <a:xfrm>
+            <a:off x="1828800" y="3840480"/>
+            <a:ext cx="8534400" cy="387798"/>
+          </a:xfrm>
+          <a:prstGeom prst="rect">
+            <a:avLst/>
+          </a:prstGeom>
+        </p:spPr>
+        <p:txBody>
+          <a:bodyPr wrap="square" lIns="0" tIns="0" rIns="0" bIns="0">
+            <a:spAutoFit/>
+          </a:bodyPr>
+          <a:lstStyle>
+            <a:lvl1pPr>
+              <a:defRPr/>
+            </a:lvl1pPr>
+          </a:lstStyle>
+          <a:p>
+            <a:endParaRPr/>
+          </a:p>
+        </p:txBody>
+      </p:sp>
+      <p:sp>
+        <p:nvSpPr>
+          <p:cNvPr id="4" name="Holder 4"/>
+          <p:cNvSpPr>
+            <a:spLocks noGrp="1"/>
+          </p:cNvSpPr>
+          <p:nvPr>
+            <p:ph type="ftr" sz="quarter" idx="5"/>
+          </p:nvPr>
+        </p:nvSpPr>
+        <p:spPr/>
+        <p:txBody>
+          <a:bodyPr lIns="0" tIns="0" rIns="0" bIns="0"/>
+          <a:lstStyle>
+            <a:lvl1pPr algn="ctr">
+              <a:defRPr>
+                <a:solidFill>
+                  <a:schemeClr val="tx1">
+                    <a:tint val="75000"/>
+                  </a:schemeClr>
+                </a:solidFill>
+              </a:defRPr>
+            </a:lvl1pPr>
+          </a:lstStyle>
+          <a:p>
+            <a:endParaRPr/>
+          </a:p>
+        </p:txBody>
+      </p:sp>
+      <p:sp>
+        <p:nvSpPr>
+          <p:cNvPr id="5" name="Holder 5"/>
+          <p:cNvSpPr>
+            <a:spLocks noGrp="1"/>
+          </p:cNvSpPr>
+          <p:nvPr>
+            <p:ph type="dt" sz="half" idx="6"/>
+          </p:nvPr>
+        </p:nvSpPr>
+        <p:spPr/>
+        <p:txBody>
+          <a:bodyPr lIns="0" tIns="0" rIns="0" bIns="0"/>
+          <a:lstStyle>
+            <a:lvl1pPr algn="l">
+              <a:defRPr>
+                <a:solidFill>
+                  <a:schemeClr val="tx1">
+                    <a:tint val="75000"/>
+                  </a:schemeClr>
+                </a:solidFill>
+              </a:defRPr>
+            </a:lvl1pPr>
+          </a:lstStyle>
+          <a:p>
+            <a:fld id="{1D8BD707-D9CF-40AE-B4C6-C98DA3205C09}" type="datetimeFigureOut">
+              <a:rPr lang="en-US"/>
+              <a:t>4/2/2025</a:t>
+            </a:fld>
+            <a:endParaRPr lang="en-US"/>
+          </a:p>
+        </p:txBody>
+      </p:sp>
+      <p:sp>
+        <p:nvSpPr>
+          <p:cNvPr id="6" name="Holder 6"/>
+          <p:cNvSpPr>
+            <a:spLocks noGrp="1"/>
+          </p:cNvSpPr>
+          <p:nvPr>
+            <p:ph type="sldNum" sz="quarter" idx="7"/>
+          </p:nvPr>
+        </p:nvSpPr>
+        <p:spPr/>
+        <p:txBody>
+          <a:bodyPr lIns="0" tIns="0" rIns="0" bIns="0"/>
+          <a:lstStyle>
+            <a:lvl1pPr algn="r">
+              <a:defRPr>
+                <a:solidFill>
+                  <a:schemeClr val="tx1">
+                    <a:tint val="75000"/>
+                  </a:schemeClr>
+                </a:solidFill>
+              </a:defRPr>
+            </a:lvl1pPr>
+          </a:lstStyle>
+          <a:p>
+            <a:fld id="{B6F15528-21DE-4FAA-801E-634DDDAF4B2B}" type="slidenum">
+              <a:t>‹#›</a:t>
+            </a:fld>
+            <a:endParaRPr/>
+          </a:p>
+        </p:txBody>
+      </p:sp>
+    </p:spTree>
+    <p:extLst>
+      <p:ext uri="{BB962C8B-B14F-4D97-AF65-F5344CB8AC3E}">
+        <p14:creationId xmlns:p14="http://schemas.microsoft.com/office/powerpoint/2010/main" val="68180778"/>
+      </p:ext>
+    </p:extLst>
+  </p:cSld>
+  <p:clrMapOvr>
+    <a:masterClrMapping/>
+  </p:clrMapOvr>
+</p:sldLayout>
+</file>
+
 <file path=ppt/slideLayouts/slideLayout2.xml><?xml version="1.0" encoding="utf-8"?>
 <p:sldLayout xmlns:a="http://schemas.openxmlformats.org/drawingml/2006/main" xmlns:r="http://schemas.openxmlformats.org/officeDocument/2006/relationships" xmlns:p="http://schemas.openxmlformats.org/presentationml/2006/main" type="obj" preserve="1">
   <p:cSld name="Title and Content">
@@ -3510,7 +3710,7 @@
           <a:p>
             <a:fld id="{E9130BEF-1A0B-42BE-B758-0C5BFDF1C889}" type="datetimeFigureOut">
               <a:rPr lang="en-US" smtClean="0"/>
-              <a:t>3/31/2025</a:t>
+              <a:t>4/2/2025</a:t>
             </a:fld>
             <a:endParaRPr lang="en-US"/>
           </a:p>
@@ -3785,7 +3985,7 @@
           <a:p>
             <a:fld id="{E9130BEF-1A0B-42BE-B758-0C5BFDF1C889}" type="datetimeFigureOut">
               <a:rPr lang="en-US" smtClean="0"/>
-              <a:t>3/31/2025</a:t>
+              <a:t>4/2/2025</a:t>
             </a:fld>
             <a:endParaRPr lang="en-US"/>
           </a:p>
@@ -4050,7 +4250,7 @@
           <a:p>
             <a:fld id="{E9130BEF-1A0B-42BE-B758-0C5BFDF1C889}" type="datetimeFigureOut">
               <a:rPr lang="en-US" smtClean="0"/>
-              <a:t>3/31/2025</a:t>
+              <a:t>4/2/2025</a:t>
             </a:fld>
             <a:endParaRPr lang="en-US"/>
           </a:p>
@@ -4462,7 +4662,7 @@
           <a:p>
             <a:fld id="{E9130BEF-1A0B-42BE-B758-0C5BFDF1C889}" type="datetimeFigureOut">
               <a:rPr lang="en-US" smtClean="0"/>
-              <a:t>3/31/2025</a:t>
+              <a:t>4/2/2025</a:t>
             </a:fld>
             <a:endParaRPr lang="en-US"/>
           </a:p>
@@ -4603,7 +4803,7 @@
           <a:p>
             <a:fld id="{E9130BEF-1A0B-42BE-B758-0C5BFDF1C889}" type="datetimeFigureOut">
               <a:rPr lang="en-US" smtClean="0"/>
-              <a:t>3/31/2025</a:t>
+              <a:t>4/2/2025</a:t>
             </a:fld>
             <a:endParaRPr lang="en-US"/>
           </a:p>
@@ -4716,7 +4916,7 @@
           <a:p>
             <a:fld id="{E9130BEF-1A0B-42BE-B758-0C5BFDF1C889}" type="datetimeFigureOut">
               <a:rPr lang="en-US" smtClean="0"/>
-              <a:t>3/31/2025</a:t>
+              <a:t>4/2/2025</a:t>
             </a:fld>
             <a:endParaRPr lang="en-US"/>
           </a:p>
@@ -5027,7 +5227,7 @@
           <a:p>
             <a:fld id="{E9130BEF-1A0B-42BE-B758-0C5BFDF1C889}" type="datetimeFigureOut">
               <a:rPr lang="en-US" smtClean="0"/>
-              <a:t>3/31/2025</a:t>
+              <a:t>4/2/2025</a:t>
             </a:fld>
             <a:endParaRPr lang="en-US"/>
           </a:p>
@@ -5315,7 +5515,7 @@
           <a:p>
             <a:fld id="{E9130BEF-1A0B-42BE-B758-0C5BFDF1C889}" type="datetimeFigureOut">
               <a:rPr lang="en-US" smtClean="0"/>
-              <a:t>3/31/2025</a:t>
+              <a:t>4/2/2025</a:t>
             </a:fld>
             <a:endParaRPr lang="en-US"/>
           </a:p>
@@ -5556,7 +5756,7 @@
           <a:p>
             <a:fld id="{E9130BEF-1A0B-42BE-B758-0C5BFDF1C889}" type="datetimeFigureOut">
               <a:rPr lang="en-US" smtClean="0"/>
-              <a:t>3/31/2025</a:t>
+              <a:t>4/2/2025</a:t>
             </a:fld>
             <a:endParaRPr lang="en-US"/>
           </a:p>
@@ -5675,6 +5875,7 @@
     <p:sldLayoutId id="2147483660" r:id="rId12"/>
     <p:sldLayoutId id="2147483661" r:id="rId13"/>
     <p:sldLayoutId id="2147483662" r:id="rId14"/>
+    <p:sldLayoutId id="2147483663" r:id="rId15"/>
   </p:sldLayoutIdLst>
   <p:txStyles>
     <p:titleStyle>
@@ -6678,624 +6879,55 @@
       </p:grpSpPr>
       <p:sp>
         <p:nvSpPr>
-          <p:cNvPr id="15362" name="Slide Number Placeholder 4"/>
-          <p:cNvSpPr>
+          <p:cNvPr id="2" name="object 2"/>
+          <p:cNvSpPr txBox="1">
             <a:spLocks noGrp="1"/>
           </p:cNvSpPr>
           <p:nvPr>
-            <p:ph type="sldNum" sz="quarter" idx="4294967295"/>
+            <p:ph type="title"/>
           </p:nvPr>
         </p:nvSpPr>
         <p:spPr>
           <a:xfrm>
-            <a:off x="8077200" y="6399213"/>
-            <a:ext cx="1905000" cy="457200"/>
+            <a:off x="914400" y="1004826"/>
+            <a:ext cx="10228521" cy="2506152"/>
           </a:xfrm>
           <a:prstGeom prst="rect">
             <a:avLst/>
           </a:prstGeom>
-          <a:noFill/>
         </p:spPr>
         <p:txBody>
-          <a:bodyPr/>
-          <a:lstStyle>
-            <a:lvl1pPr>
-              <a:spcBef>
-                <a:spcPct val="20000"/>
-              </a:spcBef>
-              <a:buClr>
-                <a:schemeClr val="tx2"/>
-              </a:buClr>
-              <a:buSzPct val="75000"/>
-              <a:buFont typeface="Monotype Sorts" pitchFamily="2" charset="2"/>
-              <a:buChar char="F"/>
-              <a:defRPr sz="3200">
-                <a:solidFill>
-                  <a:schemeClr val="tx1"/>
-                </a:solidFill>
-                <a:latin typeface="Times New Roman" panose="02020603050405020304" pitchFamily="18" charset="0"/>
-              </a:defRPr>
-            </a:lvl1pPr>
-            <a:lvl2pPr marL="742950" indent="-285750">
-              <a:spcBef>
-                <a:spcPct val="20000"/>
-              </a:spcBef>
-              <a:buClr>
-                <a:schemeClr val="tx1"/>
-              </a:buClr>
-              <a:buChar char="–"/>
-              <a:defRPr sz="2800">
-                <a:solidFill>
-                  <a:schemeClr val="tx1"/>
-                </a:solidFill>
-                <a:latin typeface="Times New Roman" panose="02020603050405020304" pitchFamily="18" charset="0"/>
-              </a:defRPr>
-            </a:lvl2pPr>
-            <a:lvl3pPr marL="1143000" indent="-228600">
-              <a:spcBef>
-                <a:spcPct val="20000"/>
-              </a:spcBef>
-              <a:buClr>
-                <a:schemeClr val="accent2"/>
-              </a:buClr>
-              <a:buSzPct val="65000"/>
-              <a:buFont typeface="Monotype Sorts" pitchFamily="2" charset="2"/>
-              <a:buChar char="u"/>
-              <a:defRPr sz="2400">
-                <a:solidFill>
-                  <a:schemeClr val="tx1"/>
-                </a:solidFill>
-                <a:latin typeface="Times New Roman" panose="02020603050405020304" pitchFamily="18" charset="0"/>
-              </a:defRPr>
-            </a:lvl3pPr>
-            <a:lvl4pPr marL="1600200" indent="-228600">
-              <a:spcBef>
-                <a:spcPct val="20000"/>
-              </a:spcBef>
-              <a:buClr>
-                <a:schemeClr val="tx1"/>
-              </a:buClr>
-              <a:buChar char="–"/>
-              <a:defRPr sz="2000">
-                <a:solidFill>
-                  <a:schemeClr val="tx1"/>
-                </a:solidFill>
-                <a:latin typeface="Times New Roman" panose="02020603050405020304" pitchFamily="18" charset="0"/>
-              </a:defRPr>
-            </a:lvl4pPr>
-            <a:lvl5pPr marL="2057400" indent="-228600">
-              <a:spcBef>
-                <a:spcPct val="20000"/>
-              </a:spcBef>
-              <a:buClr>
-                <a:schemeClr val="tx2"/>
-              </a:buClr>
-              <a:buChar char="•"/>
-              <a:defRPr sz="2000">
-                <a:solidFill>
-                  <a:schemeClr val="tx1"/>
-                </a:solidFill>
-                <a:latin typeface="Times New Roman" panose="02020603050405020304" pitchFamily="18" charset="0"/>
-              </a:defRPr>
-            </a:lvl5pPr>
-            <a:lvl6pPr marL="2514600" indent="-228600" eaLnBrk="0" fontAlgn="base" hangingPunct="0">
-              <a:spcBef>
-                <a:spcPct val="20000"/>
-              </a:spcBef>
-              <a:spcAft>
-                <a:spcPct val="0"/>
-              </a:spcAft>
-              <a:buClr>
-                <a:schemeClr val="tx2"/>
-              </a:buClr>
-              <a:buChar char="•"/>
-              <a:defRPr sz="2000">
-                <a:solidFill>
-                  <a:schemeClr val="tx1"/>
-                </a:solidFill>
-                <a:latin typeface="Times New Roman" panose="02020603050405020304" pitchFamily="18" charset="0"/>
-              </a:defRPr>
-            </a:lvl6pPr>
-            <a:lvl7pPr marL="2971800" indent="-228600" eaLnBrk="0" fontAlgn="base" hangingPunct="0">
-              <a:spcBef>
-                <a:spcPct val="20000"/>
-              </a:spcBef>
-              <a:spcAft>
-                <a:spcPct val="0"/>
-              </a:spcAft>
-              <a:buClr>
-                <a:schemeClr val="tx2"/>
-              </a:buClr>
-              <a:buChar char="•"/>
-              <a:defRPr sz="2000">
-                <a:solidFill>
-                  <a:schemeClr val="tx1"/>
-                </a:solidFill>
-                <a:latin typeface="Times New Roman" panose="02020603050405020304" pitchFamily="18" charset="0"/>
-              </a:defRPr>
-            </a:lvl7pPr>
-            <a:lvl8pPr marL="3429000" indent="-228600" eaLnBrk="0" fontAlgn="base" hangingPunct="0">
-              <a:spcBef>
-                <a:spcPct val="20000"/>
-              </a:spcBef>
-              <a:spcAft>
-                <a:spcPct val="0"/>
-              </a:spcAft>
-              <a:buClr>
-                <a:schemeClr val="tx2"/>
-              </a:buClr>
-              <a:buChar char="•"/>
-              <a:defRPr sz="2000">
-                <a:solidFill>
-                  <a:schemeClr val="tx1"/>
-                </a:solidFill>
-                <a:latin typeface="Times New Roman" panose="02020603050405020304" pitchFamily="18" charset="0"/>
-              </a:defRPr>
-            </a:lvl8pPr>
-            <a:lvl9pPr marL="3886200" indent="-228600" eaLnBrk="0" fontAlgn="base" hangingPunct="0">
-              <a:spcBef>
-                <a:spcPct val="20000"/>
-              </a:spcBef>
-              <a:spcAft>
-                <a:spcPct val="0"/>
-              </a:spcAft>
-              <a:buClr>
-                <a:schemeClr val="tx2"/>
-              </a:buClr>
-              <a:buChar char="•"/>
-              <a:defRPr sz="2000">
-                <a:solidFill>
-                  <a:schemeClr val="tx1"/>
-                </a:solidFill>
-                <a:latin typeface="Times New Roman" panose="02020603050405020304" pitchFamily="18" charset="0"/>
-              </a:defRPr>
-            </a:lvl9pPr>
-          </a:lstStyle>
-          <a:p>
-            <a:pPr>
-              <a:spcBef>
-                <a:spcPct val="0"/>
-              </a:spcBef>
-              <a:buClrTx/>
-              <a:buSzTx/>
-              <a:buFontTx/>
-              <a:buNone/>
-            </a:pPr>
-            <a:fld id="{3FEE6620-9E2B-4592-AB19-FEEBC51F7F22}" type="slidenum">
-              <a:rPr lang="en-US" altLang="en-US" sz="1400"/>
-              <a:pPr>
-                <a:spcBef>
-                  <a:spcPct val="0"/>
-                </a:spcBef>
-                <a:buClrTx/>
-                <a:buSzTx/>
-                <a:buFontTx/>
-                <a:buNone/>
-              </a:pPr>
-              <a:t>12</a:t>
-            </a:fld>
-            <a:endParaRPr lang="en-US" altLang="en-US" sz="1400"/>
-          </a:p>
-        </p:txBody>
-      </p:sp>
-      <p:sp>
-        <p:nvSpPr>
-          <p:cNvPr id="15363" name="Rectangle 1026"/>
-          <p:cNvSpPr>
-            <a:spLocks noGrp="1" noChangeArrowheads="1"/>
-          </p:cNvSpPr>
-          <p:nvPr>
-            <p:ph type="title"/>
-          </p:nvPr>
-        </p:nvSpPr>
-        <p:spPr>
-          <a:xfrm>
-            <a:off x="2209800" y="228600"/>
-            <a:ext cx="7772400" cy="533400"/>
-          </a:xfrm>
-        </p:spPr>
-        <p:txBody>
-          <a:bodyPr>
-            <a:normAutofit fontScale="90000"/>
+          <a:bodyPr vert="horz" wrap="square" lIns="0" tIns="7637" rIns="0" bIns="0" rtlCol="0" anchor="ctr">
+            <a:spAutoFit/>
           </a:bodyPr>
           <a:lstStyle/>
           <a:p>
-            <a:pPr algn="ctr"/>
-            <a:r>
-              <a:rPr lang="en-US" altLang="en-US" dirty="0">
-                <a:solidFill>
-                  <a:schemeClr val="accent1"/>
-                </a:solidFill>
-              </a:rPr>
-              <a:t>Programming Languages</a:t>
-            </a:r>
-          </a:p>
-        </p:txBody>
-      </p:sp>
-      <p:sp>
-        <p:nvSpPr>
-          <p:cNvPr id="15364" name="Rectangle 1027"/>
-          <p:cNvSpPr>
-            <a:spLocks noGrp="1" noChangeArrowheads="1"/>
-          </p:cNvSpPr>
-          <p:nvPr>
-            <p:ph type="body" idx="1"/>
-          </p:nvPr>
-        </p:nvSpPr>
-        <p:spPr>
-          <a:xfrm>
-            <a:off x="1752600" y="990600"/>
-            <a:ext cx="8534400" cy="457200"/>
-          </a:xfrm>
-        </p:spPr>
-        <p:txBody>
-          <a:bodyPr>
-            <a:normAutofit/>
-          </a:bodyPr>
-          <a:lstStyle/>
-          <a:p>
-            <a:pPr marL="0" indent="0">
-              <a:buNone/>
+            <a:pPr marL="7637">
+              <a:lnSpc>
+                <a:spcPct val="100000"/>
+              </a:lnSpc>
+              <a:spcBef>
+                <a:spcPts val="60"/>
+              </a:spcBef>
             </a:pPr>
             <a:r>
-              <a:rPr lang="en-US" altLang="en-US" sz="2400" dirty="0">
-                <a:solidFill>
-                  <a:srgbClr val="FF0000"/>
-                </a:solidFill>
-              </a:rPr>
-              <a:t>Machine Language    </a:t>
-            </a:r>
-            <a:r>
-              <a:rPr lang="en-US" altLang="en-US" sz="2400" dirty="0"/>
-              <a:t>Assembly Language      High-Level Language</a:t>
-            </a:r>
-          </a:p>
-        </p:txBody>
-      </p:sp>
-      <p:sp>
-        <p:nvSpPr>
-          <p:cNvPr id="15365" name="Rectangle 1028"/>
-          <p:cNvSpPr>
-            <a:spLocks noChangeArrowheads="1"/>
-          </p:cNvSpPr>
-          <p:nvPr/>
-        </p:nvSpPr>
-        <p:spPr bwMode="auto">
-          <a:xfrm>
-            <a:off x="1752600" y="1600200"/>
-            <a:ext cx="8686800" cy="4495800"/>
-          </a:xfrm>
-          <a:prstGeom prst="rect">
-            <a:avLst/>
-          </a:prstGeom>
-          <a:noFill/>
-          <a:ln w="9525">
-            <a:solidFill>
-              <a:srgbClr val="FF0000"/>
-            </a:solidFill>
-            <a:miter lim="800000"/>
-            <a:headEnd/>
-            <a:tailEnd/>
-          </a:ln>
-          <a:effectLst/>
-          <a:extLst>
-            <a:ext uri="{909E8E84-426E-40DD-AFC4-6F175D3DCCD1}">
-              <a14:hiddenFill xmlns:a14="http://schemas.microsoft.com/office/drawing/2010/main">
-                <a:solidFill>
-                  <a:schemeClr val="accent1"/>
-                </a:solidFill>
-              </a14:hiddenFill>
-            </a:ext>
-            <a:ext uri="{AF507438-7753-43E0-B8FC-AC1667EBCBE1}">
-              <a14:hiddenEffects xmlns:a14="http://schemas.microsoft.com/office/drawing/2010/main">
-                <a:effectLst>
-                  <a:outerShdw dist="35921" dir="2700000" algn="ctr" rotWithShape="0">
-                    <a:schemeClr val="bg2"/>
-                  </a:outerShdw>
-                </a:effectLst>
-              </a14:hiddenEffects>
-            </a:ext>
-          </a:extLst>
-        </p:spPr>
-        <p:txBody>
-          <a:bodyPr lIns="92075" tIns="46038" rIns="92075" bIns="46038"/>
-          <a:lstStyle>
-            <a:lvl1pPr>
-              <a:spcBef>
-                <a:spcPct val="20000"/>
-              </a:spcBef>
-              <a:buClr>
-                <a:schemeClr val="tx2"/>
-              </a:buClr>
-              <a:buSzPct val="75000"/>
-              <a:buFont typeface="Monotype Sorts" pitchFamily="2" charset="2"/>
-              <a:buChar char="F"/>
-              <a:defRPr sz="3200">
-                <a:solidFill>
-                  <a:schemeClr val="tx1"/>
-                </a:solidFill>
-                <a:latin typeface="Times New Roman" panose="02020603050405020304" pitchFamily="18" charset="0"/>
-              </a:defRPr>
-            </a:lvl1pPr>
-            <a:lvl2pPr marL="742950" indent="-285750">
-              <a:spcBef>
-                <a:spcPct val="20000"/>
-              </a:spcBef>
-              <a:buClr>
-                <a:schemeClr val="tx1"/>
-              </a:buClr>
-              <a:buChar char="–"/>
-              <a:defRPr sz="2800">
-                <a:solidFill>
-                  <a:schemeClr val="tx1"/>
-                </a:solidFill>
-                <a:latin typeface="Times New Roman" panose="02020603050405020304" pitchFamily="18" charset="0"/>
-              </a:defRPr>
-            </a:lvl2pPr>
-            <a:lvl3pPr marL="1143000" indent="-228600">
-              <a:spcBef>
-                <a:spcPct val="20000"/>
-              </a:spcBef>
-              <a:buClr>
-                <a:schemeClr val="accent2"/>
-              </a:buClr>
-              <a:buSzPct val="65000"/>
-              <a:buFont typeface="Monotype Sorts" pitchFamily="2" charset="2"/>
-              <a:buChar char="u"/>
-              <a:defRPr sz="2400">
-                <a:solidFill>
-                  <a:schemeClr val="tx1"/>
-                </a:solidFill>
-                <a:latin typeface="Times New Roman" panose="02020603050405020304" pitchFamily="18" charset="0"/>
-              </a:defRPr>
-            </a:lvl3pPr>
-            <a:lvl4pPr marL="1600200" indent="-228600">
-              <a:spcBef>
-                <a:spcPct val="20000"/>
-              </a:spcBef>
-              <a:buClr>
-                <a:schemeClr val="tx1"/>
-              </a:buClr>
-              <a:buChar char="–"/>
-              <a:defRPr sz="2000">
-                <a:solidFill>
-                  <a:schemeClr val="tx1"/>
-                </a:solidFill>
-                <a:latin typeface="Times New Roman" panose="02020603050405020304" pitchFamily="18" charset="0"/>
-              </a:defRPr>
-            </a:lvl4pPr>
-            <a:lvl5pPr marL="2057400" indent="-228600">
-              <a:spcBef>
-                <a:spcPct val="20000"/>
-              </a:spcBef>
-              <a:buClr>
-                <a:schemeClr val="tx2"/>
-              </a:buClr>
-              <a:buChar char="•"/>
-              <a:defRPr sz="2000">
-                <a:solidFill>
-                  <a:schemeClr val="tx1"/>
-                </a:solidFill>
-                <a:latin typeface="Times New Roman" panose="02020603050405020304" pitchFamily="18" charset="0"/>
-              </a:defRPr>
-            </a:lvl5pPr>
-            <a:lvl6pPr marL="2514600" indent="-228600" eaLnBrk="0" fontAlgn="base" hangingPunct="0">
-              <a:spcBef>
-                <a:spcPct val="20000"/>
-              </a:spcBef>
-              <a:spcAft>
-                <a:spcPct val="0"/>
-              </a:spcAft>
-              <a:buClr>
-                <a:schemeClr val="tx2"/>
-              </a:buClr>
-              <a:buChar char="•"/>
-              <a:defRPr sz="2000">
-                <a:solidFill>
-                  <a:schemeClr val="tx1"/>
-                </a:solidFill>
-                <a:latin typeface="Times New Roman" panose="02020603050405020304" pitchFamily="18" charset="0"/>
-              </a:defRPr>
-            </a:lvl6pPr>
-            <a:lvl7pPr marL="2971800" indent="-228600" eaLnBrk="0" fontAlgn="base" hangingPunct="0">
-              <a:spcBef>
-                <a:spcPct val="20000"/>
-              </a:spcBef>
-              <a:spcAft>
-                <a:spcPct val="0"/>
-              </a:spcAft>
-              <a:buClr>
-                <a:schemeClr val="tx2"/>
-              </a:buClr>
-              <a:buChar char="•"/>
-              <a:defRPr sz="2000">
-                <a:solidFill>
-                  <a:schemeClr val="tx1"/>
-                </a:solidFill>
-                <a:latin typeface="Times New Roman" panose="02020603050405020304" pitchFamily="18" charset="0"/>
-              </a:defRPr>
-            </a:lvl7pPr>
-            <a:lvl8pPr marL="3429000" indent="-228600" eaLnBrk="0" fontAlgn="base" hangingPunct="0">
-              <a:spcBef>
-                <a:spcPct val="20000"/>
-              </a:spcBef>
-              <a:spcAft>
-                <a:spcPct val="0"/>
-              </a:spcAft>
-              <a:buClr>
-                <a:schemeClr val="tx2"/>
-              </a:buClr>
-              <a:buChar char="•"/>
-              <a:defRPr sz="2000">
-                <a:solidFill>
-                  <a:schemeClr val="tx1"/>
-                </a:solidFill>
-                <a:latin typeface="Times New Roman" panose="02020603050405020304" pitchFamily="18" charset="0"/>
-              </a:defRPr>
-            </a:lvl8pPr>
-            <a:lvl9pPr marL="3886200" indent="-228600" eaLnBrk="0" fontAlgn="base" hangingPunct="0">
-              <a:spcBef>
-                <a:spcPct val="20000"/>
-              </a:spcBef>
-              <a:spcAft>
-                <a:spcPct val="0"/>
-              </a:spcAft>
-              <a:buClr>
-                <a:schemeClr val="tx2"/>
-              </a:buClr>
-              <a:buChar char="•"/>
-              <a:defRPr sz="2000">
-                <a:solidFill>
-                  <a:schemeClr val="tx1"/>
-                </a:solidFill>
-                <a:latin typeface="Times New Roman" panose="02020603050405020304" pitchFamily="18" charset="0"/>
-              </a:defRPr>
-            </a:lvl9pPr>
-          </a:lstStyle>
-          <a:p>
-            <a:pPr marL="342900" indent="-342900">
-              <a:lnSpc>
-                <a:spcPct val="90000"/>
-              </a:lnSpc>
-              <a:buFont typeface="Arial" panose="020B0604020202020204" pitchFamily="34" charset="0"/>
-              <a:buChar char="•"/>
-              <a:defRPr/>
-            </a:pPr>
-            <a:r>
-              <a:rPr lang="en-US" altLang="en-US" sz="2300" dirty="0">
-                <a:solidFill>
-                  <a:srgbClr val="000000"/>
-                </a:solidFill>
-              </a:rPr>
-              <a:t>Any computer can directly understand only its own </a:t>
-            </a:r>
-            <a:r>
-              <a:rPr lang="en-US" altLang="en-US" sz="2300" dirty="0">
-                <a:solidFill>
-                  <a:srgbClr val="0000FF"/>
-                </a:solidFill>
-              </a:rPr>
-              <a:t>machine language</a:t>
-            </a:r>
-            <a:r>
-              <a:rPr lang="en-US" altLang="en-US" sz="2300" i="1" dirty="0">
-                <a:solidFill>
-                  <a:srgbClr val="000000"/>
-                </a:solidFill>
-              </a:rPr>
-              <a:t>, defined by its hardware design.</a:t>
-            </a:r>
-          </a:p>
-          <a:p>
-            <a:pPr lvl="1">
-              <a:lnSpc>
-                <a:spcPct val="90000"/>
-              </a:lnSpc>
-              <a:defRPr/>
-            </a:pPr>
-            <a:r>
-              <a:rPr lang="en-US" altLang="en-US" sz="2000" dirty="0">
-                <a:solidFill>
-                  <a:srgbClr val="000000"/>
-                </a:solidFill>
-              </a:rPr>
-              <a:t>Generally consist of strings of numbers (ultimately reduced to 1s and 0s) that instruct computers to perform their most elementary operations one at a time.</a:t>
-            </a:r>
-          </a:p>
-          <a:p>
-            <a:pPr lvl="1">
-              <a:lnSpc>
-                <a:spcPct val="90000"/>
-              </a:lnSpc>
-              <a:defRPr/>
-            </a:pPr>
-            <a:r>
-              <a:rPr lang="en-US" altLang="en-US" sz="2000" i="1" dirty="0">
-                <a:solidFill>
-                  <a:srgbClr val="000000"/>
-                </a:solidFill>
-              </a:rPr>
-              <a:t>Machine dependent—a particular ma-chine language can be used on only one type of computer.</a:t>
-            </a:r>
-            <a:r>
-              <a:rPr lang="en-US" altLang="en-US" dirty="0">
-                <a:solidFill>
-                  <a:schemeClr val="tx2"/>
-                </a:solidFill>
-                <a:cs typeface="Times New Roman" panose="02020603050405020304" pitchFamily="18" charset="0"/>
-              </a:rPr>
-              <a:t> </a:t>
-            </a:r>
-          </a:p>
-          <a:p>
-            <a:pPr lvl="1">
-              <a:lnSpc>
-                <a:spcPct val="90000"/>
-              </a:lnSpc>
-              <a:defRPr/>
-            </a:pPr>
-            <a:r>
-              <a:rPr lang="en-US" altLang="en-US" sz="2000" dirty="0">
-                <a:solidFill>
-                  <a:srgbClr val="000000"/>
-                </a:solidFill>
-              </a:rPr>
-              <a:t>For example, to add two numbers, you might write an instruction in binary like this:</a:t>
-            </a:r>
-          </a:p>
-          <a:p>
-            <a:pPr algn="ctr">
-              <a:lnSpc>
-                <a:spcPct val="90000"/>
-              </a:lnSpc>
-              <a:spcBef>
-                <a:spcPct val="0"/>
-              </a:spcBef>
-              <a:buClrTx/>
-              <a:buSzTx/>
-              <a:buFontTx/>
-              <a:buNone/>
-            </a:pPr>
-            <a:r>
-              <a:rPr lang="en-US" altLang="en-US" dirty="0">
-                <a:solidFill>
-                  <a:schemeClr val="tx2"/>
-                </a:solidFill>
-              </a:rPr>
-              <a:t> </a:t>
-            </a:r>
-          </a:p>
-          <a:p>
-            <a:pPr lvl="1">
-              <a:lnSpc>
-                <a:spcPct val="90000"/>
-              </a:lnSpc>
-              <a:buFontTx/>
-              <a:buNone/>
-            </a:pPr>
-            <a:r>
-              <a:rPr lang="en-US" altLang="en-US" dirty="0">
-                <a:solidFill>
-                  <a:schemeClr val="tx2"/>
-                </a:solidFill>
-                <a:latin typeface="Courier New" panose="02070309020205020404" pitchFamily="49" charset="0"/>
-                <a:cs typeface="Times New Roman" panose="02020603050405020304" pitchFamily="18" charset="0"/>
-              </a:rPr>
-              <a:t>				1101101010011010</a:t>
-            </a:r>
-            <a:endParaRPr lang="en-US" altLang="en-US" dirty="0">
-              <a:solidFill>
-                <a:schemeClr val="tx2"/>
-              </a:solidFill>
-              <a:latin typeface="Courier New" panose="02070309020205020404" pitchFamily="49" charset="0"/>
-            </a:endParaRPr>
+              <a:rPr lang="en-US" sz="3247" dirty="0"/>
+              <a:t>Programming languages are a lot like human languages in that they have syntax rules (grammar of the language) and semantics (meaning of the statement).</a:t>
+            </a:r>
+            <a:br>
+              <a:rPr lang="en-US" sz="3247" dirty="0"/>
+            </a:br>
+            <a:br>
+              <a:rPr lang="en-US" sz="3247" dirty="0"/>
+            </a:br>
+            <a:endParaRPr sz="3247" dirty="0"/>
           </a:p>
         </p:txBody>
       </p:sp>
     </p:spTree>
     <p:extLst>
       <p:ext uri="{BB962C8B-B14F-4D97-AF65-F5344CB8AC3E}">
-        <p14:creationId xmlns:p14="http://schemas.microsoft.com/office/powerpoint/2010/main" val="3827478606"/>
+        <p14:creationId xmlns:p14="http://schemas.microsoft.com/office/powerpoint/2010/main" val="3245144420"/>
       </p:ext>
     </p:extLst>
   </p:cSld>
@@ -7324,6 +6956,1554 @@
       </p:grpSpPr>
       <p:sp>
         <p:nvSpPr>
+          <p:cNvPr id="2" name="Title 1">
+            <a:extLst>
+              <a:ext uri="{FF2B5EF4-FFF2-40B4-BE49-F238E27FC236}">
+                <a16:creationId xmlns:a16="http://schemas.microsoft.com/office/drawing/2014/main" id="{DB94464E-9628-4DC7-B28A-20B7A5A0F89C}"/>
+              </a:ext>
+            </a:extLst>
+          </p:cNvPr>
+          <p:cNvSpPr>
+            <a:spLocks noGrp="1"/>
+          </p:cNvSpPr>
+          <p:nvPr>
+            <p:ph type="title"/>
+          </p:nvPr>
+        </p:nvSpPr>
+        <p:spPr/>
+        <p:txBody>
+          <a:bodyPr/>
+          <a:lstStyle/>
+          <a:p>
+            <a:pPr algn="ctr"/>
+            <a:r>
+              <a:rPr lang="en-US" dirty="0"/>
+              <a:t>Syntax (Grammar)</a:t>
+            </a:r>
+          </a:p>
+        </p:txBody>
+      </p:sp>
+      <p:sp>
+        <p:nvSpPr>
+          <p:cNvPr id="3" name="Content Placeholder 2">
+            <a:extLst>
+              <a:ext uri="{FF2B5EF4-FFF2-40B4-BE49-F238E27FC236}">
+                <a16:creationId xmlns:a16="http://schemas.microsoft.com/office/drawing/2014/main" id="{9FD1415C-DB47-4534-8633-05D93D1F62B0}"/>
+              </a:ext>
+            </a:extLst>
+          </p:cNvPr>
+          <p:cNvSpPr>
+            <a:spLocks noGrp="1"/>
+          </p:cNvSpPr>
+          <p:nvPr>
+            <p:ph idx="1"/>
+          </p:nvPr>
+        </p:nvSpPr>
+        <p:spPr/>
+        <p:txBody>
+          <a:bodyPr/>
+          <a:lstStyle/>
+          <a:p>
+            <a:r>
+              <a:rPr lang="en-US" dirty="0"/>
+              <a:t>Lisa goes to school. </a:t>
+            </a:r>
+          </a:p>
+          <a:p>
+            <a:pPr marL="0" indent="0">
+              <a:buNone/>
+            </a:pPr>
+            <a:endParaRPr lang="en-US" dirty="0"/>
+          </a:p>
+          <a:p>
+            <a:pPr marL="0" indent="0">
+              <a:buNone/>
+            </a:pPr>
+            <a:endParaRPr lang="en-US" dirty="0"/>
+          </a:p>
+          <a:p>
+            <a:r>
+              <a:rPr lang="en-US" dirty="0"/>
+              <a:t>Goes Lisa school to.</a:t>
+            </a:r>
+          </a:p>
+          <a:p>
+            <a:endParaRPr lang="en-US" dirty="0"/>
+          </a:p>
+        </p:txBody>
+      </p:sp>
+      <p:sp>
+        <p:nvSpPr>
+          <p:cNvPr id="4" name="object 4">
+            <a:extLst>
+              <a:ext uri="{FF2B5EF4-FFF2-40B4-BE49-F238E27FC236}">
+                <a16:creationId xmlns:a16="http://schemas.microsoft.com/office/drawing/2014/main" id="{B2532B22-1B11-44D0-87FF-04371E02B925}"/>
+              </a:ext>
+            </a:extLst>
+          </p:cNvPr>
+          <p:cNvSpPr/>
+          <p:nvPr/>
+        </p:nvSpPr>
+        <p:spPr>
+          <a:xfrm>
+            <a:off x="4229986" y="1414130"/>
+            <a:ext cx="1086293" cy="1007804"/>
+          </a:xfrm>
+          <a:prstGeom prst="rect">
+            <a:avLst/>
+          </a:prstGeom>
+          <a:blipFill>
+            <a:blip r:embed="rId2" cstate="print"/>
+            <a:stretch>
+              <a:fillRect/>
+            </a:stretch>
+          </a:blipFill>
+        </p:spPr>
+        <p:txBody>
+          <a:bodyPr wrap="square" lIns="0" tIns="0" rIns="0" bIns="0" rtlCol="0"/>
+          <a:lstStyle/>
+          <a:p>
+            <a:endParaRPr dirty="0"/>
+          </a:p>
+        </p:txBody>
+      </p:sp>
+      <p:pic>
+        <p:nvPicPr>
+          <p:cNvPr id="11" name="Picture 10">
+            <a:extLst>
+              <a:ext uri="{FF2B5EF4-FFF2-40B4-BE49-F238E27FC236}">
+                <a16:creationId xmlns:a16="http://schemas.microsoft.com/office/drawing/2014/main" id="{0312FA33-E984-4FD9-A6F4-9F364FA56941}"/>
+              </a:ext>
+            </a:extLst>
+          </p:cNvPr>
+          <p:cNvPicPr>
+            <a:picLocks noChangeAspect="1"/>
+          </p:cNvPicPr>
+          <p:nvPr/>
+        </p:nvPicPr>
+        <p:blipFill>
+          <a:blip r:embed="rId3">
+            <a:extLst>
+              <a:ext uri="{28A0092B-C50C-407E-A947-70E740481C1C}">
+                <a14:useLocalDpi xmlns:a14="http://schemas.microsoft.com/office/drawing/2010/main" val="0"/>
+              </a:ext>
+            </a:extLst>
+          </a:blip>
+          <a:stretch>
+            <a:fillRect/>
+          </a:stretch>
+        </p:blipFill>
+        <p:spPr>
+          <a:xfrm>
+            <a:off x="4286129" y="2707009"/>
+            <a:ext cx="1871602" cy="1527859"/>
+          </a:xfrm>
+          <a:prstGeom prst="rect">
+            <a:avLst/>
+          </a:prstGeom>
+        </p:spPr>
+      </p:pic>
+    </p:spTree>
+    <p:extLst>
+      <p:ext uri="{BB962C8B-B14F-4D97-AF65-F5344CB8AC3E}">
+        <p14:creationId xmlns:p14="http://schemas.microsoft.com/office/powerpoint/2010/main" val="2489863075"/>
+      </p:ext>
+    </p:extLst>
+  </p:cSld>
+  <p:clrMapOvr>
+    <a:masterClrMapping/>
+  </p:clrMapOvr>
+  <p:timing>
+    <p:tnLst>
+      <p:par>
+        <p:cTn id="1" dur="indefinite" restart="never" nodeType="tmRoot">
+          <p:childTnLst>
+            <p:seq concurrent="1" nextAc="seek">
+              <p:cTn id="2" dur="indefinite" nodeType="mainSeq">
+                <p:childTnLst>
+                  <p:par>
+                    <p:cTn id="3" fill="hold">
+                      <p:stCondLst>
+                        <p:cond delay="indefinite"/>
+                      </p:stCondLst>
+                      <p:childTnLst>
+                        <p:par>
+                          <p:cTn id="4" fill="hold">
+                            <p:stCondLst>
+                              <p:cond delay="0"/>
+                            </p:stCondLst>
+                            <p:childTnLst>
+                              <p:par>
+                                <p:cTn id="5" presetID="1" presetClass="entr" presetSubtype="0" fill="hold" grpId="0" nodeType="clickEffect">
+                                  <p:stCondLst>
+                                    <p:cond delay="0"/>
+                                  </p:stCondLst>
+                                  <p:childTnLst>
+                                    <p:set>
+                                      <p:cBhvr>
+                                        <p:cTn id="6" dur="1" fill="hold">
+                                          <p:stCondLst>
+                                            <p:cond delay="0"/>
+                                          </p:stCondLst>
+                                        </p:cTn>
+                                        <p:tgtEl>
+                                          <p:spTgt spid="4"/>
+                                        </p:tgtEl>
+                                        <p:attrNameLst>
+                                          <p:attrName>style.visibility</p:attrName>
+                                        </p:attrNameLst>
+                                      </p:cBhvr>
+                                      <p:to>
+                                        <p:strVal val="visible"/>
+                                      </p:to>
+                                    </p:set>
+                                  </p:childTnLst>
+                                </p:cTn>
+                              </p:par>
+                            </p:childTnLst>
+                          </p:cTn>
+                        </p:par>
+                      </p:childTnLst>
+                    </p:cTn>
+                  </p:par>
+                  <p:par>
+                    <p:cTn id="7" fill="hold">
+                      <p:stCondLst>
+                        <p:cond delay="indefinite"/>
+                      </p:stCondLst>
+                      <p:childTnLst>
+                        <p:par>
+                          <p:cTn id="8" fill="hold">
+                            <p:stCondLst>
+                              <p:cond delay="0"/>
+                            </p:stCondLst>
+                            <p:childTnLst>
+                              <p:par>
+                                <p:cTn id="9" presetID="1" presetClass="entr" presetSubtype="0" fill="hold" nodeType="clickEffect">
+                                  <p:stCondLst>
+                                    <p:cond delay="0"/>
+                                  </p:stCondLst>
+                                  <p:childTnLst>
+                                    <p:set>
+                                      <p:cBhvr>
+                                        <p:cTn id="10" dur="1" fill="hold">
+                                          <p:stCondLst>
+                                            <p:cond delay="0"/>
+                                          </p:stCondLst>
+                                        </p:cTn>
+                                        <p:tgtEl>
+                                          <p:spTgt spid="11"/>
+                                        </p:tgtEl>
+                                        <p:attrNameLst>
+                                          <p:attrName>style.visibility</p:attrName>
+                                        </p:attrNameLst>
+                                      </p:cBhvr>
+                                      <p:to>
+                                        <p:strVal val="visible"/>
+                                      </p:to>
+                                    </p:set>
+                                  </p:childTnLst>
+                                </p:cTn>
+                              </p:par>
+                            </p:childTnLst>
+                          </p:cTn>
+                        </p:par>
+                      </p:childTnLst>
+                    </p:cTn>
+                  </p:par>
+                </p:childTnLst>
+              </p:cTn>
+              <p:prevCondLst>
+                <p:cond evt="onPrev" delay="0">
+                  <p:tgtEl>
+                    <p:sldTgt/>
+                  </p:tgtEl>
+                </p:cond>
+              </p:prevCondLst>
+              <p:nextCondLst>
+                <p:cond evt="onNext" delay="0">
+                  <p:tgtEl>
+                    <p:sldTgt/>
+                  </p:tgtEl>
+                </p:cond>
+              </p:nextCondLst>
+            </p:seq>
+          </p:childTnLst>
+        </p:cTn>
+      </p:par>
+    </p:tnLst>
+    <p:bldLst>
+      <p:bldP spid="4" grpId="0" animBg="1"/>
+    </p:bldLst>
+  </p:timing>
+</p:sld>
+</file>
+
+<file path=ppt/slides/slide14.xml><?xml version="1.0" encoding="utf-8"?>
+<p:sld xmlns:a="http://schemas.openxmlformats.org/drawingml/2006/main" xmlns:r="http://schemas.openxmlformats.org/officeDocument/2006/relationships" xmlns:p="http://schemas.openxmlformats.org/presentationml/2006/main">
+  <p:cSld>
+    <p:spTree>
+      <p:nvGrpSpPr>
+        <p:cNvPr id="1" name=""/>
+        <p:cNvGrpSpPr/>
+        <p:nvPr/>
+      </p:nvGrpSpPr>
+      <p:grpSpPr>
+        <a:xfrm>
+          <a:off x="0" y="0"/>
+          <a:ext cx="0" cy="0"/>
+          <a:chOff x="0" y="0"/>
+          <a:chExt cx="0" cy="0"/>
+        </a:xfrm>
+      </p:grpSpPr>
+      <p:sp>
+        <p:nvSpPr>
+          <p:cNvPr id="2" name="object 2"/>
+          <p:cNvSpPr txBox="1"/>
+          <p:nvPr/>
+        </p:nvSpPr>
+        <p:spPr>
+          <a:xfrm>
+            <a:off x="3825463" y="0"/>
+            <a:ext cx="4535215" cy="1507968"/>
+          </a:xfrm>
+          <a:prstGeom prst="rect">
+            <a:avLst/>
+          </a:prstGeom>
+        </p:spPr>
+        <p:txBody>
+          <a:bodyPr vert="horz" wrap="square" lIns="0" tIns="224527" rIns="0" bIns="0" rtlCol="0">
+            <a:spAutoFit/>
+          </a:bodyPr>
+          <a:lstStyle/>
+          <a:p>
+            <a:pPr marL="6109" algn="ctr">
+              <a:spcBef>
+                <a:spcPts val="1768"/>
+              </a:spcBef>
+            </a:pPr>
+            <a:r>
+              <a:rPr sz="5051" spc="-3" dirty="0">
+                <a:latin typeface="Gill Sans MT"/>
+                <a:cs typeface="Gill Sans MT"/>
+              </a:rPr>
+              <a:t>Semantics</a:t>
+            </a:r>
+            <a:endParaRPr sz="5051">
+              <a:latin typeface="Gill Sans MT"/>
+              <a:cs typeface="Gill Sans MT"/>
+            </a:endParaRPr>
+          </a:p>
+          <a:p>
+            <a:pPr algn="ctr">
+              <a:spcBef>
+                <a:spcPts val="854"/>
+              </a:spcBef>
+              <a:tabLst>
+                <a:tab pos="2474993" algn="l"/>
+              </a:tabLst>
+            </a:pPr>
+            <a:r>
+              <a:rPr sz="2525" spc="9" dirty="0">
+                <a:latin typeface="Gill Sans MT"/>
+                <a:cs typeface="Gill Sans MT"/>
+              </a:rPr>
+              <a:t>Defines</a:t>
+            </a:r>
+            <a:r>
+              <a:rPr sz="2525" spc="3" dirty="0">
+                <a:latin typeface="Gill Sans MT"/>
+                <a:cs typeface="Gill Sans MT"/>
+              </a:rPr>
+              <a:t> </a:t>
+            </a:r>
+            <a:r>
+              <a:rPr sz="2525" spc="-3" dirty="0">
+                <a:latin typeface="Gill Sans MT"/>
+                <a:cs typeface="Gill Sans MT"/>
+              </a:rPr>
+              <a:t>what</a:t>
+            </a:r>
+            <a:r>
+              <a:rPr sz="2525" spc="6" dirty="0">
+                <a:latin typeface="Gill Sans MT"/>
+                <a:cs typeface="Gill Sans MT"/>
+              </a:rPr>
+              <a:t> </a:t>
+            </a:r>
+            <a:r>
+              <a:rPr sz="2525" spc="-3" dirty="0">
+                <a:latin typeface="Gill Sans MT"/>
+                <a:cs typeface="Gill Sans MT"/>
+              </a:rPr>
+              <a:t>valid	</a:t>
+            </a:r>
+            <a:r>
+              <a:rPr sz="2525" dirty="0">
+                <a:latin typeface="Gill Sans MT"/>
+                <a:cs typeface="Gill Sans MT"/>
+              </a:rPr>
+              <a:t>sentences</a:t>
+            </a:r>
+            <a:r>
+              <a:rPr sz="2525" spc="-45" dirty="0">
+                <a:latin typeface="Gill Sans MT"/>
+                <a:cs typeface="Gill Sans MT"/>
+              </a:rPr>
+              <a:t> </a:t>
+            </a:r>
+            <a:r>
+              <a:rPr sz="2525" i="1" spc="-3" dirty="0">
+                <a:latin typeface="Gill Sans MT"/>
+                <a:cs typeface="Gill Sans MT"/>
+              </a:rPr>
+              <a:t>mean</a:t>
+            </a:r>
+            <a:endParaRPr sz="2525">
+              <a:latin typeface="Gill Sans MT"/>
+              <a:cs typeface="Gill Sans MT"/>
+            </a:endParaRPr>
+          </a:p>
+        </p:txBody>
+      </p:sp>
+      <p:sp>
+        <p:nvSpPr>
+          <p:cNvPr id="3" name="object 3"/>
+          <p:cNvSpPr/>
+          <p:nvPr/>
+        </p:nvSpPr>
+        <p:spPr>
+          <a:xfrm>
+            <a:off x="2185871" y="1481572"/>
+            <a:ext cx="7820258" cy="0"/>
+          </a:xfrm>
+          <a:custGeom>
+            <a:avLst/>
+            <a:gdLst/>
+            <a:ahLst/>
+            <a:cxnLst/>
+            <a:rect l="l" t="t" r="r" b="b"/>
+            <a:pathLst>
+              <a:path w="13004800">
+                <a:moveTo>
+                  <a:pt x="0" y="0"/>
+                </a:moveTo>
+                <a:lnTo>
+                  <a:pt x="13004800" y="0"/>
+                </a:lnTo>
+              </a:path>
+            </a:pathLst>
+          </a:custGeom>
+          <a:ln w="38100">
+            <a:solidFill>
+              <a:srgbClr val="000000"/>
+            </a:solidFill>
+          </a:ln>
+        </p:spPr>
+        <p:txBody>
+          <a:bodyPr wrap="square" lIns="0" tIns="0" rIns="0" bIns="0" rtlCol="0"/>
+          <a:lstStyle/>
+          <a:p>
+            <a:endParaRPr sz="1082"/>
+          </a:p>
+        </p:txBody>
+      </p:sp>
+      <p:sp>
+        <p:nvSpPr>
+          <p:cNvPr id="4" name="object 4"/>
+          <p:cNvSpPr txBox="1"/>
+          <p:nvPr/>
+        </p:nvSpPr>
+        <p:spPr>
+          <a:xfrm>
+            <a:off x="4465507" y="1741229"/>
+            <a:ext cx="3260605" cy="396279"/>
+          </a:xfrm>
+          <a:prstGeom prst="rect">
+            <a:avLst/>
+          </a:prstGeom>
+        </p:spPr>
+        <p:txBody>
+          <a:bodyPr vert="horz" wrap="square" lIns="0" tIns="7637" rIns="0" bIns="0" rtlCol="0">
+            <a:spAutoFit/>
+          </a:bodyPr>
+          <a:lstStyle/>
+          <a:p>
+            <a:pPr marL="7637">
+              <a:spcBef>
+                <a:spcPts val="60"/>
+              </a:spcBef>
+            </a:pPr>
+            <a:r>
+              <a:rPr lang="en-US" sz="2525" spc="-3" dirty="0">
+                <a:solidFill>
+                  <a:srgbClr val="FF4013"/>
+                </a:solidFill>
+                <a:latin typeface="Gill Sans MT"/>
+                <a:cs typeface="Gill Sans MT"/>
+              </a:rPr>
+              <a:t>Lisa</a:t>
+            </a:r>
+            <a:r>
+              <a:rPr sz="2525" spc="-3" dirty="0">
+                <a:solidFill>
+                  <a:srgbClr val="FF4013"/>
+                </a:solidFill>
+                <a:latin typeface="Gill Sans MT"/>
+                <a:cs typeface="Gill Sans MT"/>
+              </a:rPr>
+              <a:t> </a:t>
+            </a:r>
+            <a:r>
+              <a:rPr sz="2525" spc="-9" dirty="0">
+                <a:latin typeface="Gill Sans MT"/>
+                <a:cs typeface="Gill Sans MT"/>
+              </a:rPr>
+              <a:t>goes </a:t>
+            </a:r>
+            <a:r>
+              <a:rPr sz="2525" dirty="0">
+                <a:latin typeface="Gill Sans MT"/>
+                <a:cs typeface="Gill Sans MT"/>
+              </a:rPr>
+              <a:t>to </a:t>
+            </a:r>
+            <a:r>
+              <a:rPr sz="2525" spc="-3" dirty="0">
+                <a:latin typeface="Gill Sans MT"/>
+                <a:cs typeface="Gill Sans MT"/>
+              </a:rPr>
+              <a:t>the</a:t>
+            </a:r>
+            <a:r>
+              <a:rPr sz="2525" spc="-21" dirty="0">
+                <a:latin typeface="Gill Sans MT"/>
+                <a:cs typeface="Gill Sans MT"/>
+              </a:rPr>
+              <a:t> </a:t>
+            </a:r>
+            <a:r>
+              <a:rPr lang="en-US" sz="2525" spc="-3" dirty="0">
+                <a:latin typeface="Gill Sans MT"/>
+                <a:cs typeface="Gill Sans MT"/>
+              </a:rPr>
+              <a:t>school</a:t>
+            </a:r>
+            <a:r>
+              <a:rPr sz="2525" spc="-3" dirty="0">
+                <a:latin typeface="Gill Sans MT"/>
+                <a:cs typeface="Gill Sans MT"/>
+              </a:rPr>
+              <a:t>.</a:t>
+            </a:r>
+            <a:endParaRPr sz="2525" dirty="0">
+              <a:latin typeface="Gill Sans MT"/>
+              <a:cs typeface="Gill Sans MT"/>
+            </a:endParaRPr>
+          </a:p>
+        </p:txBody>
+      </p:sp>
+      <p:sp>
+        <p:nvSpPr>
+          <p:cNvPr id="6" name="object 6"/>
+          <p:cNvSpPr/>
+          <p:nvPr/>
+        </p:nvSpPr>
+        <p:spPr>
+          <a:xfrm>
+            <a:off x="2185871" y="0"/>
+            <a:ext cx="7820258" cy="5865194"/>
+          </a:xfrm>
+          <a:custGeom>
+            <a:avLst/>
+            <a:gdLst/>
+            <a:ahLst/>
+            <a:cxnLst/>
+            <a:rect l="l" t="t" r="r" b="b"/>
+            <a:pathLst>
+              <a:path w="13004800" h="9753600">
+                <a:moveTo>
+                  <a:pt x="0" y="9753600"/>
+                </a:moveTo>
+                <a:lnTo>
+                  <a:pt x="13004800" y="9753600"/>
+                </a:lnTo>
+                <a:lnTo>
+                  <a:pt x="13004800" y="0"/>
+                </a:lnTo>
+                <a:lnTo>
+                  <a:pt x="0" y="0"/>
+                </a:lnTo>
+                <a:lnTo>
+                  <a:pt x="0" y="9753600"/>
+                </a:lnTo>
+                <a:close/>
+              </a:path>
+            </a:pathLst>
+          </a:custGeom>
+          <a:ln w="12700">
+            <a:solidFill>
+              <a:srgbClr val="4C4C4C"/>
+            </a:solidFill>
+          </a:ln>
+        </p:spPr>
+        <p:txBody>
+          <a:bodyPr wrap="square" lIns="0" tIns="0" rIns="0" bIns="0" rtlCol="0"/>
+          <a:lstStyle/>
+          <a:p>
+            <a:endParaRPr sz="1082"/>
+          </a:p>
+        </p:txBody>
+      </p:sp>
+      <p:cxnSp>
+        <p:nvCxnSpPr>
+          <p:cNvPr id="8" name="Straight Arrow Connector 7">
+            <a:extLst>
+              <a:ext uri="{FF2B5EF4-FFF2-40B4-BE49-F238E27FC236}">
+                <a16:creationId xmlns:a16="http://schemas.microsoft.com/office/drawing/2014/main" id="{A6C7EEE7-D5F5-4832-AA49-DD6D390A1B9C}"/>
+              </a:ext>
+            </a:extLst>
+          </p:cNvPr>
+          <p:cNvCxnSpPr/>
+          <p:nvPr/>
+        </p:nvCxnSpPr>
+        <p:spPr>
+          <a:xfrm>
+            <a:off x="5183296" y="3870405"/>
+            <a:ext cx="1180214" cy="0"/>
+          </a:xfrm>
+          <a:prstGeom prst="straightConnector1">
+            <a:avLst/>
+          </a:prstGeom>
+          <a:ln w="127000">
+            <a:tailEnd type="triangle"/>
+          </a:ln>
+        </p:spPr>
+        <p:style>
+          <a:lnRef idx="1">
+            <a:schemeClr val="accent1"/>
+          </a:lnRef>
+          <a:fillRef idx="0">
+            <a:schemeClr val="accent1"/>
+          </a:fillRef>
+          <a:effectRef idx="0">
+            <a:schemeClr val="accent1"/>
+          </a:effectRef>
+          <a:fontRef idx="minor">
+            <a:schemeClr val="tx1"/>
+          </a:fontRef>
+        </p:style>
+      </p:cxnSp>
+      <p:pic>
+        <p:nvPicPr>
+          <p:cNvPr id="10" name="Picture 9">
+            <a:extLst>
+              <a:ext uri="{FF2B5EF4-FFF2-40B4-BE49-F238E27FC236}">
+                <a16:creationId xmlns:a16="http://schemas.microsoft.com/office/drawing/2014/main" id="{B04026FA-5365-4B3C-9EBF-76E784DF9164}"/>
+              </a:ext>
+            </a:extLst>
+          </p:cNvPr>
+          <p:cNvPicPr>
+            <a:picLocks noChangeAspect="1"/>
+          </p:cNvPicPr>
+          <p:nvPr/>
+        </p:nvPicPr>
+        <p:blipFill>
+          <a:blip r:embed="rId2">
+            <a:extLst>
+              <a:ext uri="{28A0092B-C50C-407E-A947-70E740481C1C}">
+                <a14:useLocalDpi xmlns:a14="http://schemas.microsoft.com/office/drawing/2010/main" val="0"/>
+              </a:ext>
+            </a:extLst>
+          </a:blip>
+          <a:stretch>
+            <a:fillRect/>
+          </a:stretch>
+        </p:blipFill>
+        <p:spPr>
+          <a:xfrm>
+            <a:off x="6589163" y="2558318"/>
+            <a:ext cx="2609850" cy="2162175"/>
+          </a:xfrm>
+          <a:prstGeom prst="rect">
+            <a:avLst/>
+          </a:prstGeom>
+        </p:spPr>
+      </p:pic>
+      <p:pic>
+        <p:nvPicPr>
+          <p:cNvPr id="12" name="Picture 11">
+            <a:extLst>
+              <a:ext uri="{FF2B5EF4-FFF2-40B4-BE49-F238E27FC236}">
+                <a16:creationId xmlns:a16="http://schemas.microsoft.com/office/drawing/2014/main" id="{2E3134DB-FEC1-47AF-9DE6-5724958DA885}"/>
+              </a:ext>
+            </a:extLst>
+          </p:cNvPr>
+          <p:cNvPicPr>
+            <a:picLocks noChangeAspect="1"/>
+          </p:cNvPicPr>
+          <p:nvPr/>
+        </p:nvPicPr>
+        <p:blipFill>
+          <a:blip r:embed="rId3">
+            <a:extLst>
+              <a:ext uri="{28A0092B-C50C-407E-A947-70E740481C1C}">
+                <a14:useLocalDpi xmlns:a14="http://schemas.microsoft.com/office/drawing/2010/main" val="0"/>
+              </a:ext>
+            </a:extLst>
+          </a:blip>
+          <a:stretch>
+            <a:fillRect/>
+          </a:stretch>
+        </p:blipFill>
+        <p:spPr>
+          <a:xfrm>
+            <a:off x="3176468" y="2204603"/>
+            <a:ext cx="1781175" cy="3171825"/>
+          </a:xfrm>
+          <a:prstGeom prst="rect">
+            <a:avLst/>
+          </a:prstGeom>
+        </p:spPr>
+      </p:pic>
+    </p:spTree>
+  </p:cSld>
+  <p:clrMapOvr>
+    <a:masterClrMapping/>
+  </p:clrMapOvr>
+  <p:timing>
+    <p:tnLst>
+      <p:par>
+        <p:cTn id="1" dur="indefinite" restart="never" nodeType="tmRoot">
+          <p:childTnLst>
+            <p:seq concurrent="1" nextAc="seek">
+              <p:cTn id="2" dur="indefinite" nodeType="mainSeq">
+                <p:childTnLst>
+                  <p:par>
+                    <p:cTn id="3" fill="hold">
+                      <p:stCondLst>
+                        <p:cond delay="indefinite"/>
+                      </p:stCondLst>
+                      <p:childTnLst>
+                        <p:par>
+                          <p:cTn id="4" fill="hold">
+                            <p:stCondLst>
+                              <p:cond delay="0"/>
+                            </p:stCondLst>
+                            <p:childTnLst>
+                              <p:par>
+                                <p:cTn id="5" presetID="1" presetClass="entr" presetSubtype="0" fill="hold" nodeType="clickEffect">
+                                  <p:stCondLst>
+                                    <p:cond delay="0"/>
+                                  </p:stCondLst>
+                                  <p:childTnLst>
+                                    <p:set>
+                                      <p:cBhvr>
+                                        <p:cTn id="6" dur="1" fill="hold">
+                                          <p:stCondLst>
+                                            <p:cond delay="0"/>
+                                          </p:stCondLst>
+                                        </p:cTn>
+                                        <p:tgtEl>
+                                          <p:spTgt spid="12"/>
+                                        </p:tgtEl>
+                                        <p:attrNameLst>
+                                          <p:attrName>style.visibility</p:attrName>
+                                        </p:attrNameLst>
+                                      </p:cBhvr>
+                                      <p:to>
+                                        <p:strVal val="visible"/>
+                                      </p:to>
+                                    </p:set>
+                                  </p:childTnLst>
+                                </p:cTn>
+                              </p:par>
+                            </p:childTnLst>
+                          </p:cTn>
+                        </p:par>
+                      </p:childTnLst>
+                    </p:cTn>
+                  </p:par>
+                  <p:par>
+                    <p:cTn id="7" fill="hold">
+                      <p:stCondLst>
+                        <p:cond delay="indefinite"/>
+                      </p:stCondLst>
+                      <p:childTnLst>
+                        <p:par>
+                          <p:cTn id="8" fill="hold">
+                            <p:stCondLst>
+                              <p:cond delay="0"/>
+                            </p:stCondLst>
+                            <p:childTnLst>
+                              <p:par>
+                                <p:cTn id="9" presetID="1" presetClass="entr" presetSubtype="0" fill="hold" nodeType="clickEffect">
+                                  <p:stCondLst>
+                                    <p:cond delay="0"/>
+                                  </p:stCondLst>
+                                  <p:childTnLst>
+                                    <p:set>
+                                      <p:cBhvr>
+                                        <p:cTn id="10" dur="1" fill="hold">
+                                          <p:stCondLst>
+                                            <p:cond delay="0"/>
+                                          </p:stCondLst>
+                                        </p:cTn>
+                                        <p:tgtEl>
+                                          <p:spTgt spid="8"/>
+                                        </p:tgtEl>
+                                        <p:attrNameLst>
+                                          <p:attrName>style.visibility</p:attrName>
+                                        </p:attrNameLst>
+                                      </p:cBhvr>
+                                      <p:to>
+                                        <p:strVal val="visible"/>
+                                      </p:to>
+                                    </p:set>
+                                  </p:childTnLst>
+                                </p:cTn>
+                              </p:par>
+                            </p:childTnLst>
+                          </p:cTn>
+                        </p:par>
+                      </p:childTnLst>
+                    </p:cTn>
+                  </p:par>
+                  <p:par>
+                    <p:cTn id="11" fill="hold">
+                      <p:stCondLst>
+                        <p:cond delay="indefinite"/>
+                      </p:stCondLst>
+                      <p:childTnLst>
+                        <p:par>
+                          <p:cTn id="12" fill="hold">
+                            <p:stCondLst>
+                              <p:cond delay="0"/>
+                            </p:stCondLst>
+                            <p:childTnLst>
+                              <p:par>
+                                <p:cTn id="13" presetID="1" presetClass="entr" presetSubtype="0" fill="hold" nodeType="clickEffect">
+                                  <p:stCondLst>
+                                    <p:cond delay="0"/>
+                                  </p:stCondLst>
+                                  <p:childTnLst>
+                                    <p:set>
+                                      <p:cBhvr>
+                                        <p:cTn id="14" dur="1" fill="hold">
+                                          <p:stCondLst>
+                                            <p:cond delay="0"/>
+                                          </p:stCondLst>
+                                        </p:cTn>
+                                        <p:tgtEl>
+                                          <p:spTgt spid="10"/>
+                                        </p:tgtEl>
+                                        <p:attrNameLst>
+                                          <p:attrName>style.visibility</p:attrName>
+                                        </p:attrNameLst>
+                                      </p:cBhvr>
+                                      <p:to>
+                                        <p:strVal val="visible"/>
+                                      </p:to>
+                                    </p:set>
+                                  </p:childTnLst>
+                                </p:cTn>
+                              </p:par>
+                            </p:childTnLst>
+                          </p:cTn>
+                        </p:par>
+                      </p:childTnLst>
+                    </p:cTn>
+                  </p:par>
+                </p:childTnLst>
+              </p:cTn>
+              <p:prevCondLst>
+                <p:cond evt="onPrev" delay="0">
+                  <p:tgtEl>
+                    <p:sldTgt/>
+                  </p:tgtEl>
+                </p:cond>
+              </p:prevCondLst>
+              <p:nextCondLst>
+                <p:cond evt="onNext" delay="0">
+                  <p:tgtEl>
+                    <p:sldTgt/>
+                  </p:tgtEl>
+                </p:cond>
+              </p:nextCondLst>
+            </p:seq>
+          </p:childTnLst>
+        </p:cTn>
+      </p:par>
+    </p:tnLst>
+  </p:timing>
+</p:sld>
+</file>
+
+<file path=ppt/slides/slide15.xml><?xml version="1.0" encoding="utf-8"?>
+<p:sld xmlns:a="http://schemas.openxmlformats.org/drawingml/2006/main" xmlns:r="http://schemas.openxmlformats.org/officeDocument/2006/relationships" xmlns:p="http://schemas.openxmlformats.org/presentationml/2006/main">
+  <p:cSld>
+    <p:spTree>
+      <p:nvGrpSpPr>
+        <p:cNvPr id="1" name=""/>
+        <p:cNvGrpSpPr/>
+        <p:nvPr/>
+      </p:nvGrpSpPr>
+      <p:grpSpPr>
+        <a:xfrm>
+          <a:off x="0" y="0"/>
+          <a:ext cx="0" cy="0"/>
+          <a:chOff x="0" y="0"/>
+          <a:chExt cx="0" cy="0"/>
+        </a:xfrm>
+      </p:grpSpPr>
+      <p:sp>
+        <p:nvSpPr>
+          <p:cNvPr id="15362" name="Slide Number Placeholder 4"/>
+          <p:cNvSpPr>
+            <a:spLocks noGrp="1"/>
+          </p:cNvSpPr>
+          <p:nvPr>
+            <p:ph type="sldNum" sz="quarter" idx="4294967295"/>
+          </p:nvPr>
+        </p:nvSpPr>
+        <p:spPr>
+          <a:xfrm>
+            <a:off x="8077200" y="6399213"/>
+            <a:ext cx="1905000" cy="457200"/>
+          </a:xfrm>
+          <a:prstGeom prst="rect">
+            <a:avLst/>
+          </a:prstGeom>
+          <a:noFill/>
+        </p:spPr>
+        <p:txBody>
+          <a:bodyPr/>
+          <a:lstStyle>
+            <a:lvl1pPr>
+              <a:spcBef>
+                <a:spcPct val="20000"/>
+              </a:spcBef>
+              <a:buClr>
+                <a:schemeClr val="tx2"/>
+              </a:buClr>
+              <a:buSzPct val="75000"/>
+              <a:buFont typeface="Monotype Sorts" pitchFamily="2" charset="2"/>
+              <a:buChar char="F"/>
+              <a:defRPr sz="3200">
+                <a:solidFill>
+                  <a:schemeClr val="tx1"/>
+                </a:solidFill>
+                <a:latin typeface="Times New Roman" panose="02020603050405020304" pitchFamily="18" charset="0"/>
+              </a:defRPr>
+            </a:lvl1pPr>
+            <a:lvl2pPr marL="742950" indent="-285750">
+              <a:spcBef>
+                <a:spcPct val="20000"/>
+              </a:spcBef>
+              <a:buClr>
+                <a:schemeClr val="tx1"/>
+              </a:buClr>
+              <a:buChar char="–"/>
+              <a:defRPr sz="2800">
+                <a:solidFill>
+                  <a:schemeClr val="tx1"/>
+                </a:solidFill>
+                <a:latin typeface="Times New Roman" panose="02020603050405020304" pitchFamily="18" charset="0"/>
+              </a:defRPr>
+            </a:lvl2pPr>
+            <a:lvl3pPr marL="1143000" indent="-228600">
+              <a:spcBef>
+                <a:spcPct val="20000"/>
+              </a:spcBef>
+              <a:buClr>
+                <a:schemeClr val="accent2"/>
+              </a:buClr>
+              <a:buSzPct val="65000"/>
+              <a:buFont typeface="Monotype Sorts" pitchFamily="2" charset="2"/>
+              <a:buChar char="u"/>
+              <a:defRPr sz="2400">
+                <a:solidFill>
+                  <a:schemeClr val="tx1"/>
+                </a:solidFill>
+                <a:latin typeface="Times New Roman" panose="02020603050405020304" pitchFamily="18" charset="0"/>
+              </a:defRPr>
+            </a:lvl3pPr>
+            <a:lvl4pPr marL="1600200" indent="-228600">
+              <a:spcBef>
+                <a:spcPct val="20000"/>
+              </a:spcBef>
+              <a:buClr>
+                <a:schemeClr val="tx1"/>
+              </a:buClr>
+              <a:buChar char="–"/>
+              <a:defRPr sz="2000">
+                <a:solidFill>
+                  <a:schemeClr val="tx1"/>
+                </a:solidFill>
+                <a:latin typeface="Times New Roman" panose="02020603050405020304" pitchFamily="18" charset="0"/>
+              </a:defRPr>
+            </a:lvl4pPr>
+            <a:lvl5pPr marL="2057400" indent="-228600">
+              <a:spcBef>
+                <a:spcPct val="20000"/>
+              </a:spcBef>
+              <a:buClr>
+                <a:schemeClr val="tx2"/>
+              </a:buClr>
+              <a:buChar char="•"/>
+              <a:defRPr sz="2000">
+                <a:solidFill>
+                  <a:schemeClr val="tx1"/>
+                </a:solidFill>
+                <a:latin typeface="Times New Roman" panose="02020603050405020304" pitchFamily="18" charset="0"/>
+              </a:defRPr>
+            </a:lvl5pPr>
+            <a:lvl6pPr marL="2514600" indent="-228600" eaLnBrk="0" fontAlgn="base" hangingPunct="0">
+              <a:spcBef>
+                <a:spcPct val="20000"/>
+              </a:spcBef>
+              <a:spcAft>
+                <a:spcPct val="0"/>
+              </a:spcAft>
+              <a:buClr>
+                <a:schemeClr val="tx2"/>
+              </a:buClr>
+              <a:buChar char="•"/>
+              <a:defRPr sz="2000">
+                <a:solidFill>
+                  <a:schemeClr val="tx1"/>
+                </a:solidFill>
+                <a:latin typeface="Times New Roman" panose="02020603050405020304" pitchFamily="18" charset="0"/>
+              </a:defRPr>
+            </a:lvl6pPr>
+            <a:lvl7pPr marL="2971800" indent="-228600" eaLnBrk="0" fontAlgn="base" hangingPunct="0">
+              <a:spcBef>
+                <a:spcPct val="20000"/>
+              </a:spcBef>
+              <a:spcAft>
+                <a:spcPct val="0"/>
+              </a:spcAft>
+              <a:buClr>
+                <a:schemeClr val="tx2"/>
+              </a:buClr>
+              <a:buChar char="•"/>
+              <a:defRPr sz="2000">
+                <a:solidFill>
+                  <a:schemeClr val="tx1"/>
+                </a:solidFill>
+                <a:latin typeface="Times New Roman" panose="02020603050405020304" pitchFamily="18" charset="0"/>
+              </a:defRPr>
+            </a:lvl7pPr>
+            <a:lvl8pPr marL="3429000" indent="-228600" eaLnBrk="0" fontAlgn="base" hangingPunct="0">
+              <a:spcBef>
+                <a:spcPct val="20000"/>
+              </a:spcBef>
+              <a:spcAft>
+                <a:spcPct val="0"/>
+              </a:spcAft>
+              <a:buClr>
+                <a:schemeClr val="tx2"/>
+              </a:buClr>
+              <a:buChar char="•"/>
+              <a:defRPr sz="2000">
+                <a:solidFill>
+                  <a:schemeClr val="tx1"/>
+                </a:solidFill>
+                <a:latin typeface="Times New Roman" panose="02020603050405020304" pitchFamily="18" charset="0"/>
+              </a:defRPr>
+            </a:lvl8pPr>
+            <a:lvl9pPr marL="3886200" indent="-228600" eaLnBrk="0" fontAlgn="base" hangingPunct="0">
+              <a:spcBef>
+                <a:spcPct val="20000"/>
+              </a:spcBef>
+              <a:spcAft>
+                <a:spcPct val="0"/>
+              </a:spcAft>
+              <a:buClr>
+                <a:schemeClr val="tx2"/>
+              </a:buClr>
+              <a:buChar char="•"/>
+              <a:defRPr sz="2000">
+                <a:solidFill>
+                  <a:schemeClr val="tx1"/>
+                </a:solidFill>
+                <a:latin typeface="Times New Roman" panose="02020603050405020304" pitchFamily="18" charset="0"/>
+              </a:defRPr>
+            </a:lvl9pPr>
+          </a:lstStyle>
+          <a:p>
+            <a:pPr>
+              <a:spcBef>
+                <a:spcPct val="0"/>
+              </a:spcBef>
+              <a:buClrTx/>
+              <a:buSzTx/>
+              <a:buFontTx/>
+              <a:buNone/>
+            </a:pPr>
+            <a:fld id="{3FEE6620-9E2B-4592-AB19-FEEBC51F7F22}" type="slidenum">
+              <a:rPr lang="en-US" altLang="en-US" sz="1400"/>
+              <a:pPr>
+                <a:spcBef>
+                  <a:spcPct val="0"/>
+                </a:spcBef>
+                <a:buClrTx/>
+                <a:buSzTx/>
+                <a:buFontTx/>
+                <a:buNone/>
+              </a:pPr>
+              <a:t>15</a:t>
+            </a:fld>
+            <a:endParaRPr lang="en-US" altLang="en-US" sz="1400"/>
+          </a:p>
+        </p:txBody>
+      </p:sp>
+      <p:sp>
+        <p:nvSpPr>
+          <p:cNvPr id="15363" name="Rectangle 1026"/>
+          <p:cNvSpPr>
+            <a:spLocks noGrp="1" noChangeArrowheads="1"/>
+          </p:cNvSpPr>
+          <p:nvPr>
+            <p:ph type="title"/>
+          </p:nvPr>
+        </p:nvSpPr>
+        <p:spPr>
+          <a:xfrm>
+            <a:off x="2209800" y="228600"/>
+            <a:ext cx="7772400" cy="533400"/>
+          </a:xfrm>
+        </p:spPr>
+        <p:txBody>
+          <a:bodyPr>
+            <a:normAutofit fontScale="90000"/>
+          </a:bodyPr>
+          <a:lstStyle/>
+          <a:p>
+            <a:pPr algn="ctr"/>
+            <a:r>
+              <a:rPr lang="en-US" altLang="en-US" dirty="0">
+                <a:solidFill>
+                  <a:schemeClr val="accent1"/>
+                </a:solidFill>
+              </a:rPr>
+              <a:t>Programming Languages</a:t>
+            </a:r>
+          </a:p>
+        </p:txBody>
+      </p:sp>
+      <p:sp>
+        <p:nvSpPr>
+          <p:cNvPr id="15364" name="Rectangle 1027"/>
+          <p:cNvSpPr>
+            <a:spLocks noGrp="1" noChangeArrowheads="1"/>
+          </p:cNvSpPr>
+          <p:nvPr>
+            <p:ph type="body" idx="1"/>
+          </p:nvPr>
+        </p:nvSpPr>
+        <p:spPr>
+          <a:xfrm>
+            <a:off x="1752600" y="990600"/>
+            <a:ext cx="8534400" cy="457200"/>
+          </a:xfrm>
+        </p:spPr>
+        <p:txBody>
+          <a:bodyPr>
+            <a:normAutofit/>
+          </a:bodyPr>
+          <a:lstStyle/>
+          <a:p>
+            <a:pPr marL="0" indent="0">
+              <a:buNone/>
+            </a:pPr>
+            <a:r>
+              <a:rPr lang="en-US" altLang="en-US" sz="2400" dirty="0">
+                <a:solidFill>
+                  <a:srgbClr val="FF0000"/>
+                </a:solidFill>
+              </a:rPr>
+              <a:t>Machine Language    </a:t>
+            </a:r>
+            <a:r>
+              <a:rPr lang="en-US" altLang="en-US" sz="2400" dirty="0"/>
+              <a:t>Assembly Language      High-Level Language</a:t>
+            </a:r>
+          </a:p>
+        </p:txBody>
+      </p:sp>
+      <p:sp>
+        <p:nvSpPr>
+          <p:cNvPr id="15365" name="Rectangle 1028"/>
+          <p:cNvSpPr>
+            <a:spLocks noChangeArrowheads="1"/>
+          </p:cNvSpPr>
+          <p:nvPr/>
+        </p:nvSpPr>
+        <p:spPr bwMode="auto">
+          <a:xfrm>
+            <a:off x="1752600" y="1600200"/>
+            <a:ext cx="8686800" cy="4495800"/>
+          </a:xfrm>
+          <a:prstGeom prst="rect">
+            <a:avLst/>
+          </a:prstGeom>
+          <a:noFill/>
+          <a:ln w="9525">
+            <a:solidFill>
+              <a:srgbClr val="FF0000"/>
+            </a:solidFill>
+            <a:miter lim="800000"/>
+            <a:headEnd/>
+            <a:tailEnd/>
+          </a:ln>
+          <a:effectLst/>
+          <a:extLst>
+            <a:ext uri="{909E8E84-426E-40DD-AFC4-6F175D3DCCD1}">
+              <a14:hiddenFill xmlns:a14="http://schemas.microsoft.com/office/drawing/2010/main">
+                <a:solidFill>
+                  <a:schemeClr val="accent1"/>
+                </a:solidFill>
+              </a14:hiddenFill>
+            </a:ext>
+            <a:ext uri="{AF507438-7753-43E0-B8FC-AC1667EBCBE1}">
+              <a14:hiddenEffects xmlns:a14="http://schemas.microsoft.com/office/drawing/2010/main">
+                <a:effectLst>
+                  <a:outerShdw dist="35921" dir="2700000" algn="ctr" rotWithShape="0">
+                    <a:schemeClr val="bg2"/>
+                  </a:outerShdw>
+                </a:effectLst>
+              </a14:hiddenEffects>
+            </a:ext>
+          </a:extLst>
+        </p:spPr>
+        <p:txBody>
+          <a:bodyPr lIns="92075" tIns="46038" rIns="92075" bIns="46038"/>
+          <a:lstStyle>
+            <a:lvl1pPr>
+              <a:spcBef>
+                <a:spcPct val="20000"/>
+              </a:spcBef>
+              <a:buClr>
+                <a:schemeClr val="tx2"/>
+              </a:buClr>
+              <a:buSzPct val="75000"/>
+              <a:buFont typeface="Monotype Sorts" pitchFamily="2" charset="2"/>
+              <a:buChar char="F"/>
+              <a:defRPr sz="3200">
+                <a:solidFill>
+                  <a:schemeClr val="tx1"/>
+                </a:solidFill>
+                <a:latin typeface="Times New Roman" panose="02020603050405020304" pitchFamily="18" charset="0"/>
+              </a:defRPr>
+            </a:lvl1pPr>
+            <a:lvl2pPr marL="742950" indent="-285750">
+              <a:spcBef>
+                <a:spcPct val="20000"/>
+              </a:spcBef>
+              <a:buClr>
+                <a:schemeClr val="tx1"/>
+              </a:buClr>
+              <a:buChar char="–"/>
+              <a:defRPr sz="2800">
+                <a:solidFill>
+                  <a:schemeClr val="tx1"/>
+                </a:solidFill>
+                <a:latin typeface="Times New Roman" panose="02020603050405020304" pitchFamily="18" charset="0"/>
+              </a:defRPr>
+            </a:lvl2pPr>
+            <a:lvl3pPr marL="1143000" indent="-228600">
+              <a:spcBef>
+                <a:spcPct val="20000"/>
+              </a:spcBef>
+              <a:buClr>
+                <a:schemeClr val="accent2"/>
+              </a:buClr>
+              <a:buSzPct val="65000"/>
+              <a:buFont typeface="Monotype Sorts" pitchFamily="2" charset="2"/>
+              <a:buChar char="u"/>
+              <a:defRPr sz="2400">
+                <a:solidFill>
+                  <a:schemeClr val="tx1"/>
+                </a:solidFill>
+                <a:latin typeface="Times New Roman" panose="02020603050405020304" pitchFamily="18" charset="0"/>
+              </a:defRPr>
+            </a:lvl3pPr>
+            <a:lvl4pPr marL="1600200" indent="-228600">
+              <a:spcBef>
+                <a:spcPct val="20000"/>
+              </a:spcBef>
+              <a:buClr>
+                <a:schemeClr val="tx1"/>
+              </a:buClr>
+              <a:buChar char="–"/>
+              <a:defRPr sz="2000">
+                <a:solidFill>
+                  <a:schemeClr val="tx1"/>
+                </a:solidFill>
+                <a:latin typeface="Times New Roman" panose="02020603050405020304" pitchFamily="18" charset="0"/>
+              </a:defRPr>
+            </a:lvl4pPr>
+            <a:lvl5pPr marL="2057400" indent="-228600">
+              <a:spcBef>
+                <a:spcPct val="20000"/>
+              </a:spcBef>
+              <a:buClr>
+                <a:schemeClr val="tx2"/>
+              </a:buClr>
+              <a:buChar char="•"/>
+              <a:defRPr sz="2000">
+                <a:solidFill>
+                  <a:schemeClr val="tx1"/>
+                </a:solidFill>
+                <a:latin typeface="Times New Roman" panose="02020603050405020304" pitchFamily="18" charset="0"/>
+              </a:defRPr>
+            </a:lvl5pPr>
+            <a:lvl6pPr marL="2514600" indent="-228600" eaLnBrk="0" fontAlgn="base" hangingPunct="0">
+              <a:spcBef>
+                <a:spcPct val="20000"/>
+              </a:spcBef>
+              <a:spcAft>
+                <a:spcPct val="0"/>
+              </a:spcAft>
+              <a:buClr>
+                <a:schemeClr val="tx2"/>
+              </a:buClr>
+              <a:buChar char="•"/>
+              <a:defRPr sz="2000">
+                <a:solidFill>
+                  <a:schemeClr val="tx1"/>
+                </a:solidFill>
+                <a:latin typeface="Times New Roman" panose="02020603050405020304" pitchFamily="18" charset="0"/>
+              </a:defRPr>
+            </a:lvl6pPr>
+            <a:lvl7pPr marL="2971800" indent="-228600" eaLnBrk="0" fontAlgn="base" hangingPunct="0">
+              <a:spcBef>
+                <a:spcPct val="20000"/>
+              </a:spcBef>
+              <a:spcAft>
+                <a:spcPct val="0"/>
+              </a:spcAft>
+              <a:buClr>
+                <a:schemeClr val="tx2"/>
+              </a:buClr>
+              <a:buChar char="•"/>
+              <a:defRPr sz="2000">
+                <a:solidFill>
+                  <a:schemeClr val="tx1"/>
+                </a:solidFill>
+                <a:latin typeface="Times New Roman" panose="02020603050405020304" pitchFamily="18" charset="0"/>
+              </a:defRPr>
+            </a:lvl7pPr>
+            <a:lvl8pPr marL="3429000" indent="-228600" eaLnBrk="0" fontAlgn="base" hangingPunct="0">
+              <a:spcBef>
+                <a:spcPct val="20000"/>
+              </a:spcBef>
+              <a:spcAft>
+                <a:spcPct val="0"/>
+              </a:spcAft>
+              <a:buClr>
+                <a:schemeClr val="tx2"/>
+              </a:buClr>
+              <a:buChar char="•"/>
+              <a:defRPr sz="2000">
+                <a:solidFill>
+                  <a:schemeClr val="tx1"/>
+                </a:solidFill>
+                <a:latin typeface="Times New Roman" panose="02020603050405020304" pitchFamily="18" charset="0"/>
+              </a:defRPr>
+            </a:lvl8pPr>
+            <a:lvl9pPr marL="3886200" indent="-228600" eaLnBrk="0" fontAlgn="base" hangingPunct="0">
+              <a:spcBef>
+                <a:spcPct val="20000"/>
+              </a:spcBef>
+              <a:spcAft>
+                <a:spcPct val="0"/>
+              </a:spcAft>
+              <a:buClr>
+                <a:schemeClr val="tx2"/>
+              </a:buClr>
+              <a:buChar char="•"/>
+              <a:defRPr sz="2000">
+                <a:solidFill>
+                  <a:schemeClr val="tx1"/>
+                </a:solidFill>
+                <a:latin typeface="Times New Roman" panose="02020603050405020304" pitchFamily="18" charset="0"/>
+              </a:defRPr>
+            </a:lvl9pPr>
+          </a:lstStyle>
+          <a:p>
+            <a:pPr marL="342900" indent="-342900">
+              <a:lnSpc>
+                <a:spcPct val="90000"/>
+              </a:lnSpc>
+              <a:buFont typeface="Arial" panose="020B0604020202020204" pitchFamily="34" charset="0"/>
+              <a:buChar char="•"/>
+              <a:defRPr/>
+            </a:pPr>
+            <a:r>
+              <a:rPr lang="en-US" altLang="en-US" sz="2300" dirty="0">
+                <a:solidFill>
+                  <a:srgbClr val="000000"/>
+                </a:solidFill>
+              </a:rPr>
+              <a:t>Any computer can directly understand only its own </a:t>
+            </a:r>
+            <a:r>
+              <a:rPr lang="en-US" altLang="en-US" sz="2300" dirty="0">
+                <a:solidFill>
+                  <a:srgbClr val="0000FF"/>
+                </a:solidFill>
+              </a:rPr>
+              <a:t>machine language</a:t>
+            </a:r>
+            <a:r>
+              <a:rPr lang="en-US" altLang="en-US" sz="2300" i="1" dirty="0">
+                <a:solidFill>
+                  <a:srgbClr val="000000"/>
+                </a:solidFill>
+              </a:rPr>
+              <a:t>, defined by its hardware design.</a:t>
+            </a:r>
+          </a:p>
+          <a:p>
+            <a:pPr lvl="1">
+              <a:lnSpc>
+                <a:spcPct val="90000"/>
+              </a:lnSpc>
+              <a:defRPr/>
+            </a:pPr>
+            <a:r>
+              <a:rPr lang="en-US" altLang="en-US" sz="2000" dirty="0">
+                <a:solidFill>
+                  <a:srgbClr val="000000"/>
+                </a:solidFill>
+              </a:rPr>
+              <a:t>Generally consist of strings of numbers (ultimately reduced to 1s and 0s) that instruct computers to perform their most elementary operations one at a time.</a:t>
+            </a:r>
+          </a:p>
+          <a:p>
+            <a:pPr lvl="1">
+              <a:lnSpc>
+                <a:spcPct val="90000"/>
+              </a:lnSpc>
+              <a:defRPr/>
+            </a:pPr>
+            <a:r>
+              <a:rPr lang="en-US" altLang="en-US" sz="2000" i="1" dirty="0">
+                <a:solidFill>
+                  <a:srgbClr val="000000"/>
+                </a:solidFill>
+              </a:rPr>
+              <a:t>Machine dependent—a particular ma-chine language can be used on only one type of computer.</a:t>
+            </a:r>
+            <a:r>
+              <a:rPr lang="en-US" altLang="en-US" dirty="0">
+                <a:solidFill>
+                  <a:schemeClr val="tx2"/>
+                </a:solidFill>
+                <a:cs typeface="Times New Roman" panose="02020603050405020304" pitchFamily="18" charset="0"/>
+              </a:rPr>
+              <a:t> </a:t>
+            </a:r>
+          </a:p>
+          <a:p>
+            <a:pPr lvl="1">
+              <a:lnSpc>
+                <a:spcPct val="90000"/>
+              </a:lnSpc>
+              <a:defRPr/>
+            </a:pPr>
+            <a:r>
+              <a:rPr lang="en-US" altLang="en-US" sz="2000" dirty="0">
+                <a:solidFill>
+                  <a:srgbClr val="000000"/>
+                </a:solidFill>
+              </a:rPr>
+              <a:t>For example, to add two numbers, you might write an instruction in binary like this:</a:t>
+            </a:r>
+          </a:p>
+          <a:p>
+            <a:pPr algn="ctr">
+              <a:lnSpc>
+                <a:spcPct val="90000"/>
+              </a:lnSpc>
+              <a:spcBef>
+                <a:spcPct val="0"/>
+              </a:spcBef>
+              <a:buClrTx/>
+              <a:buSzTx/>
+              <a:buFontTx/>
+              <a:buNone/>
+            </a:pPr>
+            <a:r>
+              <a:rPr lang="en-US" altLang="en-US" dirty="0">
+                <a:solidFill>
+                  <a:schemeClr val="tx2"/>
+                </a:solidFill>
+              </a:rPr>
+              <a:t> </a:t>
+            </a:r>
+          </a:p>
+          <a:p>
+            <a:pPr lvl="1">
+              <a:lnSpc>
+                <a:spcPct val="90000"/>
+              </a:lnSpc>
+              <a:buFontTx/>
+              <a:buNone/>
+            </a:pPr>
+            <a:r>
+              <a:rPr lang="en-US" altLang="en-US" dirty="0">
+                <a:solidFill>
+                  <a:schemeClr val="tx2"/>
+                </a:solidFill>
+                <a:latin typeface="Courier New" panose="02070309020205020404" pitchFamily="49" charset="0"/>
+                <a:cs typeface="Times New Roman" panose="02020603050405020304" pitchFamily="18" charset="0"/>
+              </a:rPr>
+              <a:t>				1101101010011010</a:t>
+            </a:r>
+            <a:endParaRPr lang="en-US" altLang="en-US" dirty="0">
+              <a:solidFill>
+                <a:schemeClr val="tx2"/>
+              </a:solidFill>
+              <a:latin typeface="Courier New" panose="02070309020205020404" pitchFamily="49" charset="0"/>
+            </a:endParaRPr>
+          </a:p>
+        </p:txBody>
+      </p:sp>
+    </p:spTree>
+    <p:extLst>
+      <p:ext uri="{BB962C8B-B14F-4D97-AF65-F5344CB8AC3E}">
+        <p14:creationId xmlns:p14="http://schemas.microsoft.com/office/powerpoint/2010/main" val="3827478606"/>
+      </p:ext>
+    </p:extLst>
+  </p:cSld>
+  <p:clrMapOvr>
+    <a:masterClrMapping/>
+  </p:clrMapOvr>
+</p:sld>
+</file>
+
+<file path=ppt/slides/slide16.xml><?xml version="1.0" encoding="utf-8"?>
+<p:sld xmlns:a="http://schemas.openxmlformats.org/drawingml/2006/main" xmlns:r="http://schemas.openxmlformats.org/officeDocument/2006/relationships" xmlns:p="http://schemas.openxmlformats.org/presentationml/2006/main">
+  <p:cSld>
+    <p:spTree>
+      <p:nvGrpSpPr>
+        <p:cNvPr id="1" name=""/>
+        <p:cNvGrpSpPr/>
+        <p:nvPr/>
+      </p:nvGrpSpPr>
+      <p:grpSpPr>
+        <a:xfrm>
+          <a:off x="0" y="0"/>
+          <a:ext cx="0" cy="0"/>
+          <a:chOff x="0" y="0"/>
+          <a:chExt cx="0" cy="0"/>
+        </a:xfrm>
+      </p:grpSpPr>
+      <p:sp>
+        <p:nvSpPr>
           <p:cNvPr id="16386" name="Slide Number Placeholder 4"/>
           <p:cNvSpPr>
             <a:spLocks noGrp="1"/>
@@ -7518,7 +8698,7 @@
                 <a:buFontTx/>
                 <a:buNone/>
               </a:pPr>
-              <a:t>13</a:t>
+              <a:t>16</a:t>
             </a:fld>
             <a:endParaRPr lang="en-US" altLang="en-US" sz="1400"/>
           </a:p>
@@ -8000,7 +9180,7 @@
 </p:sld>
 </file>
 
-<file path=ppt/slides/slide14.xml><?xml version="1.0" encoding="utf-8"?>
+<file path=ppt/slides/slide17.xml><?xml version="1.0" encoding="utf-8"?>
 <p:sld xmlns:a="http://schemas.openxmlformats.org/drawingml/2006/main" xmlns:r="http://schemas.openxmlformats.org/officeDocument/2006/relationships" xmlns:p="http://schemas.openxmlformats.org/presentationml/2006/main">
   <p:cSld>
     <p:spTree>
@@ -8213,7 +9393,7 @@
                 <a:buFontTx/>
                 <a:buNone/>
               </a:pPr>
-              <a:t>14</a:t>
+              <a:t>17</a:t>
             </a:fld>
             <a:endParaRPr lang="en-US" altLang="en-US" sz="1400"/>
           </a:p>
@@ -8608,7 +9788,7 @@
 </p:sld>
 </file>
 
-<file path=ppt/slides/slide15.xml><?xml version="1.0" encoding="utf-8"?>
+<file path=ppt/slides/slide18.xml><?xml version="1.0" encoding="utf-8"?>
 <p:sld xmlns:a="http://schemas.openxmlformats.org/drawingml/2006/main" xmlns:r="http://schemas.openxmlformats.org/officeDocument/2006/relationships" xmlns:p="http://schemas.openxmlformats.org/presentationml/2006/main">
   <p:cSld>
     <p:spTree>
@@ -8627,6 +9807,474 @@
       </p:grpSpPr>
       <p:sp>
         <p:nvSpPr>
+          <p:cNvPr id="2" name="Title 1">
+            <a:extLst>
+              <a:ext uri="{FF2B5EF4-FFF2-40B4-BE49-F238E27FC236}">
+                <a16:creationId xmlns:a16="http://schemas.microsoft.com/office/drawing/2014/main" id="{8B9DF111-6F69-446D-A121-3CBDE4546FA0}"/>
+              </a:ext>
+            </a:extLst>
+          </p:cNvPr>
+          <p:cNvSpPr>
+            <a:spLocks noGrp="1"/>
+          </p:cNvSpPr>
+          <p:nvPr>
+            <p:ph type="title"/>
+          </p:nvPr>
+        </p:nvSpPr>
+        <p:spPr/>
+        <p:txBody>
+          <a:bodyPr/>
+          <a:lstStyle/>
+          <a:p>
+            <a:r>
+              <a:rPr lang="en-US" dirty="0"/>
+              <a:t>Java Assignment Statement syntax</a:t>
+            </a:r>
+          </a:p>
+        </p:txBody>
+      </p:sp>
+      <p:sp>
+        <p:nvSpPr>
+          <p:cNvPr id="3" name="Content Placeholder 2">
+            <a:extLst>
+              <a:ext uri="{FF2B5EF4-FFF2-40B4-BE49-F238E27FC236}">
+                <a16:creationId xmlns:a16="http://schemas.microsoft.com/office/drawing/2014/main" id="{95AB573D-1A62-4504-AEF6-56FFBF5F9B69}"/>
+              </a:ext>
+            </a:extLst>
+          </p:cNvPr>
+          <p:cNvSpPr>
+            <a:spLocks noGrp="1"/>
+          </p:cNvSpPr>
+          <p:nvPr>
+            <p:ph idx="1"/>
+          </p:nvPr>
+        </p:nvSpPr>
+        <p:spPr/>
+        <p:txBody>
+          <a:bodyPr/>
+          <a:lstStyle/>
+          <a:p>
+            <a:pPr marL="0" indent="0">
+              <a:buNone/>
+            </a:pPr>
+            <a:r>
+              <a:rPr lang="en-US" altLang="en-US" dirty="0">
+                <a:solidFill>
+                  <a:srgbClr val="000000"/>
+                </a:solidFill>
+              </a:rPr>
+              <a:t>area = radius * radius * </a:t>
+            </a:r>
+            <a:r>
+              <a:rPr lang="en-US" altLang="en-US" dirty="0" err="1">
+                <a:solidFill>
+                  <a:srgbClr val="000000"/>
+                </a:solidFill>
+              </a:rPr>
+              <a:t>Math.PI</a:t>
+            </a:r>
+            <a:r>
+              <a:rPr lang="en-US" altLang="en-US" dirty="0">
+                <a:solidFill>
+                  <a:srgbClr val="000000"/>
+                </a:solidFill>
+              </a:rPr>
+              <a:t>;   </a:t>
+            </a:r>
+          </a:p>
+          <a:p>
+            <a:pPr marL="0" indent="0">
+              <a:buNone/>
+            </a:pPr>
+            <a:endParaRPr lang="en-US" dirty="0"/>
+          </a:p>
+          <a:p>
+            <a:pPr marL="0" indent="0">
+              <a:buNone/>
+            </a:pPr>
+            <a:r>
+              <a:rPr lang="en-US" altLang="en-US" dirty="0">
+                <a:solidFill>
+                  <a:srgbClr val="000000"/>
+                </a:solidFill>
+              </a:rPr>
+              <a:t>radius * radius * </a:t>
+            </a:r>
+            <a:r>
+              <a:rPr lang="en-US" altLang="en-US" dirty="0" err="1">
+                <a:solidFill>
+                  <a:srgbClr val="000000"/>
+                </a:solidFill>
+              </a:rPr>
+              <a:t>Math.PI</a:t>
+            </a:r>
+            <a:r>
+              <a:rPr lang="en-US" altLang="en-US" dirty="0">
+                <a:solidFill>
+                  <a:srgbClr val="000000"/>
+                </a:solidFill>
+              </a:rPr>
+              <a:t> = area;</a:t>
+            </a:r>
+            <a:endParaRPr lang="en-US" dirty="0"/>
+          </a:p>
+          <a:p>
+            <a:pPr marL="0" indent="0">
+              <a:buNone/>
+            </a:pPr>
+            <a:endParaRPr lang="en-US" altLang="en-US" dirty="0">
+              <a:solidFill>
+                <a:srgbClr val="000000"/>
+              </a:solidFill>
+            </a:endParaRPr>
+          </a:p>
+          <a:p>
+            <a:pPr marL="0" indent="0">
+              <a:buNone/>
+            </a:pPr>
+            <a:endParaRPr lang="en-US" altLang="en-US" dirty="0">
+              <a:solidFill>
+                <a:srgbClr val="000000"/>
+              </a:solidFill>
+            </a:endParaRPr>
+          </a:p>
+          <a:p>
+            <a:pPr marL="0" indent="0">
+              <a:buNone/>
+            </a:pPr>
+            <a:r>
+              <a:rPr lang="en-US" altLang="en-US" dirty="0">
+                <a:solidFill>
+                  <a:srgbClr val="000000"/>
+                </a:solidFill>
+              </a:rPr>
+              <a:t>area = radius * radius * </a:t>
+            </a:r>
+            <a:r>
+              <a:rPr lang="en-US" altLang="en-US" dirty="0" err="1">
+                <a:solidFill>
+                  <a:srgbClr val="000000"/>
+                </a:solidFill>
+              </a:rPr>
+              <a:t>Math.PI</a:t>
+            </a:r>
+            <a:r>
+              <a:rPr lang="en-US" altLang="en-US" dirty="0">
+                <a:solidFill>
+                  <a:srgbClr val="000000"/>
+                </a:solidFill>
+              </a:rPr>
+              <a:t>     </a:t>
+            </a:r>
+            <a:endParaRPr lang="en-US" dirty="0"/>
+          </a:p>
+        </p:txBody>
+      </p:sp>
+      <p:pic>
+        <p:nvPicPr>
+          <p:cNvPr id="5" name="Picture 4">
+            <a:extLst>
+              <a:ext uri="{FF2B5EF4-FFF2-40B4-BE49-F238E27FC236}">
+                <a16:creationId xmlns:a16="http://schemas.microsoft.com/office/drawing/2014/main" id="{853AEDE6-7732-46F3-A587-64B4F9FB660A}"/>
+              </a:ext>
+            </a:extLst>
+          </p:cNvPr>
+          <p:cNvPicPr>
+            <a:picLocks noChangeAspect="1"/>
+          </p:cNvPicPr>
+          <p:nvPr/>
+        </p:nvPicPr>
+        <p:blipFill>
+          <a:blip r:embed="rId2">
+            <a:extLst>
+              <a:ext uri="{28A0092B-C50C-407E-A947-70E740481C1C}">
+                <a14:useLocalDpi xmlns:a14="http://schemas.microsoft.com/office/drawing/2010/main" val="0"/>
+              </a:ext>
+            </a:extLst>
+          </a:blip>
+          <a:stretch>
+            <a:fillRect/>
+          </a:stretch>
+        </p:blipFill>
+        <p:spPr>
+          <a:xfrm>
+            <a:off x="5876987" y="1321314"/>
+            <a:ext cx="1086207" cy="1008621"/>
+          </a:xfrm>
+          <a:prstGeom prst="rect">
+            <a:avLst/>
+          </a:prstGeom>
+        </p:spPr>
+      </p:pic>
+      <p:pic>
+        <p:nvPicPr>
+          <p:cNvPr id="9" name="Picture 8">
+            <a:extLst>
+              <a:ext uri="{FF2B5EF4-FFF2-40B4-BE49-F238E27FC236}">
+                <a16:creationId xmlns:a16="http://schemas.microsoft.com/office/drawing/2014/main" id="{7F2F6788-11B8-456D-9964-B2A84567E2CA}"/>
+              </a:ext>
+            </a:extLst>
+          </p:cNvPr>
+          <p:cNvPicPr>
+            <a:picLocks noChangeAspect="1"/>
+          </p:cNvPicPr>
+          <p:nvPr/>
+        </p:nvPicPr>
+        <p:blipFill>
+          <a:blip r:embed="rId3">
+            <a:extLst>
+              <a:ext uri="{28A0092B-C50C-407E-A947-70E740481C1C}">
+                <a14:useLocalDpi xmlns:a14="http://schemas.microsoft.com/office/drawing/2010/main" val="0"/>
+              </a:ext>
+            </a:extLst>
+          </a:blip>
+          <a:stretch>
+            <a:fillRect/>
+          </a:stretch>
+        </p:blipFill>
+        <p:spPr>
+          <a:xfrm>
+            <a:off x="5689740" y="2417783"/>
+            <a:ext cx="1145111" cy="1239817"/>
+          </a:xfrm>
+          <a:prstGeom prst="rect">
+            <a:avLst/>
+          </a:prstGeom>
+        </p:spPr>
+      </p:pic>
+      <p:pic>
+        <p:nvPicPr>
+          <p:cNvPr id="10" name="Picture 9">
+            <a:extLst>
+              <a:ext uri="{FF2B5EF4-FFF2-40B4-BE49-F238E27FC236}">
+                <a16:creationId xmlns:a16="http://schemas.microsoft.com/office/drawing/2014/main" id="{FCEB7F8E-CCA8-4939-92A9-85F72D0E38D7}"/>
+              </a:ext>
+            </a:extLst>
+          </p:cNvPr>
+          <p:cNvPicPr>
+            <a:picLocks noChangeAspect="1"/>
+          </p:cNvPicPr>
+          <p:nvPr/>
+        </p:nvPicPr>
+        <p:blipFill>
+          <a:blip r:embed="rId3">
+            <a:extLst>
+              <a:ext uri="{28A0092B-C50C-407E-A947-70E740481C1C}">
+                <a14:useLocalDpi xmlns:a14="http://schemas.microsoft.com/office/drawing/2010/main" val="0"/>
+              </a:ext>
+            </a:extLst>
+          </a:blip>
+          <a:stretch>
+            <a:fillRect/>
+          </a:stretch>
+        </p:blipFill>
+        <p:spPr>
+          <a:xfrm>
+            <a:off x="5689740" y="4063318"/>
+            <a:ext cx="1145111" cy="1239817"/>
+          </a:xfrm>
+          <a:prstGeom prst="rect">
+            <a:avLst/>
+          </a:prstGeom>
+        </p:spPr>
+      </p:pic>
+    </p:spTree>
+    <p:extLst>
+      <p:ext uri="{BB962C8B-B14F-4D97-AF65-F5344CB8AC3E}">
+        <p14:creationId xmlns:p14="http://schemas.microsoft.com/office/powerpoint/2010/main" val="2343177514"/>
+      </p:ext>
+    </p:extLst>
+  </p:cSld>
+  <p:clrMapOvr>
+    <a:masterClrMapping/>
+  </p:clrMapOvr>
+  <p:timing>
+    <p:tnLst>
+      <p:par>
+        <p:cTn id="1" dur="indefinite" restart="never" nodeType="tmRoot">
+          <p:childTnLst>
+            <p:seq concurrent="1" nextAc="seek">
+              <p:cTn id="2" dur="indefinite" nodeType="mainSeq">
+                <p:childTnLst>
+                  <p:par>
+                    <p:cTn id="3" fill="hold">
+                      <p:stCondLst>
+                        <p:cond delay="indefinite"/>
+                      </p:stCondLst>
+                      <p:childTnLst>
+                        <p:par>
+                          <p:cTn id="4" fill="hold">
+                            <p:stCondLst>
+                              <p:cond delay="0"/>
+                            </p:stCondLst>
+                            <p:childTnLst>
+                              <p:par>
+                                <p:cTn id="5" presetID="1" presetClass="entr" presetSubtype="0" fill="hold" nodeType="clickEffect">
+                                  <p:stCondLst>
+                                    <p:cond delay="0"/>
+                                  </p:stCondLst>
+                                  <p:childTnLst>
+                                    <p:set>
+                                      <p:cBhvr>
+                                        <p:cTn id="6" dur="1" fill="hold">
+                                          <p:stCondLst>
+                                            <p:cond delay="0"/>
+                                          </p:stCondLst>
+                                        </p:cTn>
+                                        <p:tgtEl>
+                                          <p:spTgt spid="5"/>
+                                        </p:tgtEl>
+                                        <p:attrNameLst>
+                                          <p:attrName>style.visibility</p:attrName>
+                                        </p:attrNameLst>
+                                      </p:cBhvr>
+                                      <p:to>
+                                        <p:strVal val="visible"/>
+                                      </p:to>
+                                    </p:set>
+                                  </p:childTnLst>
+                                </p:cTn>
+                              </p:par>
+                            </p:childTnLst>
+                          </p:cTn>
+                        </p:par>
+                      </p:childTnLst>
+                    </p:cTn>
+                  </p:par>
+                  <p:par>
+                    <p:cTn id="7" fill="hold">
+                      <p:stCondLst>
+                        <p:cond delay="indefinite"/>
+                      </p:stCondLst>
+                      <p:childTnLst>
+                        <p:par>
+                          <p:cTn id="8" fill="hold">
+                            <p:stCondLst>
+                              <p:cond delay="0"/>
+                            </p:stCondLst>
+                            <p:childTnLst>
+                              <p:par>
+                                <p:cTn id="9" presetID="1" presetClass="entr" presetSubtype="0" fill="hold" nodeType="clickEffect">
+                                  <p:stCondLst>
+                                    <p:cond delay="0"/>
+                                  </p:stCondLst>
+                                  <p:childTnLst>
+                                    <p:set>
+                                      <p:cBhvr>
+                                        <p:cTn id="10" dur="1" fill="hold">
+                                          <p:stCondLst>
+                                            <p:cond delay="0"/>
+                                          </p:stCondLst>
+                                        </p:cTn>
+                                        <p:tgtEl>
+                                          <p:spTgt spid="9"/>
+                                        </p:tgtEl>
+                                        <p:attrNameLst>
+                                          <p:attrName>style.visibility</p:attrName>
+                                        </p:attrNameLst>
+                                      </p:cBhvr>
+                                      <p:to>
+                                        <p:strVal val="visible"/>
+                                      </p:to>
+                                    </p:set>
+                                  </p:childTnLst>
+                                </p:cTn>
+                              </p:par>
+                            </p:childTnLst>
+                          </p:cTn>
+                        </p:par>
+                      </p:childTnLst>
+                    </p:cTn>
+                  </p:par>
+                  <p:par>
+                    <p:cTn id="11" fill="hold">
+                      <p:stCondLst>
+                        <p:cond delay="indefinite"/>
+                      </p:stCondLst>
+                      <p:childTnLst>
+                        <p:par>
+                          <p:cTn id="12" fill="hold">
+                            <p:stCondLst>
+                              <p:cond delay="0"/>
+                            </p:stCondLst>
+                            <p:childTnLst>
+                              <p:par>
+                                <p:cTn id="13" presetID="1" presetClass="entr" presetSubtype="0" fill="hold" nodeType="clickEffect">
+                                  <p:stCondLst>
+                                    <p:cond delay="0"/>
+                                  </p:stCondLst>
+                                  <p:childTnLst>
+                                    <p:set>
+                                      <p:cBhvr>
+                                        <p:cTn id="14" dur="1" fill="hold">
+                                          <p:stCondLst>
+                                            <p:cond delay="0"/>
+                                          </p:stCondLst>
+                                        </p:cTn>
+                                        <p:tgtEl>
+                                          <p:spTgt spid="10"/>
+                                        </p:tgtEl>
+                                        <p:attrNameLst>
+                                          <p:attrName>style.visibility</p:attrName>
+                                        </p:attrNameLst>
+                                      </p:cBhvr>
+                                      <p:to>
+                                        <p:strVal val="visible"/>
+                                      </p:to>
+                                    </p:set>
+                                  </p:childTnLst>
+                                </p:cTn>
+                              </p:par>
+                            </p:childTnLst>
+                          </p:cTn>
+                        </p:par>
+                      </p:childTnLst>
+                    </p:cTn>
+                  </p:par>
+                </p:childTnLst>
+              </p:cTn>
+              <p:prevCondLst>
+                <p:cond evt="onPrev" delay="0">
+                  <p:tgtEl>
+                    <p:sldTgt/>
+                  </p:tgtEl>
+                </p:cond>
+              </p:prevCondLst>
+              <p:nextCondLst>
+                <p:cond evt="onNext" delay="0">
+                  <p:tgtEl>
+                    <p:sldTgt/>
+                  </p:tgtEl>
+                </p:cond>
+              </p:nextCondLst>
+            </p:seq>
+          </p:childTnLst>
+        </p:cTn>
+      </p:par>
+    </p:tnLst>
+  </p:timing>
+</p:sld>
+</file>
+
+<file path=ppt/slides/slide19.xml><?xml version="1.0" encoding="utf-8"?>
+<p:sld xmlns:a="http://schemas.openxmlformats.org/drawingml/2006/main" xmlns:r="http://schemas.openxmlformats.org/officeDocument/2006/relationships" xmlns:p="http://schemas.openxmlformats.org/presentationml/2006/main">
+  <p:cSld>
+    <p:spTree>
+      <p:nvGrpSpPr>
+        <p:cNvPr id="1" name=""/>
+        <p:cNvGrpSpPr/>
+        <p:nvPr/>
+      </p:nvGrpSpPr>
+      <p:grpSpPr>
+        <a:xfrm>
+          <a:off x="0" y="0"/>
+          <a:ext cx="0" cy="0"/>
+          <a:chOff x="0" y="0"/>
+          <a:chExt cx="0" cy="0"/>
+        </a:xfrm>
+      </p:grpSpPr>
+      <p:sp>
+        <p:nvSpPr>
           <p:cNvPr id="19458" name="Slide Number Placeholder 4"/>
           <p:cNvSpPr>
             <a:spLocks noGrp="1"/>
@@ -8821,7 +10469,7 @@
                 <a:buFontTx/>
                 <a:buNone/>
               </a:pPr>
-              <a:t>15</a:t>
+              <a:t>19</a:t>
             </a:fld>
             <a:endParaRPr lang="en-US" altLang="en-US" sz="1400"/>
           </a:p>
@@ -9467,7 +11115,7 @@
 </p:sld>
 </file>
 
-<file path=ppt/slides/slide16.xml><?xml version="1.0" encoding="utf-8"?>
+<file path=ppt/slides/slide2.xml><?xml version="1.0" encoding="utf-8"?>
 <p:sld xmlns:a="http://schemas.openxmlformats.org/drawingml/2006/main" xmlns:r="http://schemas.openxmlformats.org/officeDocument/2006/relationships" xmlns:p="http://schemas.openxmlformats.org/presentationml/2006/main">
   <p:cSld>
     <p:spTree>
@@ -9486,137 +11134,146 @@
       </p:grpSpPr>
       <p:sp>
         <p:nvSpPr>
-          <p:cNvPr id="2" name="Title 1">
-            <a:extLst>
-              <a:ext uri="{FF2B5EF4-FFF2-40B4-BE49-F238E27FC236}">
-                <a16:creationId xmlns:a16="http://schemas.microsoft.com/office/drawing/2014/main" id="{23937212-4471-4665-86FA-7DD04533AB66}"/>
-              </a:ext>
-            </a:extLst>
-          </p:cNvPr>
-          <p:cNvSpPr>
+          <p:cNvPr id="2" name="object 2"/>
+          <p:cNvSpPr txBox="1">
             <a:spLocks noGrp="1"/>
           </p:cNvSpPr>
           <p:nvPr>
             <p:ph type="title"/>
           </p:nvPr>
         </p:nvSpPr>
-        <p:spPr/>
+        <p:spPr>
+          <a:xfrm>
+            <a:off x="3034320" y="1939229"/>
+            <a:ext cx="6123323" cy="3387666"/>
+          </a:xfrm>
+          <a:prstGeom prst="rect">
+            <a:avLst/>
+          </a:prstGeom>
+        </p:spPr>
         <p:txBody>
-          <a:bodyPr/>
+          <a:bodyPr vert="horz" wrap="square" lIns="0" tIns="260421" rIns="0" bIns="0" rtlCol="0" anchor="ctr">
+            <a:spAutoFit/>
+          </a:bodyPr>
           <a:lstStyle/>
           <a:p>
-            <a:pPr algn="ctr" fontAlgn="auto">
-              <a:spcAft>
-                <a:spcPts val="0"/>
-              </a:spcAft>
-              <a:defRPr/>
+            <a:pPr algn="ctr">
+              <a:lnSpc>
+                <a:spcPct val="100000"/>
+              </a:lnSpc>
+              <a:spcBef>
+                <a:spcPts val="2050"/>
+              </a:spcBef>
+              <a:tabLst>
+                <a:tab pos="1988165" algn="l"/>
+              </a:tabLst>
             </a:pPr>
             <a:r>
-              <a:rPr lang="en-US" dirty="0">
-                <a:solidFill>
-                  <a:srgbClr val="3380E6"/>
-                </a:solidFill>
-                <a:latin typeface="Calibri" panose="020F0502020204030204" pitchFamily="34" charset="0"/>
-              </a:rPr>
-              <a:t>Java (Cont.)</a:t>
-            </a:r>
+              <a:rPr spc="-3" dirty="0"/>
+              <a:t>COMP</a:t>
+            </a:r>
+            <a:r>
+              <a:rPr lang="en-US" spc="-3" dirty="0"/>
+              <a:t> </a:t>
+            </a:r>
+            <a:r>
+              <a:rPr spc="-3" dirty="0"/>
+              <a:t>110/L </a:t>
+            </a:r>
+            <a:r>
+              <a:rPr lang="en-US" spc="-15" dirty="0"/>
+              <a:t>Chapter 1</a:t>
+            </a:r>
+            <a:endParaRPr dirty="0"/>
+          </a:p>
+          <a:p>
+            <a:pPr algn="ctr">
+              <a:lnSpc>
+                <a:spcPct val="100000"/>
+              </a:lnSpc>
+              <a:spcBef>
+                <a:spcPts val="854"/>
+              </a:spcBef>
+            </a:pPr>
+            <a:r>
+              <a:rPr lang="en-US" sz="2165" spc="-42" dirty="0"/>
+              <a:t>Bahram Zartoshty</a:t>
+            </a:r>
+            <a:br>
+              <a:rPr lang="en-US" sz="2165" spc="-42" dirty="0"/>
+            </a:br>
+            <a:br>
+              <a:rPr lang="en-US" sz="2165" spc="-42" dirty="0"/>
+            </a:br>
+            <a:br>
+              <a:rPr lang="en-US" sz="2165" spc="-42" dirty="0"/>
+            </a:br>
+            <a:br>
+              <a:rPr lang="en-US" sz="2165" spc="-42" dirty="0"/>
+            </a:br>
+            <a:br>
+              <a:rPr lang="en-US" sz="2165" spc="-42" dirty="0"/>
+            </a:br>
+            <a:br>
+              <a:rPr lang="en-US" sz="2165" spc="-42" dirty="0"/>
+            </a:br>
+            <a:endParaRPr sz="2165" dirty="0"/>
           </a:p>
         </p:txBody>
       </p:sp>
       <p:sp>
         <p:nvSpPr>
-          <p:cNvPr id="91139" name="Text Placeholder 2">
-            <a:extLst>
-              <a:ext uri="{FF2B5EF4-FFF2-40B4-BE49-F238E27FC236}">
-                <a16:creationId xmlns:a16="http://schemas.microsoft.com/office/drawing/2014/main" id="{642F31B4-A83F-44ED-9619-021D094A966D}"/>
-              </a:ext>
-            </a:extLst>
-          </p:cNvPr>
-          <p:cNvSpPr>
-            <a:spLocks noGrp="1"/>
-          </p:cNvSpPr>
-          <p:nvPr>
-            <p:ph type="body" idx="1"/>
-          </p:nvPr>
-        </p:nvSpPr>
-        <p:spPr/>
+          <p:cNvPr id="3" name="object 3"/>
+          <p:cNvSpPr/>
+          <p:nvPr/>
+        </p:nvSpPr>
+        <p:spPr>
+          <a:xfrm>
+            <a:off x="2185871" y="0"/>
+            <a:ext cx="7820258" cy="5865194"/>
+          </a:xfrm>
+          <a:custGeom>
+            <a:avLst/>
+            <a:gdLst/>
+            <a:ahLst/>
+            <a:cxnLst/>
+            <a:rect l="l" t="t" r="r" b="b"/>
+            <a:pathLst>
+              <a:path w="13004800" h="9753600">
+                <a:moveTo>
+                  <a:pt x="0" y="9753600"/>
+                </a:moveTo>
+                <a:lnTo>
+                  <a:pt x="13004800" y="9753600"/>
+                </a:lnTo>
+                <a:lnTo>
+                  <a:pt x="13004800" y="0"/>
+                </a:lnTo>
+                <a:lnTo>
+                  <a:pt x="0" y="0"/>
+                </a:lnTo>
+                <a:lnTo>
+                  <a:pt x="0" y="9753600"/>
+                </a:lnTo>
+                <a:close/>
+              </a:path>
+            </a:pathLst>
+          </a:custGeom>
+          <a:ln w="12700">
+            <a:solidFill>
+              <a:srgbClr val="4C4C4C"/>
+            </a:solidFill>
+          </a:ln>
+        </p:spPr>
         <p:txBody>
-          <a:bodyPr/>
+          <a:bodyPr wrap="square" lIns="0" tIns="0" rIns="0" bIns="0" rtlCol="0"/>
           <a:lstStyle/>
           <a:p>
-            <a:pPr marL="109537" indent="0">
-              <a:buNone/>
-              <a:defRPr/>
-            </a:pPr>
-            <a:r>
-              <a:rPr lang="en-US" altLang="en-US" b="1" i="1" dirty="0">
-                <a:solidFill>
-                  <a:srgbClr val="000000"/>
-                </a:solidFill>
-              </a:rPr>
-              <a:t>Java Class Libraries</a:t>
-            </a:r>
-          </a:p>
-          <a:p>
-            <a:pPr eaLnBrk="1" hangingPunct="1">
-              <a:defRPr/>
-            </a:pPr>
-            <a:r>
-              <a:rPr lang="en-US" altLang="en-US" dirty="0">
-                <a:solidFill>
-                  <a:srgbClr val="000000"/>
-                </a:solidFill>
-              </a:rPr>
-              <a:t>Rich collections of existing classes and methods </a:t>
-            </a:r>
-          </a:p>
-          <a:p>
-            <a:pPr eaLnBrk="1" hangingPunct="1">
-              <a:defRPr/>
-            </a:pPr>
-            <a:r>
-              <a:rPr lang="en-US" altLang="en-US" dirty="0">
-                <a:solidFill>
-                  <a:srgbClr val="000000"/>
-                </a:solidFill>
-              </a:rPr>
-              <a:t>Also known as the </a:t>
-            </a:r>
-            <a:r>
-              <a:rPr lang="en-US" altLang="en-US" dirty="0">
-                <a:solidFill>
-                  <a:srgbClr val="0000FF"/>
-                </a:solidFill>
-              </a:rPr>
-              <a:t>Java APIs (Application Programming Interfaces)</a:t>
-            </a:r>
-            <a:r>
-              <a:rPr lang="en-US" altLang="en-US" dirty="0">
-                <a:solidFill>
-                  <a:srgbClr val="000000"/>
-                </a:solidFill>
-              </a:rPr>
-              <a:t>. </a:t>
-            </a:r>
-          </a:p>
-          <a:p>
-            <a:pPr eaLnBrk="1" hangingPunct="1">
-              <a:defRPr/>
-            </a:pPr>
-            <a:endParaRPr lang="en-US" altLang="en-US" i="1" dirty="0">
-              <a:solidFill>
-                <a:srgbClr val="000000"/>
-              </a:solidFill>
-            </a:endParaRPr>
+            <a:endParaRPr sz="1082"/>
           </a:p>
         </p:txBody>
       </p:sp>
     </p:spTree>
-    <p:extLst>
-      <p:ext uri="{BB962C8B-B14F-4D97-AF65-F5344CB8AC3E}">
-        <p14:creationId xmlns:p14="http://schemas.microsoft.com/office/powerpoint/2010/main" val="2456668959"/>
-      </p:ext>
-    </p:extLst>
   </p:cSld>
   <p:clrMapOvr>
     <a:masterClrMapping/>
@@ -9624,7 +11281,7 @@
 </p:sld>
 </file>
 
-<file path=ppt/slides/slide17.xml><?xml version="1.0" encoding="utf-8"?>
+<file path=ppt/slides/slide20.xml><?xml version="1.0" encoding="utf-8"?>
 <p:sld xmlns:a="http://schemas.openxmlformats.org/drawingml/2006/main" xmlns:r="http://schemas.openxmlformats.org/officeDocument/2006/relationships" xmlns:p="http://schemas.openxmlformats.org/presentationml/2006/main">
   <p:cSld>
     <p:spTree>
@@ -9643,6 +11300,163 @@
       </p:grpSpPr>
       <p:sp>
         <p:nvSpPr>
+          <p:cNvPr id="2" name="Title 1">
+            <a:extLst>
+              <a:ext uri="{FF2B5EF4-FFF2-40B4-BE49-F238E27FC236}">
+                <a16:creationId xmlns:a16="http://schemas.microsoft.com/office/drawing/2014/main" id="{23937212-4471-4665-86FA-7DD04533AB66}"/>
+              </a:ext>
+            </a:extLst>
+          </p:cNvPr>
+          <p:cNvSpPr>
+            <a:spLocks noGrp="1"/>
+          </p:cNvSpPr>
+          <p:nvPr>
+            <p:ph type="title"/>
+          </p:nvPr>
+        </p:nvSpPr>
+        <p:spPr/>
+        <p:txBody>
+          <a:bodyPr/>
+          <a:lstStyle/>
+          <a:p>
+            <a:pPr algn="ctr" fontAlgn="auto">
+              <a:spcAft>
+                <a:spcPts val="0"/>
+              </a:spcAft>
+              <a:defRPr/>
+            </a:pPr>
+            <a:r>
+              <a:rPr lang="en-US" dirty="0">
+                <a:solidFill>
+                  <a:srgbClr val="3380E6"/>
+                </a:solidFill>
+                <a:latin typeface="Calibri" panose="020F0502020204030204" pitchFamily="34" charset="0"/>
+              </a:rPr>
+              <a:t>Java (Cont.)</a:t>
+            </a:r>
+          </a:p>
+        </p:txBody>
+      </p:sp>
+      <p:sp>
+        <p:nvSpPr>
+          <p:cNvPr id="91139" name="Text Placeholder 2">
+            <a:extLst>
+              <a:ext uri="{FF2B5EF4-FFF2-40B4-BE49-F238E27FC236}">
+                <a16:creationId xmlns:a16="http://schemas.microsoft.com/office/drawing/2014/main" id="{642F31B4-A83F-44ED-9619-021D094A966D}"/>
+              </a:ext>
+            </a:extLst>
+          </p:cNvPr>
+          <p:cNvSpPr>
+            <a:spLocks noGrp="1"/>
+          </p:cNvSpPr>
+          <p:nvPr>
+            <p:ph type="body" idx="1"/>
+          </p:nvPr>
+        </p:nvSpPr>
+        <p:spPr/>
+        <p:txBody>
+          <a:bodyPr/>
+          <a:lstStyle/>
+          <a:p>
+            <a:pPr marL="109537" indent="0">
+              <a:buNone/>
+              <a:defRPr/>
+            </a:pPr>
+            <a:r>
+              <a:rPr lang="en-US" altLang="en-US" b="1" i="1" dirty="0">
+                <a:solidFill>
+                  <a:srgbClr val="000000"/>
+                </a:solidFill>
+              </a:rPr>
+              <a:t>Java Class Libraries</a:t>
+            </a:r>
+          </a:p>
+          <a:p>
+            <a:pPr eaLnBrk="1" hangingPunct="1">
+              <a:defRPr/>
+            </a:pPr>
+            <a:r>
+              <a:rPr lang="en-US" altLang="en-US" dirty="0">
+                <a:solidFill>
+                  <a:srgbClr val="000000"/>
+                </a:solidFill>
+              </a:rPr>
+              <a:t>Rich collections of existing classes and methods </a:t>
+            </a:r>
+          </a:p>
+          <a:p>
+            <a:pPr eaLnBrk="1" hangingPunct="1">
+              <a:defRPr/>
+            </a:pPr>
+            <a:r>
+              <a:rPr lang="en-US" altLang="en-US" dirty="0">
+                <a:solidFill>
+                  <a:srgbClr val="000000"/>
+                </a:solidFill>
+              </a:rPr>
+              <a:t>Also known as the </a:t>
+            </a:r>
+            <a:r>
+              <a:rPr lang="en-US" altLang="en-US" dirty="0">
+                <a:solidFill>
+                  <a:srgbClr val="0000FF"/>
+                </a:solidFill>
+              </a:rPr>
+              <a:t>Java APIs (Application Programming Interfaces)</a:t>
+            </a:r>
+            <a:r>
+              <a:rPr lang="en-US" altLang="en-US" dirty="0">
+                <a:solidFill>
+                  <a:srgbClr val="000000"/>
+                </a:solidFill>
+              </a:rPr>
+              <a:t>. </a:t>
+            </a:r>
+          </a:p>
+          <a:p>
+            <a:pPr eaLnBrk="1" hangingPunct="1">
+              <a:defRPr/>
+            </a:pPr>
+            <a:endParaRPr lang="en-US" altLang="en-US" i="1" dirty="0">
+              <a:solidFill>
+                <a:srgbClr val="000000"/>
+              </a:solidFill>
+            </a:endParaRPr>
+          </a:p>
+        </p:txBody>
+      </p:sp>
+    </p:spTree>
+    <p:extLst>
+      <p:ext uri="{BB962C8B-B14F-4D97-AF65-F5344CB8AC3E}">
+        <p14:creationId xmlns:p14="http://schemas.microsoft.com/office/powerpoint/2010/main" val="2456668959"/>
+      </p:ext>
+    </p:extLst>
+  </p:cSld>
+  <p:clrMapOvr>
+    <a:masterClrMapping/>
+  </p:clrMapOvr>
+</p:sld>
+</file>
+
+<file path=ppt/slides/slide21.xml><?xml version="1.0" encoding="utf-8"?>
+<p:sld xmlns:a="http://schemas.openxmlformats.org/drawingml/2006/main" xmlns:r="http://schemas.openxmlformats.org/officeDocument/2006/relationships" xmlns:p="http://schemas.openxmlformats.org/presentationml/2006/main">
+  <p:cSld>
+    <p:spTree>
+      <p:nvGrpSpPr>
+        <p:cNvPr id="1" name=""/>
+        <p:cNvGrpSpPr/>
+        <p:nvPr/>
+      </p:nvGrpSpPr>
+      <p:grpSpPr>
+        <a:xfrm>
+          <a:off x="0" y="0"/>
+          <a:ext cx="0" cy="0"/>
+          <a:chOff x="0" y="0"/>
+          <a:chExt cx="0" cy="0"/>
+        </a:xfrm>
+      </p:grpSpPr>
+      <p:sp>
+        <p:nvSpPr>
           <p:cNvPr id="45058" name="Slide Number Placeholder 4"/>
           <p:cNvSpPr>
             <a:spLocks noGrp="1"/>
@@ -9830,7 +11644,7 @@
                 <a:buFontTx/>
                 <a:buNone/>
               </a:pPr>
-              <a:t>17</a:t>
+              <a:t>21</a:t>
             </a:fld>
             <a:endParaRPr lang="en-US" altLang="en-US" sz="1400"/>
           </a:p>
@@ -10727,7 +12541,7 @@
 </p:sld>
 </file>
 
-<file path=ppt/slides/slide18.xml><?xml version="1.0" encoding="utf-8"?>
+<file path=ppt/slides/slide22.xml><?xml version="1.0" encoding="utf-8"?>
 <p:sld xmlns:a="http://schemas.openxmlformats.org/drawingml/2006/main" xmlns:r="http://schemas.openxmlformats.org/officeDocument/2006/relationships" xmlns:p="http://schemas.openxmlformats.org/presentationml/2006/main">
   <p:cSld>
     <p:spTree>
@@ -10851,7 +12665,7 @@
 </p:sld>
 </file>
 
-<file path=ppt/slides/slide19.xml><?xml version="1.0" encoding="utf-8"?>
+<file path=ppt/slides/slide23.xml><?xml version="1.0" encoding="utf-8"?>
 <p:sld xmlns:a="http://schemas.openxmlformats.org/drawingml/2006/main" xmlns:r="http://schemas.openxmlformats.org/officeDocument/2006/relationships" xmlns:p="http://schemas.openxmlformats.org/presentationml/2006/main">
   <p:cSld>
     <p:spTree>
@@ -11189,173 +13003,7 @@
 </p:sld>
 </file>
 
-<file path=ppt/slides/slide2.xml><?xml version="1.0" encoding="utf-8"?>
-<p:sld xmlns:a="http://schemas.openxmlformats.org/drawingml/2006/main" xmlns:r="http://schemas.openxmlformats.org/officeDocument/2006/relationships" xmlns:p="http://schemas.openxmlformats.org/presentationml/2006/main">
-  <p:cSld>
-    <p:spTree>
-      <p:nvGrpSpPr>
-        <p:cNvPr id="1" name=""/>
-        <p:cNvGrpSpPr/>
-        <p:nvPr/>
-      </p:nvGrpSpPr>
-      <p:grpSpPr>
-        <a:xfrm>
-          <a:off x="0" y="0"/>
-          <a:ext cx="0" cy="0"/>
-          <a:chOff x="0" y="0"/>
-          <a:chExt cx="0" cy="0"/>
-        </a:xfrm>
-      </p:grpSpPr>
-      <p:sp>
-        <p:nvSpPr>
-          <p:cNvPr id="2" name="object 2"/>
-          <p:cNvSpPr txBox="1">
-            <a:spLocks noGrp="1"/>
-          </p:cNvSpPr>
-          <p:nvPr>
-            <p:ph type="title"/>
-          </p:nvPr>
-        </p:nvSpPr>
-        <p:spPr>
-          <a:xfrm>
-            <a:off x="3034320" y="1939229"/>
-            <a:ext cx="6123323" cy="3387666"/>
-          </a:xfrm>
-          <a:prstGeom prst="rect">
-            <a:avLst/>
-          </a:prstGeom>
-        </p:spPr>
-        <p:txBody>
-          <a:bodyPr vert="horz" wrap="square" lIns="0" tIns="260421" rIns="0" bIns="0" rtlCol="0" anchor="ctr">
-            <a:spAutoFit/>
-          </a:bodyPr>
-          <a:lstStyle/>
-          <a:p>
-            <a:pPr algn="ctr">
-              <a:lnSpc>
-                <a:spcPct val="100000"/>
-              </a:lnSpc>
-              <a:spcBef>
-                <a:spcPts val="2050"/>
-              </a:spcBef>
-              <a:tabLst>
-                <a:tab pos="1988165" algn="l"/>
-              </a:tabLst>
-            </a:pPr>
-            <a:r>
-              <a:rPr spc="-3" dirty="0"/>
-              <a:t>COMP</a:t>
-            </a:r>
-            <a:r>
-              <a:rPr lang="en-US" spc="-3" dirty="0"/>
-              <a:t> </a:t>
-            </a:r>
-            <a:r>
-              <a:rPr spc="-3" dirty="0"/>
-              <a:t>110/L </a:t>
-            </a:r>
-            <a:r>
-              <a:rPr lang="en-US" spc="-15" dirty="0"/>
-              <a:t>Chapter 1</a:t>
-            </a:r>
-            <a:endParaRPr dirty="0"/>
-          </a:p>
-          <a:p>
-            <a:pPr algn="ctr">
-              <a:lnSpc>
-                <a:spcPct val="100000"/>
-              </a:lnSpc>
-              <a:spcBef>
-                <a:spcPts val="854"/>
-              </a:spcBef>
-            </a:pPr>
-            <a:r>
-              <a:rPr lang="en-US" sz="2165" spc="-42" dirty="0"/>
-              <a:t>Bahram Zartoshty</a:t>
-            </a:r>
-            <a:br>
-              <a:rPr lang="en-US" sz="2165" spc="-42" dirty="0"/>
-            </a:br>
-            <a:br>
-              <a:rPr lang="en-US" sz="2165" spc="-42" dirty="0"/>
-            </a:br>
-            <a:br>
-              <a:rPr lang="en-US" sz="2165" spc="-42" dirty="0"/>
-            </a:br>
-            <a:br>
-              <a:rPr lang="en-US" sz="2165" spc="-42" dirty="0"/>
-            </a:br>
-            <a:br>
-              <a:rPr lang="en-US" sz="2165" spc="-42" dirty="0"/>
-            </a:br>
-            <a:br>
-              <a:rPr lang="en-US" sz="2165" spc="-42" dirty="0"/>
-            </a:br>
-            <a:endParaRPr sz="2165" dirty="0"/>
-          </a:p>
-        </p:txBody>
-      </p:sp>
-      <p:sp>
-        <p:nvSpPr>
-          <p:cNvPr id="3" name="object 3"/>
-          <p:cNvSpPr/>
-          <p:nvPr/>
-        </p:nvSpPr>
-        <p:spPr>
-          <a:xfrm>
-            <a:off x="2185871" y="0"/>
-            <a:ext cx="7820258" cy="5865194"/>
-          </a:xfrm>
-          <a:custGeom>
-            <a:avLst/>
-            <a:gdLst/>
-            <a:ahLst/>
-            <a:cxnLst/>
-            <a:rect l="l" t="t" r="r" b="b"/>
-            <a:pathLst>
-              <a:path w="13004800" h="9753600">
-                <a:moveTo>
-                  <a:pt x="0" y="9753600"/>
-                </a:moveTo>
-                <a:lnTo>
-                  <a:pt x="13004800" y="9753600"/>
-                </a:lnTo>
-                <a:lnTo>
-                  <a:pt x="13004800" y="0"/>
-                </a:lnTo>
-                <a:lnTo>
-                  <a:pt x="0" y="0"/>
-                </a:lnTo>
-                <a:lnTo>
-                  <a:pt x="0" y="9753600"/>
-                </a:lnTo>
-                <a:close/>
-              </a:path>
-            </a:pathLst>
-          </a:custGeom>
-          <a:ln w="12700">
-            <a:solidFill>
-              <a:srgbClr val="4C4C4C"/>
-            </a:solidFill>
-          </a:ln>
-        </p:spPr>
-        <p:txBody>
-          <a:bodyPr wrap="square" lIns="0" tIns="0" rIns="0" bIns="0" rtlCol="0"/>
-          <a:lstStyle/>
-          <a:p>
-            <a:endParaRPr sz="1082"/>
-          </a:p>
-        </p:txBody>
-      </p:sp>
-    </p:spTree>
-  </p:cSld>
-  <p:clrMapOvr>
-    <a:masterClrMapping/>
-  </p:clrMapOvr>
-</p:sld>
-</file>
-
-<file path=ppt/slides/slide20.xml><?xml version="1.0" encoding="utf-8"?>
+<file path=ppt/slides/slide24.xml><?xml version="1.0" encoding="utf-8"?>
 <p:sld xmlns:a="http://schemas.openxmlformats.org/drawingml/2006/main" xmlns:r="http://schemas.openxmlformats.org/officeDocument/2006/relationships" xmlns:p="http://schemas.openxmlformats.org/presentationml/2006/main">
   <p:cSld>
     <p:spTree>
@@ -11995,1409 +13643,6 @@
     <p:extLst>
       <p:ext uri="{BB962C8B-B14F-4D97-AF65-F5344CB8AC3E}">
         <p14:creationId xmlns:p14="http://schemas.microsoft.com/office/powerpoint/2010/main" val="1750909141"/>
-      </p:ext>
-    </p:extLst>
-  </p:cSld>
-  <p:clrMapOvr>
-    <a:masterClrMapping/>
-  </p:clrMapOvr>
-</p:sld>
-</file>
-
-<file path=ppt/slides/slide21.xml><?xml version="1.0" encoding="utf-8"?>
-<p:sld xmlns:a="http://schemas.openxmlformats.org/drawingml/2006/main" xmlns:r="http://schemas.openxmlformats.org/officeDocument/2006/relationships" xmlns:p="http://schemas.openxmlformats.org/presentationml/2006/main">
-  <p:cSld>
-    <p:spTree>
-      <p:nvGrpSpPr>
-        <p:cNvPr id="1" name=""/>
-        <p:cNvGrpSpPr/>
-        <p:nvPr/>
-      </p:nvGrpSpPr>
-      <p:grpSpPr>
-        <a:xfrm>
-          <a:off x="0" y="0"/>
-          <a:ext cx="0" cy="0"/>
-          <a:chOff x="0" y="0"/>
-          <a:chExt cx="0" cy="0"/>
-        </a:xfrm>
-      </p:grpSpPr>
-      <p:sp>
-        <p:nvSpPr>
-          <p:cNvPr id="67586" name="Slide Number Placeholder 4"/>
-          <p:cNvSpPr>
-            <a:spLocks noGrp="1"/>
-          </p:cNvSpPr>
-          <p:nvPr>
-            <p:ph type="sldNum" sz="quarter" idx="11"/>
-          </p:nvPr>
-        </p:nvSpPr>
-        <p:spPr>
-          <a:noFill/>
-        </p:spPr>
-        <p:txBody>
-          <a:bodyPr/>
-          <a:lstStyle>
-            <a:lvl1pPr>
-              <a:spcBef>
-                <a:spcPct val="20000"/>
-              </a:spcBef>
-              <a:buClr>
-                <a:schemeClr val="tx2"/>
-              </a:buClr>
-              <a:buSzPct val="75000"/>
-              <a:buFont typeface="Monotype Sorts" pitchFamily="2" charset="2"/>
-              <a:buChar char="F"/>
-              <a:defRPr sz="3200">
-                <a:solidFill>
-                  <a:schemeClr val="tx1"/>
-                </a:solidFill>
-                <a:latin typeface="Times New Roman" panose="02020603050405020304" pitchFamily="18" charset="0"/>
-              </a:defRPr>
-            </a:lvl1pPr>
-            <a:lvl2pPr marL="742950" indent="-285750">
-              <a:spcBef>
-                <a:spcPct val="20000"/>
-              </a:spcBef>
-              <a:buClr>
-                <a:schemeClr val="tx1"/>
-              </a:buClr>
-              <a:buChar char="–"/>
-              <a:defRPr sz="2800">
-                <a:solidFill>
-                  <a:schemeClr val="tx1"/>
-                </a:solidFill>
-                <a:latin typeface="Times New Roman" panose="02020603050405020304" pitchFamily="18" charset="0"/>
-              </a:defRPr>
-            </a:lvl2pPr>
-            <a:lvl3pPr marL="1143000" indent="-228600">
-              <a:spcBef>
-                <a:spcPct val="20000"/>
-              </a:spcBef>
-              <a:buClr>
-                <a:schemeClr val="accent2"/>
-              </a:buClr>
-              <a:buSzPct val="65000"/>
-              <a:buFont typeface="Monotype Sorts" pitchFamily="2" charset="2"/>
-              <a:buChar char="u"/>
-              <a:defRPr sz="2400">
-                <a:solidFill>
-                  <a:schemeClr val="tx1"/>
-                </a:solidFill>
-                <a:latin typeface="Times New Roman" panose="02020603050405020304" pitchFamily="18" charset="0"/>
-              </a:defRPr>
-            </a:lvl3pPr>
-            <a:lvl4pPr marL="1600200" indent="-228600">
-              <a:spcBef>
-                <a:spcPct val="20000"/>
-              </a:spcBef>
-              <a:buClr>
-                <a:schemeClr val="tx1"/>
-              </a:buClr>
-              <a:buChar char="–"/>
-              <a:defRPr sz="2000">
-                <a:solidFill>
-                  <a:schemeClr val="tx1"/>
-                </a:solidFill>
-                <a:latin typeface="Times New Roman" panose="02020603050405020304" pitchFamily="18" charset="0"/>
-              </a:defRPr>
-            </a:lvl4pPr>
-            <a:lvl5pPr marL="2057400" indent="-228600">
-              <a:spcBef>
-                <a:spcPct val="20000"/>
-              </a:spcBef>
-              <a:buClr>
-                <a:schemeClr val="tx2"/>
-              </a:buClr>
-              <a:buChar char="•"/>
-              <a:defRPr sz="2000">
-                <a:solidFill>
-                  <a:schemeClr val="tx1"/>
-                </a:solidFill>
-                <a:latin typeface="Times New Roman" panose="02020603050405020304" pitchFamily="18" charset="0"/>
-              </a:defRPr>
-            </a:lvl5pPr>
-            <a:lvl6pPr marL="2514600" indent="-228600" eaLnBrk="0" fontAlgn="base" hangingPunct="0">
-              <a:spcBef>
-                <a:spcPct val="20000"/>
-              </a:spcBef>
-              <a:spcAft>
-                <a:spcPct val="0"/>
-              </a:spcAft>
-              <a:buClr>
-                <a:schemeClr val="tx2"/>
-              </a:buClr>
-              <a:buChar char="•"/>
-              <a:defRPr sz="2000">
-                <a:solidFill>
-                  <a:schemeClr val="tx1"/>
-                </a:solidFill>
-                <a:latin typeface="Times New Roman" panose="02020603050405020304" pitchFamily="18" charset="0"/>
-              </a:defRPr>
-            </a:lvl6pPr>
-            <a:lvl7pPr marL="2971800" indent="-228600" eaLnBrk="0" fontAlgn="base" hangingPunct="0">
-              <a:spcBef>
-                <a:spcPct val="20000"/>
-              </a:spcBef>
-              <a:spcAft>
-                <a:spcPct val="0"/>
-              </a:spcAft>
-              <a:buClr>
-                <a:schemeClr val="tx2"/>
-              </a:buClr>
-              <a:buChar char="•"/>
-              <a:defRPr sz="2000">
-                <a:solidFill>
-                  <a:schemeClr val="tx1"/>
-                </a:solidFill>
-                <a:latin typeface="Times New Roman" panose="02020603050405020304" pitchFamily="18" charset="0"/>
-              </a:defRPr>
-            </a:lvl7pPr>
-            <a:lvl8pPr marL="3429000" indent="-228600" eaLnBrk="0" fontAlgn="base" hangingPunct="0">
-              <a:spcBef>
-                <a:spcPct val="20000"/>
-              </a:spcBef>
-              <a:spcAft>
-                <a:spcPct val="0"/>
-              </a:spcAft>
-              <a:buClr>
-                <a:schemeClr val="tx2"/>
-              </a:buClr>
-              <a:buChar char="•"/>
-              <a:defRPr sz="2000">
-                <a:solidFill>
-                  <a:schemeClr val="tx1"/>
-                </a:solidFill>
-                <a:latin typeface="Times New Roman" panose="02020603050405020304" pitchFamily="18" charset="0"/>
-              </a:defRPr>
-            </a:lvl8pPr>
-            <a:lvl9pPr marL="3886200" indent="-228600" eaLnBrk="0" fontAlgn="base" hangingPunct="0">
-              <a:spcBef>
-                <a:spcPct val="20000"/>
-              </a:spcBef>
-              <a:spcAft>
-                <a:spcPct val="0"/>
-              </a:spcAft>
-              <a:buClr>
-                <a:schemeClr val="tx2"/>
-              </a:buClr>
-              <a:buChar char="•"/>
-              <a:defRPr sz="2000">
-                <a:solidFill>
-                  <a:schemeClr val="tx1"/>
-                </a:solidFill>
-                <a:latin typeface="Times New Roman" panose="02020603050405020304" pitchFamily="18" charset="0"/>
-              </a:defRPr>
-            </a:lvl9pPr>
-          </a:lstStyle>
-          <a:p>
-            <a:pPr>
-              <a:spcBef>
-                <a:spcPct val="0"/>
-              </a:spcBef>
-              <a:buClrTx/>
-              <a:buSzTx/>
-              <a:buFontTx/>
-              <a:buNone/>
-            </a:pPr>
-            <a:fld id="{92264D38-8C62-4D4D-9A05-183F8E7570D6}" type="slidenum">
-              <a:rPr lang="en-US" altLang="en-US" sz="1400"/>
-              <a:pPr>
-                <a:spcBef>
-                  <a:spcPct val="0"/>
-                </a:spcBef>
-                <a:buClrTx/>
-                <a:buSzTx/>
-                <a:buFontTx/>
-                <a:buNone/>
-              </a:pPr>
-              <a:t>21</a:t>
-            </a:fld>
-            <a:endParaRPr lang="en-US" altLang="en-US" sz="1400"/>
-          </a:p>
-        </p:txBody>
-      </p:sp>
-      <p:sp>
-        <p:nvSpPr>
-          <p:cNvPr id="67587" name="Rectangle 2"/>
-          <p:cNvSpPr>
-            <a:spLocks noGrp="1" noChangeArrowheads="1"/>
-          </p:cNvSpPr>
-          <p:nvPr>
-            <p:ph type="title"/>
-          </p:nvPr>
-        </p:nvSpPr>
-        <p:spPr>
-          <a:xfrm>
-            <a:off x="2209800" y="0"/>
-            <a:ext cx="7772400" cy="1428750"/>
-          </a:xfrm>
-          <a:noFill/>
-        </p:spPr>
-        <p:txBody>
-          <a:bodyPr>
-            <a:normAutofit/>
-          </a:bodyPr>
-          <a:lstStyle/>
-          <a:p>
-            <a:pPr algn="ctr"/>
-            <a:r>
-              <a:rPr lang="en-US" altLang="en-US" sz="3200" dirty="0">
-                <a:solidFill>
-                  <a:schemeClr val="accent1"/>
-                </a:solidFill>
-              </a:rPr>
-              <a:t>Programming Style and Documentation</a:t>
-            </a:r>
-          </a:p>
-        </p:txBody>
-      </p:sp>
-      <p:sp>
-        <p:nvSpPr>
-          <p:cNvPr id="67588" name="Rectangle 3"/>
-          <p:cNvSpPr>
-            <a:spLocks noGrp="1" noChangeArrowheads="1"/>
-          </p:cNvSpPr>
-          <p:nvPr>
-            <p:ph type="body" idx="1"/>
-          </p:nvPr>
-        </p:nvSpPr>
-        <p:spPr>
-          <a:xfrm>
-            <a:off x="1894051" y="1263119"/>
-            <a:ext cx="7789863" cy="3529013"/>
-          </a:xfrm>
-          <a:noFill/>
-        </p:spPr>
-        <p:txBody>
-          <a:bodyPr/>
-          <a:lstStyle/>
-          <a:p>
-            <a:pPr algn="just"/>
-            <a:r>
-              <a:rPr lang="en-US" altLang="en-US" sz="3600"/>
-              <a:t>Appropriate Comments</a:t>
-            </a:r>
-          </a:p>
-          <a:p>
-            <a:pPr algn="just"/>
-            <a:r>
-              <a:rPr lang="en-US" altLang="en-US" sz="3600"/>
-              <a:t>Naming Conventions</a:t>
-            </a:r>
-          </a:p>
-          <a:p>
-            <a:pPr algn="just"/>
-            <a:r>
-              <a:rPr lang="en-US" altLang="en-US" sz="3600"/>
-              <a:t>Proper Indentation and Spacing Lines</a:t>
-            </a:r>
-          </a:p>
-          <a:p>
-            <a:pPr algn="just"/>
-            <a:r>
-              <a:rPr lang="en-US" altLang="en-US" sz="3600"/>
-              <a:t>Block Styles</a:t>
-            </a:r>
-          </a:p>
-        </p:txBody>
-      </p:sp>
-    </p:spTree>
-    <p:extLst>
-      <p:ext uri="{BB962C8B-B14F-4D97-AF65-F5344CB8AC3E}">
-        <p14:creationId xmlns:p14="http://schemas.microsoft.com/office/powerpoint/2010/main" val="1155922360"/>
-      </p:ext>
-    </p:extLst>
-  </p:cSld>
-  <p:clrMapOvr>
-    <a:masterClrMapping/>
-  </p:clrMapOvr>
-</p:sld>
-</file>
-
-<file path=ppt/slides/slide22.xml><?xml version="1.0" encoding="utf-8"?>
-<p:sld xmlns:a="http://schemas.openxmlformats.org/drawingml/2006/main" xmlns:r="http://schemas.openxmlformats.org/officeDocument/2006/relationships" xmlns:p="http://schemas.openxmlformats.org/presentationml/2006/main">
-  <p:cSld>
-    <p:spTree>
-      <p:nvGrpSpPr>
-        <p:cNvPr id="1" name=""/>
-        <p:cNvGrpSpPr/>
-        <p:nvPr/>
-      </p:nvGrpSpPr>
-      <p:grpSpPr>
-        <a:xfrm>
-          <a:off x="0" y="0"/>
-          <a:ext cx="0" cy="0"/>
-          <a:chOff x="0" y="0"/>
-          <a:chExt cx="0" cy="0"/>
-        </a:xfrm>
-      </p:grpSpPr>
-      <p:sp>
-        <p:nvSpPr>
-          <p:cNvPr id="72706" name="Slide Number Placeholder 4"/>
-          <p:cNvSpPr>
-            <a:spLocks noGrp="1"/>
-          </p:cNvSpPr>
-          <p:nvPr>
-            <p:ph type="sldNum" sz="quarter" idx="11"/>
-          </p:nvPr>
-        </p:nvSpPr>
-        <p:spPr>
-          <a:noFill/>
-        </p:spPr>
-        <p:txBody>
-          <a:bodyPr/>
-          <a:lstStyle>
-            <a:lvl1pPr>
-              <a:spcBef>
-                <a:spcPct val="20000"/>
-              </a:spcBef>
-              <a:buClr>
-                <a:schemeClr val="tx2"/>
-              </a:buClr>
-              <a:buSzPct val="75000"/>
-              <a:buFont typeface="Monotype Sorts" pitchFamily="2" charset="2"/>
-              <a:buChar char="F"/>
-              <a:defRPr sz="3200">
-                <a:solidFill>
-                  <a:schemeClr val="tx1"/>
-                </a:solidFill>
-                <a:latin typeface="Times New Roman" panose="02020603050405020304" pitchFamily="18" charset="0"/>
-              </a:defRPr>
-            </a:lvl1pPr>
-            <a:lvl2pPr marL="742950" indent="-285750">
-              <a:spcBef>
-                <a:spcPct val="20000"/>
-              </a:spcBef>
-              <a:buClr>
-                <a:schemeClr val="tx1"/>
-              </a:buClr>
-              <a:buChar char="–"/>
-              <a:defRPr sz="2800">
-                <a:solidFill>
-                  <a:schemeClr val="tx1"/>
-                </a:solidFill>
-                <a:latin typeface="Times New Roman" panose="02020603050405020304" pitchFamily="18" charset="0"/>
-              </a:defRPr>
-            </a:lvl2pPr>
-            <a:lvl3pPr marL="1143000" indent="-228600">
-              <a:spcBef>
-                <a:spcPct val="20000"/>
-              </a:spcBef>
-              <a:buClr>
-                <a:schemeClr val="accent2"/>
-              </a:buClr>
-              <a:buSzPct val="65000"/>
-              <a:buFont typeface="Monotype Sorts" pitchFamily="2" charset="2"/>
-              <a:buChar char="u"/>
-              <a:defRPr sz="2400">
-                <a:solidFill>
-                  <a:schemeClr val="tx1"/>
-                </a:solidFill>
-                <a:latin typeface="Times New Roman" panose="02020603050405020304" pitchFamily="18" charset="0"/>
-              </a:defRPr>
-            </a:lvl3pPr>
-            <a:lvl4pPr marL="1600200" indent="-228600">
-              <a:spcBef>
-                <a:spcPct val="20000"/>
-              </a:spcBef>
-              <a:buClr>
-                <a:schemeClr val="tx1"/>
-              </a:buClr>
-              <a:buChar char="–"/>
-              <a:defRPr sz="2000">
-                <a:solidFill>
-                  <a:schemeClr val="tx1"/>
-                </a:solidFill>
-                <a:latin typeface="Times New Roman" panose="02020603050405020304" pitchFamily="18" charset="0"/>
-              </a:defRPr>
-            </a:lvl4pPr>
-            <a:lvl5pPr marL="2057400" indent="-228600">
-              <a:spcBef>
-                <a:spcPct val="20000"/>
-              </a:spcBef>
-              <a:buClr>
-                <a:schemeClr val="tx2"/>
-              </a:buClr>
-              <a:buChar char="•"/>
-              <a:defRPr sz="2000">
-                <a:solidFill>
-                  <a:schemeClr val="tx1"/>
-                </a:solidFill>
-                <a:latin typeface="Times New Roman" panose="02020603050405020304" pitchFamily="18" charset="0"/>
-              </a:defRPr>
-            </a:lvl5pPr>
-            <a:lvl6pPr marL="2514600" indent="-228600" eaLnBrk="0" fontAlgn="base" hangingPunct="0">
-              <a:spcBef>
-                <a:spcPct val="20000"/>
-              </a:spcBef>
-              <a:spcAft>
-                <a:spcPct val="0"/>
-              </a:spcAft>
-              <a:buClr>
-                <a:schemeClr val="tx2"/>
-              </a:buClr>
-              <a:buChar char="•"/>
-              <a:defRPr sz="2000">
-                <a:solidFill>
-                  <a:schemeClr val="tx1"/>
-                </a:solidFill>
-                <a:latin typeface="Times New Roman" panose="02020603050405020304" pitchFamily="18" charset="0"/>
-              </a:defRPr>
-            </a:lvl6pPr>
-            <a:lvl7pPr marL="2971800" indent="-228600" eaLnBrk="0" fontAlgn="base" hangingPunct="0">
-              <a:spcBef>
-                <a:spcPct val="20000"/>
-              </a:spcBef>
-              <a:spcAft>
-                <a:spcPct val="0"/>
-              </a:spcAft>
-              <a:buClr>
-                <a:schemeClr val="tx2"/>
-              </a:buClr>
-              <a:buChar char="•"/>
-              <a:defRPr sz="2000">
-                <a:solidFill>
-                  <a:schemeClr val="tx1"/>
-                </a:solidFill>
-                <a:latin typeface="Times New Roman" panose="02020603050405020304" pitchFamily="18" charset="0"/>
-              </a:defRPr>
-            </a:lvl7pPr>
-            <a:lvl8pPr marL="3429000" indent="-228600" eaLnBrk="0" fontAlgn="base" hangingPunct="0">
-              <a:spcBef>
-                <a:spcPct val="20000"/>
-              </a:spcBef>
-              <a:spcAft>
-                <a:spcPct val="0"/>
-              </a:spcAft>
-              <a:buClr>
-                <a:schemeClr val="tx2"/>
-              </a:buClr>
-              <a:buChar char="•"/>
-              <a:defRPr sz="2000">
-                <a:solidFill>
-                  <a:schemeClr val="tx1"/>
-                </a:solidFill>
-                <a:latin typeface="Times New Roman" panose="02020603050405020304" pitchFamily="18" charset="0"/>
-              </a:defRPr>
-            </a:lvl8pPr>
-            <a:lvl9pPr marL="3886200" indent="-228600" eaLnBrk="0" fontAlgn="base" hangingPunct="0">
-              <a:spcBef>
-                <a:spcPct val="20000"/>
-              </a:spcBef>
-              <a:spcAft>
-                <a:spcPct val="0"/>
-              </a:spcAft>
-              <a:buClr>
-                <a:schemeClr val="tx2"/>
-              </a:buClr>
-              <a:buChar char="•"/>
-              <a:defRPr sz="2000">
-                <a:solidFill>
-                  <a:schemeClr val="tx1"/>
-                </a:solidFill>
-                <a:latin typeface="Times New Roman" panose="02020603050405020304" pitchFamily="18" charset="0"/>
-              </a:defRPr>
-            </a:lvl9pPr>
-          </a:lstStyle>
-          <a:p>
-            <a:pPr>
-              <a:spcBef>
-                <a:spcPct val="0"/>
-              </a:spcBef>
-              <a:buClrTx/>
-              <a:buSzTx/>
-              <a:buFontTx/>
-              <a:buNone/>
-            </a:pPr>
-            <a:fld id="{0688B0FF-48FA-4CD6-978C-D4BC22D3DEFD}" type="slidenum">
-              <a:rPr lang="en-US" altLang="en-US" sz="1400"/>
-              <a:pPr>
-                <a:spcBef>
-                  <a:spcPct val="0"/>
-                </a:spcBef>
-                <a:buClrTx/>
-                <a:buSzTx/>
-                <a:buFontTx/>
-                <a:buNone/>
-              </a:pPr>
-              <a:t>22</a:t>
-            </a:fld>
-            <a:endParaRPr lang="en-US" altLang="en-US" sz="1400"/>
-          </a:p>
-        </p:txBody>
-      </p:sp>
-      <p:sp>
-        <p:nvSpPr>
-          <p:cNvPr id="72707" name="Rectangle 2"/>
-          <p:cNvSpPr>
-            <a:spLocks noGrp="1" noChangeArrowheads="1"/>
-          </p:cNvSpPr>
-          <p:nvPr>
-            <p:ph type="title"/>
-          </p:nvPr>
-        </p:nvSpPr>
-        <p:spPr>
-          <a:xfrm>
-            <a:off x="2209800" y="0"/>
-            <a:ext cx="7772400" cy="1428750"/>
-          </a:xfrm>
-          <a:noFill/>
-        </p:spPr>
-        <p:txBody>
-          <a:bodyPr/>
-          <a:lstStyle/>
-          <a:p>
-            <a:pPr algn="ctr"/>
-            <a:r>
-              <a:rPr lang="en-US" altLang="en-US" dirty="0">
-                <a:solidFill>
-                  <a:schemeClr val="accent1"/>
-                </a:solidFill>
-              </a:rPr>
-              <a:t>Programming Errors</a:t>
-            </a:r>
-          </a:p>
-        </p:txBody>
-      </p:sp>
-      <p:sp>
-        <p:nvSpPr>
-          <p:cNvPr id="72708" name="Rectangle 3"/>
-          <p:cNvSpPr>
-            <a:spLocks noGrp="1" noChangeArrowheads="1"/>
-          </p:cNvSpPr>
-          <p:nvPr>
-            <p:ph type="body" idx="1"/>
-          </p:nvPr>
-        </p:nvSpPr>
-        <p:spPr>
-          <a:xfrm>
-            <a:off x="2209800" y="1371600"/>
-            <a:ext cx="7696200" cy="4114800"/>
-          </a:xfrm>
-          <a:noFill/>
-        </p:spPr>
-        <p:txBody>
-          <a:bodyPr/>
-          <a:lstStyle/>
-          <a:p>
-            <a:pPr algn="just"/>
-            <a:r>
-              <a:rPr lang="en-US" altLang="en-US"/>
-              <a:t>Syntax Errors</a:t>
-            </a:r>
-          </a:p>
-          <a:p>
-            <a:pPr lvl="1" algn="just"/>
-            <a:r>
-              <a:rPr lang="en-US" altLang="en-US"/>
-              <a:t>Detected by the compiler</a:t>
-            </a:r>
-          </a:p>
-          <a:p>
-            <a:pPr algn="just"/>
-            <a:r>
-              <a:rPr lang="en-US" altLang="en-US"/>
-              <a:t>Runtime Errors</a:t>
-            </a:r>
-          </a:p>
-          <a:p>
-            <a:pPr lvl="1" algn="just"/>
-            <a:r>
-              <a:rPr lang="en-US" altLang="en-US"/>
-              <a:t>Causes the program to abort</a:t>
-            </a:r>
-          </a:p>
-          <a:p>
-            <a:pPr algn="just"/>
-            <a:r>
-              <a:rPr lang="en-US" altLang="en-US"/>
-              <a:t>Logic Errors</a:t>
-            </a:r>
-          </a:p>
-          <a:p>
-            <a:pPr lvl="1" algn="just"/>
-            <a:r>
-              <a:rPr lang="en-US" altLang="en-US"/>
-              <a:t>Produces incorrect result</a:t>
-            </a:r>
-          </a:p>
-        </p:txBody>
-      </p:sp>
-    </p:spTree>
-    <p:extLst>
-      <p:ext uri="{BB962C8B-B14F-4D97-AF65-F5344CB8AC3E}">
-        <p14:creationId xmlns:p14="http://schemas.microsoft.com/office/powerpoint/2010/main" val="3391761300"/>
-      </p:ext>
-    </p:extLst>
-  </p:cSld>
-  <p:clrMapOvr>
-    <a:masterClrMapping/>
-  </p:clrMapOvr>
-</p:sld>
-</file>
-
-<file path=ppt/slides/slide23.xml><?xml version="1.0" encoding="utf-8"?>
-<p:sld xmlns:a="http://schemas.openxmlformats.org/drawingml/2006/main" xmlns:r="http://schemas.openxmlformats.org/officeDocument/2006/relationships" xmlns:p="http://schemas.openxmlformats.org/presentationml/2006/main">
-  <p:cSld>
-    <p:spTree>
-      <p:nvGrpSpPr>
-        <p:cNvPr id="1" name=""/>
-        <p:cNvGrpSpPr/>
-        <p:nvPr/>
-      </p:nvGrpSpPr>
-      <p:grpSpPr>
-        <a:xfrm>
-          <a:off x="0" y="0"/>
-          <a:ext cx="0" cy="0"/>
-          <a:chOff x="0" y="0"/>
-          <a:chExt cx="0" cy="0"/>
-        </a:xfrm>
-      </p:grpSpPr>
-      <p:sp>
-        <p:nvSpPr>
-          <p:cNvPr id="73730" name="Slide Number Placeholder 4"/>
-          <p:cNvSpPr>
-            <a:spLocks noGrp="1"/>
-          </p:cNvSpPr>
-          <p:nvPr>
-            <p:ph type="sldNum" sz="quarter" idx="11"/>
-          </p:nvPr>
-        </p:nvSpPr>
-        <p:spPr>
-          <a:noFill/>
-        </p:spPr>
-        <p:txBody>
-          <a:bodyPr/>
-          <a:lstStyle>
-            <a:lvl1pPr>
-              <a:spcBef>
-                <a:spcPct val="20000"/>
-              </a:spcBef>
-              <a:buClr>
-                <a:schemeClr val="tx2"/>
-              </a:buClr>
-              <a:buSzPct val="75000"/>
-              <a:buFont typeface="Monotype Sorts" pitchFamily="2" charset="2"/>
-              <a:buChar char="F"/>
-              <a:defRPr sz="3200">
-                <a:solidFill>
-                  <a:schemeClr val="tx1"/>
-                </a:solidFill>
-                <a:latin typeface="Times New Roman" panose="02020603050405020304" pitchFamily="18" charset="0"/>
-              </a:defRPr>
-            </a:lvl1pPr>
-            <a:lvl2pPr marL="742950" indent="-285750">
-              <a:spcBef>
-                <a:spcPct val="20000"/>
-              </a:spcBef>
-              <a:buClr>
-                <a:schemeClr val="tx1"/>
-              </a:buClr>
-              <a:buChar char="–"/>
-              <a:defRPr sz="2800">
-                <a:solidFill>
-                  <a:schemeClr val="tx1"/>
-                </a:solidFill>
-                <a:latin typeface="Times New Roman" panose="02020603050405020304" pitchFamily="18" charset="0"/>
-              </a:defRPr>
-            </a:lvl2pPr>
-            <a:lvl3pPr marL="1143000" indent="-228600">
-              <a:spcBef>
-                <a:spcPct val="20000"/>
-              </a:spcBef>
-              <a:buClr>
-                <a:schemeClr val="accent2"/>
-              </a:buClr>
-              <a:buSzPct val="65000"/>
-              <a:buFont typeface="Monotype Sorts" pitchFamily="2" charset="2"/>
-              <a:buChar char="u"/>
-              <a:defRPr sz="2400">
-                <a:solidFill>
-                  <a:schemeClr val="tx1"/>
-                </a:solidFill>
-                <a:latin typeface="Times New Roman" panose="02020603050405020304" pitchFamily="18" charset="0"/>
-              </a:defRPr>
-            </a:lvl3pPr>
-            <a:lvl4pPr marL="1600200" indent="-228600">
-              <a:spcBef>
-                <a:spcPct val="20000"/>
-              </a:spcBef>
-              <a:buClr>
-                <a:schemeClr val="tx1"/>
-              </a:buClr>
-              <a:buChar char="–"/>
-              <a:defRPr sz="2000">
-                <a:solidFill>
-                  <a:schemeClr val="tx1"/>
-                </a:solidFill>
-                <a:latin typeface="Times New Roman" panose="02020603050405020304" pitchFamily="18" charset="0"/>
-              </a:defRPr>
-            </a:lvl4pPr>
-            <a:lvl5pPr marL="2057400" indent="-228600">
-              <a:spcBef>
-                <a:spcPct val="20000"/>
-              </a:spcBef>
-              <a:buClr>
-                <a:schemeClr val="tx2"/>
-              </a:buClr>
-              <a:buChar char="•"/>
-              <a:defRPr sz="2000">
-                <a:solidFill>
-                  <a:schemeClr val="tx1"/>
-                </a:solidFill>
-                <a:latin typeface="Times New Roman" panose="02020603050405020304" pitchFamily="18" charset="0"/>
-              </a:defRPr>
-            </a:lvl5pPr>
-            <a:lvl6pPr marL="2514600" indent="-228600" eaLnBrk="0" fontAlgn="base" hangingPunct="0">
-              <a:spcBef>
-                <a:spcPct val="20000"/>
-              </a:spcBef>
-              <a:spcAft>
-                <a:spcPct val="0"/>
-              </a:spcAft>
-              <a:buClr>
-                <a:schemeClr val="tx2"/>
-              </a:buClr>
-              <a:buChar char="•"/>
-              <a:defRPr sz="2000">
-                <a:solidFill>
-                  <a:schemeClr val="tx1"/>
-                </a:solidFill>
-                <a:latin typeface="Times New Roman" panose="02020603050405020304" pitchFamily="18" charset="0"/>
-              </a:defRPr>
-            </a:lvl6pPr>
-            <a:lvl7pPr marL="2971800" indent="-228600" eaLnBrk="0" fontAlgn="base" hangingPunct="0">
-              <a:spcBef>
-                <a:spcPct val="20000"/>
-              </a:spcBef>
-              <a:spcAft>
-                <a:spcPct val="0"/>
-              </a:spcAft>
-              <a:buClr>
-                <a:schemeClr val="tx2"/>
-              </a:buClr>
-              <a:buChar char="•"/>
-              <a:defRPr sz="2000">
-                <a:solidFill>
-                  <a:schemeClr val="tx1"/>
-                </a:solidFill>
-                <a:latin typeface="Times New Roman" panose="02020603050405020304" pitchFamily="18" charset="0"/>
-              </a:defRPr>
-            </a:lvl7pPr>
-            <a:lvl8pPr marL="3429000" indent="-228600" eaLnBrk="0" fontAlgn="base" hangingPunct="0">
-              <a:spcBef>
-                <a:spcPct val="20000"/>
-              </a:spcBef>
-              <a:spcAft>
-                <a:spcPct val="0"/>
-              </a:spcAft>
-              <a:buClr>
-                <a:schemeClr val="tx2"/>
-              </a:buClr>
-              <a:buChar char="•"/>
-              <a:defRPr sz="2000">
-                <a:solidFill>
-                  <a:schemeClr val="tx1"/>
-                </a:solidFill>
-                <a:latin typeface="Times New Roman" panose="02020603050405020304" pitchFamily="18" charset="0"/>
-              </a:defRPr>
-            </a:lvl8pPr>
-            <a:lvl9pPr marL="3886200" indent="-228600" eaLnBrk="0" fontAlgn="base" hangingPunct="0">
-              <a:spcBef>
-                <a:spcPct val="20000"/>
-              </a:spcBef>
-              <a:spcAft>
-                <a:spcPct val="0"/>
-              </a:spcAft>
-              <a:buClr>
-                <a:schemeClr val="tx2"/>
-              </a:buClr>
-              <a:buChar char="•"/>
-              <a:defRPr sz="2000">
-                <a:solidFill>
-                  <a:schemeClr val="tx1"/>
-                </a:solidFill>
-                <a:latin typeface="Times New Roman" panose="02020603050405020304" pitchFamily="18" charset="0"/>
-              </a:defRPr>
-            </a:lvl9pPr>
-          </a:lstStyle>
-          <a:p>
-            <a:pPr>
-              <a:spcBef>
-                <a:spcPct val="0"/>
-              </a:spcBef>
-              <a:buClrTx/>
-              <a:buSzTx/>
-              <a:buFontTx/>
-              <a:buNone/>
-            </a:pPr>
-            <a:fld id="{688587E6-9637-4C4A-ABD7-59220B3A4E2E}" type="slidenum">
-              <a:rPr lang="en-US" altLang="en-US" sz="1400"/>
-              <a:pPr>
-                <a:spcBef>
-                  <a:spcPct val="0"/>
-                </a:spcBef>
-                <a:buClrTx/>
-                <a:buSzTx/>
-                <a:buFontTx/>
-                <a:buNone/>
-              </a:pPr>
-              <a:t>23</a:t>
-            </a:fld>
-            <a:endParaRPr lang="en-US" altLang="en-US" sz="1400"/>
-          </a:p>
-        </p:txBody>
-      </p:sp>
-      <p:sp>
-        <p:nvSpPr>
-          <p:cNvPr id="73731" name="Rectangle 2"/>
-          <p:cNvSpPr>
-            <a:spLocks noGrp="1" noChangeArrowheads="1"/>
-          </p:cNvSpPr>
-          <p:nvPr>
-            <p:ph type="title"/>
-          </p:nvPr>
-        </p:nvSpPr>
-        <p:spPr>
-          <a:xfrm>
-            <a:off x="2209800" y="228600"/>
-            <a:ext cx="7772400" cy="685800"/>
-          </a:xfrm>
-          <a:noFill/>
-        </p:spPr>
-        <p:txBody>
-          <a:bodyPr>
-            <a:normAutofit fontScale="90000"/>
-          </a:bodyPr>
-          <a:lstStyle/>
-          <a:p>
-            <a:pPr algn="ctr"/>
-            <a:r>
-              <a:rPr lang="en-US" altLang="en-US" dirty="0">
-                <a:solidFill>
-                  <a:schemeClr val="accent1"/>
-                </a:solidFill>
-              </a:rPr>
-              <a:t>Syntax Errors</a:t>
-            </a:r>
-          </a:p>
-        </p:txBody>
-      </p:sp>
-      <p:sp>
-        <p:nvSpPr>
-          <p:cNvPr id="73732" name="Rectangle 3"/>
-          <p:cNvSpPr>
-            <a:spLocks noGrp="1" noChangeArrowheads="1"/>
-          </p:cNvSpPr>
-          <p:nvPr>
-            <p:ph type="body" idx="1"/>
-          </p:nvPr>
-        </p:nvSpPr>
-        <p:spPr>
-          <a:xfrm>
-            <a:off x="1828800" y="1143000"/>
-            <a:ext cx="8458200" cy="2209800"/>
-          </a:xfrm>
-        </p:spPr>
-        <p:txBody>
-          <a:bodyPr/>
-          <a:lstStyle/>
-          <a:p>
-            <a:pPr>
-              <a:lnSpc>
-                <a:spcPct val="80000"/>
-              </a:lnSpc>
-              <a:buFont typeface="Monotype Sorts" pitchFamily="2" charset="2"/>
-              <a:buNone/>
-            </a:pPr>
-            <a:r>
-              <a:rPr lang="en-US" altLang="en-US" sz="2400" b="1" dirty="0">
-                <a:latin typeface="Courier New" panose="02070309020205020404" pitchFamily="49" charset="0"/>
-              </a:rPr>
-              <a:t>public class Welcome {</a:t>
-            </a:r>
-          </a:p>
-          <a:p>
-            <a:pPr>
-              <a:lnSpc>
-                <a:spcPct val="80000"/>
-              </a:lnSpc>
-              <a:buFont typeface="Monotype Sorts" pitchFamily="2" charset="2"/>
-              <a:buNone/>
-            </a:pPr>
-            <a:r>
-              <a:rPr lang="en-US" altLang="en-US" sz="2400" b="1" dirty="0">
-                <a:latin typeface="Courier New" panose="02070309020205020404" pitchFamily="49" charset="0"/>
-              </a:rPr>
-              <a:t>  public static main(String[] </a:t>
-            </a:r>
-            <a:r>
-              <a:rPr lang="en-US" altLang="en-US" sz="2400" b="1" dirty="0" err="1">
-                <a:latin typeface="Courier New" panose="02070309020205020404" pitchFamily="49" charset="0"/>
-              </a:rPr>
-              <a:t>args</a:t>
-            </a:r>
-            <a:r>
-              <a:rPr lang="en-US" altLang="en-US" sz="2400" b="1" dirty="0">
-                <a:latin typeface="Courier New" panose="02070309020205020404" pitchFamily="49" charset="0"/>
-              </a:rPr>
-              <a:t>) {</a:t>
-            </a:r>
-          </a:p>
-          <a:p>
-            <a:pPr>
-              <a:lnSpc>
-                <a:spcPct val="80000"/>
-              </a:lnSpc>
-              <a:buFont typeface="Monotype Sorts" pitchFamily="2" charset="2"/>
-              <a:buNone/>
-            </a:pPr>
-            <a:r>
-              <a:rPr lang="en-US" altLang="en-US" sz="2400" b="1" dirty="0">
-                <a:latin typeface="Courier New" panose="02070309020205020404" pitchFamily="49" charset="0"/>
-              </a:rPr>
-              <a:t>    </a:t>
-            </a:r>
-            <a:r>
-              <a:rPr lang="en-US" altLang="en-US" sz="2400" b="1" dirty="0" err="1">
-                <a:latin typeface="Courier New" panose="02070309020205020404" pitchFamily="49" charset="0"/>
-              </a:rPr>
-              <a:t>System.out.println</a:t>
-            </a:r>
-            <a:r>
-              <a:rPr lang="en-US" altLang="en-US" sz="2400" b="1" dirty="0">
-                <a:latin typeface="Courier New" panose="02070309020205020404" pitchFamily="49" charset="0"/>
-              </a:rPr>
-              <a:t>("Welcome to Java);</a:t>
-            </a:r>
-          </a:p>
-          <a:p>
-            <a:pPr>
-              <a:lnSpc>
-                <a:spcPct val="80000"/>
-              </a:lnSpc>
-              <a:buFont typeface="Monotype Sorts" pitchFamily="2" charset="2"/>
-              <a:buNone/>
-            </a:pPr>
-            <a:r>
-              <a:rPr lang="en-US" altLang="en-US" sz="2400" b="1" dirty="0">
-                <a:latin typeface="Courier New" panose="02070309020205020404" pitchFamily="49" charset="0"/>
-              </a:rPr>
-              <a:t>  }</a:t>
-            </a:r>
-          </a:p>
-          <a:p>
-            <a:pPr>
-              <a:lnSpc>
-                <a:spcPct val="80000"/>
-              </a:lnSpc>
-              <a:buFont typeface="Monotype Sorts" pitchFamily="2" charset="2"/>
-              <a:buNone/>
-            </a:pPr>
-            <a:r>
-              <a:rPr lang="en-US" altLang="en-US" sz="2400" b="1" dirty="0">
-                <a:latin typeface="Courier New" panose="02070309020205020404" pitchFamily="49" charset="0"/>
-              </a:rPr>
-              <a:t>}</a:t>
-            </a:r>
-          </a:p>
-        </p:txBody>
-      </p:sp>
-    </p:spTree>
-    <p:extLst>
-      <p:ext uri="{BB962C8B-B14F-4D97-AF65-F5344CB8AC3E}">
-        <p14:creationId xmlns:p14="http://schemas.microsoft.com/office/powerpoint/2010/main" val="778659633"/>
-      </p:ext>
-    </p:extLst>
-  </p:cSld>
-  <p:clrMapOvr>
-    <a:masterClrMapping/>
-  </p:clrMapOvr>
-</p:sld>
-</file>
-
-<file path=ppt/slides/slide24.xml><?xml version="1.0" encoding="utf-8"?>
-<p:sld xmlns:a="http://schemas.openxmlformats.org/drawingml/2006/main" xmlns:r="http://schemas.openxmlformats.org/officeDocument/2006/relationships" xmlns:p="http://schemas.openxmlformats.org/presentationml/2006/main">
-  <p:cSld>
-    <p:spTree>
-      <p:nvGrpSpPr>
-        <p:cNvPr id="1" name=""/>
-        <p:cNvGrpSpPr/>
-        <p:nvPr/>
-      </p:nvGrpSpPr>
-      <p:grpSpPr>
-        <a:xfrm>
-          <a:off x="0" y="0"/>
-          <a:ext cx="0" cy="0"/>
-          <a:chOff x="0" y="0"/>
-          <a:chExt cx="0" cy="0"/>
-        </a:xfrm>
-      </p:grpSpPr>
-      <p:sp>
-        <p:nvSpPr>
-          <p:cNvPr id="74754" name="Slide Number Placeholder 4"/>
-          <p:cNvSpPr>
-            <a:spLocks noGrp="1"/>
-          </p:cNvSpPr>
-          <p:nvPr>
-            <p:ph type="sldNum" sz="quarter" idx="11"/>
-          </p:nvPr>
-        </p:nvSpPr>
-        <p:spPr>
-          <a:noFill/>
-        </p:spPr>
-        <p:txBody>
-          <a:bodyPr/>
-          <a:lstStyle>
-            <a:lvl1pPr>
-              <a:spcBef>
-                <a:spcPct val="20000"/>
-              </a:spcBef>
-              <a:buClr>
-                <a:schemeClr val="tx2"/>
-              </a:buClr>
-              <a:buSzPct val="75000"/>
-              <a:buFont typeface="Monotype Sorts" pitchFamily="2" charset="2"/>
-              <a:buChar char="F"/>
-              <a:defRPr sz="3200">
-                <a:solidFill>
-                  <a:schemeClr val="tx1"/>
-                </a:solidFill>
-                <a:latin typeface="Times New Roman" panose="02020603050405020304" pitchFamily="18" charset="0"/>
-              </a:defRPr>
-            </a:lvl1pPr>
-            <a:lvl2pPr marL="742950" indent="-285750">
-              <a:spcBef>
-                <a:spcPct val="20000"/>
-              </a:spcBef>
-              <a:buClr>
-                <a:schemeClr val="tx1"/>
-              </a:buClr>
-              <a:buChar char="–"/>
-              <a:defRPr sz="2800">
-                <a:solidFill>
-                  <a:schemeClr val="tx1"/>
-                </a:solidFill>
-                <a:latin typeface="Times New Roman" panose="02020603050405020304" pitchFamily="18" charset="0"/>
-              </a:defRPr>
-            </a:lvl2pPr>
-            <a:lvl3pPr marL="1143000" indent="-228600">
-              <a:spcBef>
-                <a:spcPct val="20000"/>
-              </a:spcBef>
-              <a:buClr>
-                <a:schemeClr val="accent2"/>
-              </a:buClr>
-              <a:buSzPct val="65000"/>
-              <a:buFont typeface="Monotype Sorts" pitchFamily="2" charset="2"/>
-              <a:buChar char="u"/>
-              <a:defRPr sz="2400">
-                <a:solidFill>
-                  <a:schemeClr val="tx1"/>
-                </a:solidFill>
-                <a:latin typeface="Times New Roman" panose="02020603050405020304" pitchFamily="18" charset="0"/>
-              </a:defRPr>
-            </a:lvl3pPr>
-            <a:lvl4pPr marL="1600200" indent="-228600">
-              <a:spcBef>
-                <a:spcPct val="20000"/>
-              </a:spcBef>
-              <a:buClr>
-                <a:schemeClr val="tx1"/>
-              </a:buClr>
-              <a:buChar char="–"/>
-              <a:defRPr sz="2000">
-                <a:solidFill>
-                  <a:schemeClr val="tx1"/>
-                </a:solidFill>
-                <a:latin typeface="Times New Roman" panose="02020603050405020304" pitchFamily="18" charset="0"/>
-              </a:defRPr>
-            </a:lvl4pPr>
-            <a:lvl5pPr marL="2057400" indent="-228600">
-              <a:spcBef>
-                <a:spcPct val="20000"/>
-              </a:spcBef>
-              <a:buClr>
-                <a:schemeClr val="tx2"/>
-              </a:buClr>
-              <a:buChar char="•"/>
-              <a:defRPr sz="2000">
-                <a:solidFill>
-                  <a:schemeClr val="tx1"/>
-                </a:solidFill>
-                <a:latin typeface="Times New Roman" panose="02020603050405020304" pitchFamily="18" charset="0"/>
-              </a:defRPr>
-            </a:lvl5pPr>
-            <a:lvl6pPr marL="2514600" indent="-228600" eaLnBrk="0" fontAlgn="base" hangingPunct="0">
-              <a:spcBef>
-                <a:spcPct val="20000"/>
-              </a:spcBef>
-              <a:spcAft>
-                <a:spcPct val="0"/>
-              </a:spcAft>
-              <a:buClr>
-                <a:schemeClr val="tx2"/>
-              </a:buClr>
-              <a:buChar char="•"/>
-              <a:defRPr sz="2000">
-                <a:solidFill>
-                  <a:schemeClr val="tx1"/>
-                </a:solidFill>
-                <a:latin typeface="Times New Roman" panose="02020603050405020304" pitchFamily="18" charset="0"/>
-              </a:defRPr>
-            </a:lvl6pPr>
-            <a:lvl7pPr marL="2971800" indent="-228600" eaLnBrk="0" fontAlgn="base" hangingPunct="0">
-              <a:spcBef>
-                <a:spcPct val="20000"/>
-              </a:spcBef>
-              <a:spcAft>
-                <a:spcPct val="0"/>
-              </a:spcAft>
-              <a:buClr>
-                <a:schemeClr val="tx2"/>
-              </a:buClr>
-              <a:buChar char="•"/>
-              <a:defRPr sz="2000">
-                <a:solidFill>
-                  <a:schemeClr val="tx1"/>
-                </a:solidFill>
-                <a:latin typeface="Times New Roman" panose="02020603050405020304" pitchFamily="18" charset="0"/>
-              </a:defRPr>
-            </a:lvl7pPr>
-            <a:lvl8pPr marL="3429000" indent="-228600" eaLnBrk="0" fontAlgn="base" hangingPunct="0">
-              <a:spcBef>
-                <a:spcPct val="20000"/>
-              </a:spcBef>
-              <a:spcAft>
-                <a:spcPct val="0"/>
-              </a:spcAft>
-              <a:buClr>
-                <a:schemeClr val="tx2"/>
-              </a:buClr>
-              <a:buChar char="•"/>
-              <a:defRPr sz="2000">
-                <a:solidFill>
-                  <a:schemeClr val="tx1"/>
-                </a:solidFill>
-                <a:latin typeface="Times New Roman" panose="02020603050405020304" pitchFamily="18" charset="0"/>
-              </a:defRPr>
-            </a:lvl8pPr>
-            <a:lvl9pPr marL="3886200" indent="-228600" eaLnBrk="0" fontAlgn="base" hangingPunct="0">
-              <a:spcBef>
-                <a:spcPct val="20000"/>
-              </a:spcBef>
-              <a:spcAft>
-                <a:spcPct val="0"/>
-              </a:spcAft>
-              <a:buClr>
-                <a:schemeClr val="tx2"/>
-              </a:buClr>
-              <a:buChar char="•"/>
-              <a:defRPr sz="2000">
-                <a:solidFill>
-                  <a:schemeClr val="tx1"/>
-                </a:solidFill>
-                <a:latin typeface="Times New Roman" panose="02020603050405020304" pitchFamily="18" charset="0"/>
-              </a:defRPr>
-            </a:lvl9pPr>
-          </a:lstStyle>
-          <a:p>
-            <a:pPr>
-              <a:spcBef>
-                <a:spcPct val="0"/>
-              </a:spcBef>
-              <a:buClrTx/>
-              <a:buSzTx/>
-              <a:buFontTx/>
-              <a:buNone/>
-            </a:pPr>
-            <a:fld id="{00B3A0D7-2FAB-4797-855D-E5A8A56FEDB4}" type="slidenum">
-              <a:rPr lang="en-US" altLang="en-US" sz="1400"/>
-              <a:pPr>
-                <a:spcBef>
-                  <a:spcPct val="0"/>
-                </a:spcBef>
-                <a:buClrTx/>
-                <a:buSzTx/>
-                <a:buFontTx/>
-                <a:buNone/>
-              </a:pPr>
-              <a:t>24</a:t>
-            </a:fld>
-            <a:endParaRPr lang="en-US" altLang="en-US" sz="1400"/>
-          </a:p>
-        </p:txBody>
-      </p:sp>
-      <p:sp>
-        <p:nvSpPr>
-          <p:cNvPr id="74755" name="Rectangle 2"/>
-          <p:cNvSpPr>
-            <a:spLocks noGrp="1" noChangeArrowheads="1"/>
-          </p:cNvSpPr>
-          <p:nvPr>
-            <p:ph type="title"/>
-          </p:nvPr>
-        </p:nvSpPr>
-        <p:spPr>
-          <a:xfrm>
-            <a:off x="2094816" y="277879"/>
-            <a:ext cx="7772400" cy="685800"/>
-          </a:xfrm>
-          <a:noFill/>
-        </p:spPr>
-        <p:txBody>
-          <a:bodyPr>
-            <a:normAutofit fontScale="90000"/>
-          </a:bodyPr>
-          <a:lstStyle/>
-          <a:p>
-            <a:pPr algn="ctr"/>
-            <a:r>
-              <a:rPr lang="en-US" altLang="en-US" dirty="0">
-                <a:solidFill>
-                  <a:schemeClr val="accent1"/>
-                </a:solidFill>
-              </a:rPr>
-              <a:t>Runtime Errors</a:t>
-            </a:r>
-          </a:p>
-        </p:txBody>
-      </p:sp>
-      <p:sp>
-        <p:nvSpPr>
-          <p:cNvPr id="74756" name="Rectangle 3"/>
-          <p:cNvSpPr>
-            <a:spLocks noGrp="1" noChangeArrowheads="1"/>
-          </p:cNvSpPr>
-          <p:nvPr>
-            <p:ph type="body" idx="1"/>
-          </p:nvPr>
-        </p:nvSpPr>
-        <p:spPr>
-          <a:xfrm>
-            <a:off x="1905000" y="1295400"/>
-            <a:ext cx="8305800" cy="2133600"/>
-          </a:xfrm>
-        </p:spPr>
-        <p:txBody>
-          <a:bodyPr>
-            <a:normAutofit lnSpcReduction="10000"/>
-          </a:bodyPr>
-          <a:lstStyle/>
-          <a:p>
-            <a:pPr algn="just">
-              <a:lnSpc>
-                <a:spcPct val="90000"/>
-              </a:lnSpc>
-              <a:buFont typeface="Monotype Sorts" pitchFamily="2" charset="2"/>
-              <a:buNone/>
-            </a:pPr>
-            <a:r>
-              <a:rPr lang="en-US" altLang="en-US" sz="2400" b="1" dirty="0">
-                <a:latin typeface="Courier New" panose="02070309020205020404" pitchFamily="49" charset="0"/>
-                <a:cs typeface="Times New Roman" panose="02020603050405020304" pitchFamily="18" charset="0"/>
-              </a:rPr>
-              <a:t>public class Welcome {</a:t>
-            </a:r>
-          </a:p>
-          <a:p>
-            <a:pPr algn="just">
-              <a:lnSpc>
-                <a:spcPct val="90000"/>
-              </a:lnSpc>
-              <a:buFont typeface="Monotype Sorts" pitchFamily="2" charset="2"/>
-              <a:buNone/>
-            </a:pPr>
-            <a:r>
-              <a:rPr lang="en-US" altLang="en-US" sz="2400" b="1" dirty="0">
-                <a:latin typeface="Courier New" panose="02070309020205020404" pitchFamily="49" charset="0"/>
-                <a:cs typeface="Times New Roman" panose="02020603050405020304" pitchFamily="18" charset="0"/>
-              </a:rPr>
-              <a:t>  public static void main(String[] </a:t>
-            </a:r>
-            <a:r>
-              <a:rPr lang="en-US" altLang="en-US" sz="2400" b="1" dirty="0" err="1">
-                <a:latin typeface="Courier New" panose="02070309020205020404" pitchFamily="49" charset="0"/>
-                <a:cs typeface="Times New Roman" panose="02020603050405020304" pitchFamily="18" charset="0"/>
-              </a:rPr>
-              <a:t>args</a:t>
-            </a:r>
-            <a:r>
-              <a:rPr lang="en-US" altLang="en-US" sz="2400" b="1" dirty="0">
-                <a:latin typeface="Courier New" panose="02070309020205020404" pitchFamily="49" charset="0"/>
-                <a:cs typeface="Times New Roman" panose="02020603050405020304" pitchFamily="18" charset="0"/>
-              </a:rPr>
-              <a:t>) {</a:t>
-            </a:r>
-          </a:p>
-          <a:p>
-            <a:pPr algn="just">
-              <a:lnSpc>
-                <a:spcPct val="90000"/>
-              </a:lnSpc>
-              <a:buFont typeface="Monotype Sorts" pitchFamily="2" charset="2"/>
-              <a:buNone/>
-            </a:pPr>
-            <a:r>
-              <a:rPr lang="en-US" altLang="en-US" sz="2400" b="1" dirty="0">
-                <a:latin typeface="Courier New" panose="02070309020205020404" pitchFamily="49" charset="0"/>
-                <a:cs typeface="Times New Roman" panose="02020603050405020304" pitchFamily="18" charset="0"/>
-              </a:rPr>
-              <a:t>    </a:t>
-            </a:r>
-            <a:r>
-              <a:rPr lang="en-US" altLang="en-US" sz="2400" b="1" dirty="0" err="1">
-                <a:latin typeface="Courier New" panose="02070309020205020404" pitchFamily="49" charset="0"/>
-                <a:cs typeface="Times New Roman" panose="02020603050405020304" pitchFamily="18" charset="0"/>
-              </a:rPr>
-              <a:t>System.out.println</a:t>
-            </a:r>
-            <a:r>
-              <a:rPr lang="en-US" altLang="en-US" sz="2400" b="1" dirty="0">
-                <a:latin typeface="Courier New" panose="02070309020205020404" pitchFamily="49" charset="0"/>
-                <a:cs typeface="Times New Roman" panose="02020603050405020304" pitchFamily="18" charset="0"/>
-              </a:rPr>
-              <a:t>(1 / 0);</a:t>
-            </a:r>
-          </a:p>
-          <a:p>
-            <a:pPr algn="just">
-              <a:lnSpc>
-                <a:spcPct val="90000"/>
-              </a:lnSpc>
-              <a:buFont typeface="Monotype Sorts" pitchFamily="2" charset="2"/>
-              <a:buNone/>
-            </a:pPr>
-            <a:r>
-              <a:rPr lang="en-US" altLang="en-US" sz="2400" b="1" dirty="0">
-                <a:latin typeface="Courier New" panose="02070309020205020404" pitchFamily="49" charset="0"/>
-                <a:cs typeface="Times New Roman" panose="02020603050405020304" pitchFamily="18" charset="0"/>
-              </a:rPr>
-              <a:t>  }</a:t>
-            </a:r>
-          </a:p>
-          <a:p>
-            <a:pPr algn="just">
-              <a:lnSpc>
-                <a:spcPct val="90000"/>
-              </a:lnSpc>
-              <a:buFont typeface="Monotype Sorts" pitchFamily="2" charset="2"/>
-              <a:buNone/>
-            </a:pPr>
-            <a:r>
-              <a:rPr lang="en-US" altLang="en-US" sz="2400" b="1" dirty="0">
-                <a:latin typeface="Courier New" panose="02070309020205020404" pitchFamily="49" charset="0"/>
-                <a:cs typeface="Times New Roman" panose="02020603050405020304" pitchFamily="18" charset="0"/>
-              </a:rPr>
-              <a:t>}</a:t>
-            </a:r>
-          </a:p>
-        </p:txBody>
-      </p:sp>
-    </p:spTree>
-    <p:extLst>
-      <p:ext uri="{BB962C8B-B14F-4D97-AF65-F5344CB8AC3E}">
-        <p14:creationId xmlns:p14="http://schemas.microsoft.com/office/powerpoint/2010/main" val="1071593144"/>
       </p:ext>
     </p:extLst>
   </p:cSld>
@@ -13426,6 +13671,1409 @@
       </p:grpSpPr>
       <p:sp>
         <p:nvSpPr>
+          <p:cNvPr id="67586" name="Slide Number Placeholder 4"/>
+          <p:cNvSpPr>
+            <a:spLocks noGrp="1"/>
+          </p:cNvSpPr>
+          <p:nvPr>
+            <p:ph type="sldNum" sz="quarter" idx="11"/>
+          </p:nvPr>
+        </p:nvSpPr>
+        <p:spPr>
+          <a:noFill/>
+        </p:spPr>
+        <p:txBody>
+          <a:bodyPr/>
+          <a:lstStyle>
+            <a:lvl1pPr>
+              <a:spcBef>
+                <a:spcPct val="20000"/>
+              </a:spcBef>
+              <a:buClr>
+                <a:schemeClr val="tx2"/>
+              </a:buClr>
+              <a:buSzPct val="75000"/>
+              <a:buFont typeface="Monotype Sorts" pitchFamily="2" charset="2"/>
+              <a:buChar char="F"/>
+              <a:defRPr sz="3200">
+                <a:solidFill>
+                  <a:schemeClr val="tx1"/>
+                </a:solidFill>
+                <a:latin typeface="Times New Roman" panose="02020603050405020304" pitchFamily="18" charset="0"/>
+              </a:defRPr>
+            </a:lvl1pPr>
+            <a:lvl2pPr marL="742950" indent="-285750">
+              <a:spcBef>
+                <a:spcPct val="20000"/>
+              </a:spcBef>
+              <a:buClr>
+                <a:schemeClr val="tx1"/>
+              </a:buClr>
+              <a:buChar char="–"/>
+              <a:defRPr sz="2800">
+                <a:solidFill>
+                  <a:schemeClr val="tx1"/>
+                </a:solidFill>
+                <a:latin typeface="Times New Roman" panose="02020603050405020304" pitchFamily="18" charset="0"/>
+              </a:defRPr>
+            </a:lvl2pPr>
+            <a:lvl3pPr marL="1143000" indent="-228600">
+              <a:spcBef>
+                <a:spcPct val="20000"/>
+              </a:spcBef>
+              <a:buClr>
+                <a:schemeClr val="accent2"/>
+              </a:buClr>
+              <a:buSzPct val="65000"/>
+              <a:buFont typeface="Monotype Sorts" pitchFamily="2" charset="2"/>
+              <a:buChar char="u"/>
+              <a:defRPr sz="2400">
+                <a:solidFill>
+                  <a:schemeClr val="tx1"/>
+                </a:solidFill>
+                <a:latin typeface="Times New Roman" panose="02020603050405020304" pitchFamily="18" charset="0"/>
+              </a:defRPr>
+            </a:lvl3pPr>
+            <a:lvl4pPr marL="1600200" indent="-228600">
+              <a:spcBef>
+                <a:spcPct val="20000"/>
+              </a:spcBef>
+              <a:buClr>
+                <a:schemeClr val="tx1"/>
+              </a:buClr>
+              <a:buChar char="–"/>
+              <a:defRPr sz="2000">
+                <a:solidFill>
+                  <a:schemeClr val="tx1"/>
+                </a:solidFill>
+                <a:latin typeface="Times New Roman" panose="02020603050405020304" pitchFamily="18" charset="0"/>
+              </a:defRPr>
+            </a:lvl4pPr>
+            <a:lvl5pPr marL="2057400" indent="-228600">
+              <a:spcBef>
+                <a:spcPct val="20000"/>
+              </a:spcBef>
+              <a:buClr>
+                <a:schemeClr val="tx2"/>
+              </a:buClr>
+              <a:buChar char="•"/>
+              <a:defRPr sz="2000">
+                <a:solidFill>
+                  <a:schemeClr val="tx1"/>
+                </a:solidFill>
+                <a:latin typeface="Times New Roman" panose="02020603050405020304" pitchFamily="18" charset="0"/>
+              </a:defRPr>
+            </a:lvl5pPr>
+            <a:lvl6pPr marL="2514600" indent="-228600" eaLnBrk="0" fontAlgn="base" hangingPunct="0">
+              <a:spcBef>
+                <a:spcPct val="20000"/>
+              </a:spcBef>
+              <a:spcAft>
+                <a:spcPct val="0"/>
+              </a:spcAft>
+              <a:buClr>
+                <a:schemeClr val="tx2"/>
+              </a:buClr>
+              <a:buChar char="•"/>
+              <a:defRPr sz="2000">
+                <a:solidFill>
+                  <a:schemeClr val="tx1"/>
+                </a:solidFill>
+                <a:latin typeface="Times New Roman" panose="02020603050405020304" pitchFamily="18" charset="0"/>
+              </a:defRPr>
+            </a:lvl6pPr>
+            <a:lvl7pPr marL="2971800" indent="-228600" eaLnBrk="0" fontAlgn="base" hangingPunct="0">
+              <a:spcBef>
+                <a:spcPct val="20000"/>
+              </a:spcBef>
+              <a:spcAft>
+                <a:spcPct val="0"/>
+              </a:spcAft>
+              <a:buClr>
+                <a:schemeClr val="tx2"/>
+              </a:buClr>
+              <a:buChar char="•"/>
+              <a:defRPr sz="2000">
+                <a:solidFill>
+                  <a:schemeClr val="tx1"/>
+                </a:solidFill>
+                <a:latin typeface="Times New Roman" panose="02020603050405020304" pitchFamily="18" charset="0"/>
+              </a:defRPr>
+            </a:lvl7pPr>
+            <a:lvl8pPr marL="3429000" indent="-228600" eaLnBrk="0" fontAlgn="base" hangingPunct="0">
+              <a:spcBef>
+                <a:spcPct val="20000"/>
+              </a:spcBef>
+              <a:spcAft>
+                <a:spcPct val="0"/>
+              </a:spcAft>
+              <a:buClr>
+                <a:schemeClr val="tx2"/>
+              </a:buClr>
+              <a:buChar char="•"/>
+              <a:defRPr sz="2000">
+                <a:solidFill>
+                  <a:schemeClr val="tx1"/>
+                </a:solidFill>
+                <a:latin typeface="Times New Roman" panose="02020603050405020304" pitchFamily="18" charset="0"/>
+              </a:defRPr>
+            </a:lvl8pPr>
+            <a:lvl9pPr marL="3886200" indent="-228600" eaLnBrk="0" fontAlgn="base" hangingPunct="0">
+              <a:spcBef>
+                <a:spcPct val="20000"/>
+              </a:spcBef>
+              <a:spcAft>
+                <a:spcPct val="0"/>
+              </a:spcAft>
+              <a:buClr>
+                <a:schemeClr val="tx2"/>
+              </a:buClr>
+              <a:buChar char="•"/>
+              <a:defRPr sz="2000">
+                <a:solidFill>
+                  <a:schemeClr val="tx1"/>
+                </a:solidFill>
+                <a:latin typeface="Times New Roman" panose="02020603050405020304" pitchFamily="18" charset="0"/>
+              </a:defRPr>
+            </a:lvl9pPr>
+          </a:lstStyle>
+          <a:p>
+            <a:pPr>
+              <a:spcBef>
+                <a:spcPct val="0"/>
+              </a:spcBef>
+              <a:buClrTx/>
+              <a:buSzTx/>
+              <a:buFontTx/>
+              <a:buNone/>
+            </a:pPr>
+            <a:fld id="{92264D38-8C62-4D4D-9A05-183F8E7570D6}" type="slidenum">
+              <a:rPr lang="en-US" altLang="en-US" sz="1400"/>
+              <a:pPr>
+                <a:spcBef>
+                  <a:spcPct val="0"/>
+                </a:spcBef>
+                <a:buClrTx/>
+                <a:buSzTx/>
+                <a:buFontTx/>
+                <a:buNone/>
+              </a:pPr>
+              <a:t>25</a:t>
+            </a:fld>
+            <a:endParaRPr lang="en-US" altLang="en-US" sz="1400"/>
+          </a:p>
+        </p:txBody>
+      </p:sp>
+      <p:sp>
+        <p:nvSpPr>
+          <p:cNvPr id="67587" name="Rectangle 2"/>
+          <p:cNvSpPr>
+            <a:spLocks noGrp="1" noChangeArrowheads="1"/>
+          </p:cNvSpPr>
+          <p:nvPr>
+            <p:ph type="title"/>
+          </p:nvPr>
+        </p:nvSpPr>
+        <p:spPr>
+          <a:xfrm>
+            <a:off x="2209800" y="0"/>
+            <a:ext cx="7772400" cy="1428750"/>
+          </a:xfrm>
+          <a:noFill/>
+        </p:spPr>
+        <p:txBody>
+          <a:bodyPr>
+            <a:normAutofit/>
+          </a:bodyPr>
+          <a:lstStyle/>
+          <a:p>
+            <a:pPr algn="ctr"/>
+            <a:r>
+              <a:rPr lang="en-US" altLang="en-US" sz="3200" dirty="0">
+                <a:solidFill>
+                  <a:schemeClr val="accent1"/>
+                </a:solidFill>
+              </a:rPr>
+              <a:t>Programming Style and Documentation</a:t>
+            </a:r>
+          </a:p>
+        </p:txBody>
+      </p:sp>
+      <p:sp>
+        <p:nvSpPr>
+          <p:cNvPr id="67588" name="Rectangle 3"/>
+          <p:cNvSpPr>
+            <a:spLocks noGrp="1" noChangeArrowheads="1"/>
+          </p:cNvSpPr>
+          <p:nvPr>
+            <p:ph type="body" idx="1"/>
+          </p:nvPr>
+        </p:nvSpPr>
+        <p:spPr>
+          <a:xfrm>
+            <a:off x="1894051" y="1263119"/>
+            <a:ext cx="7789863" cy="3529013"/>
+          </a:xfrm>
+          <a:noFill/>
+        </p:spPr>
+        <p:txBody>
+          <a:bodyPr/>
+          <a:lstStyle/>
+          <a:p>
+            <a:pPr algn="just"/>
+            <a:r>
+              <a:rPr lang="en-US" altLang="en-US" sz="3600"/>
+              <a:t>Appropriate Comments</a:t>
+            </a:r>
+          </a:p>
+          <a:p>
+            <a:pPr algn="just"/>
+            <a:r>
+              <a:rPr lang="en-US" altLang="en-US" sz="3600"/>
+              <a:t>Naming Conventions</a:t>
+            </a:r>
+          </a:p>
+          <a:p>
+            <a:pPr algn="just"/>
+            <a:r>
+              <a:rPr lang="en-US" altLang="en-US" sz="3600"/>
+              <a:t>Proper Indentation and Spacing Lines</a:t>
+            </a:r>
+          </a:p>
+          <a:p>
+            <a:pPr algn="just"/>
+            <a:r>
+              <a:rPr lang="en-US" altLang="en-US" sz="3600"/>
+              <a:t>Block Styles</a:t>
+            </a:r>
+          </a:p>
+        </p:txBody>
+      </p:sp>
+    </p:spTree>
+    <p:extLst>
+      <p:ext uri="{BB962C8B-B14F-4D97-AF65-F5344CB8AC3E}">
+        <p14:creationId xmlns:p14="http://schemas.microsoft.com/office/powerpoint/2010/main" val="1155922360"/>
+      </p:ext>
+    </p:extLst>
+  </p:cSld>
+  <p:clrMapOvr>
+    <a:masterClrMapping/>
+  </p:clrMapOvr>
+</p:sld>
+</file>
+
+<file path=ppt/slides/slide26.xml><?xml version="1.0" encoding="utf-8"?>
+<p:sld xmlns:a="http://schemas.openxmlformats.org/drawingml/2006/main" xmlns:r="http://schemas.openxmlformats.org/officeDocument/2006/relationships" xmlns:p="http://schemas.openxmlformats.org/presentationml/2006/main">
+  <p:cSld>
+    <p:spTree>
+      <p:nvGrpSpPr>
+        <p:cNvPr id="1" name=""/>
+        <p:cNvGrpSpPr/>
+        <p:nvPr/>
+      </p:nvGrpSpPr>
+      <p:grpSpPr>
+        <a:xfrm>
+          <a:off x="0" y="0"/>
+          <a:ext cx="0" cy="0"/>
+          <a:chOff x="0" y="0"/>
+          <a:chExt cx="0" cy="0"/>
+        </a:xfrm>
+      </p:grpSpPr>
+      <p:sp>
+        <p:nvSpPr>
+          <p:cNvPr id="72706" name="Slide Number Placeholder 4"/>
+          <p:cNvSpPr>
+            <a:spLocks noGrp="1"/>
+          </p:cNvSpPr>
+          <p:nvPr>
+            <p:ph type="sldNum" sz="quarter" idx="11"/>
+          </p:nvPr>
+        </p:nvSpPr>
+        <p:spPr>
+          <a:noFill/>
+        </p:spPr>
+        <p:txBody>
+          <a:bodyPr/>
+          <a:lstStyle>
+            <a:lvl1pPr>
+              <a:spcBef>
+                <a:spcPct val="20000"/>
+              </a:spcBef>
+              <a:buClr>
+                <a:schemeClr val="tx2"/>
+              </a:buClr>
+              <a:buSzPct val="75000"/>
+              <a:buFont typeface="Monotype Sorts" pitchFamily="2" charset="2"/>
+              <a:buChar char="F"/>
+              <a:defRPr sz="3200">
+                <a:solidFill>
+                  <a:schemeClr val="tx1"/>
+                </a:solidFill>
+                <a:latin typeface="Times New Roman" panose="02020603050405020304" pitchFamily="18" charset="0"/>
+              </a:defRPr>
+            </a:lvl1pPr>
+            <a:lvl2pPr marL="742950" indent="-285750">
+              <a:spcBef>
+                <a:spcPct val="20000"/>
+              </a:spcBef>
+              <a:buClr>
+                <a:schemeClr val="tx1"/>
+              </a:buClr>
+              <a:buChar char="–"/>
+              <a:defRPr sz="2800">
+                <a:solidFill>
+                  <a:schemeClr val="tx1"/>
+                </a:solidFill>
+                <a:latin typeface="Times New Roman" panose="02020603050405020304" pitchFamily="18" charset="0"/>
+              </a:defRPr>
+            </a:lvl2pPr>
+            <a:lvl3pPr marL="1143000" indent="-228600">
+              <a:spcBef>
+                <a:spcPct val="20000"/>
+              </a:spcBef>
+              <a:buClr>
+                <a:schemeClr val="accent2"/>
+              </a:buClr>
+              <a:buSzPct val="65000"/>
+              <a:buFont typeface="Monotype Sorts" pitchFamily="2" charset="2"/>
+              <a:buChar char="u"/>
+              <a:defRPr sz="2400">
+                <a:solidFill>
+                  <a:schemeClr val="tx1"/>
+                </a:solidFill>
+                <a:latin typeface="Times New Roman" panose="02020603050405020304" pitchFamily="18" charset="0"/>
+              </a:defRPr>
+            </a:lvl3pPr>
+            <a:lvl4pPr marL="1600200" indent="-228600">
+              <a:spcBef>
+                <a:spcPct val="20000"/>
+              </a:spcBef>
+              <a:buClr>
+                <a:schemeClr val="tx1"/>
+              </a:buClr>
+              <a:buChar char="–"/>
+              <a:defRPr sz="2000">
+                <a:solidFill>
+                  <a:schemeClr val="tx1"/>
+                </a:solidFill>
+                <a:latin typeface="Times New Roman" panose="02020603050405020304" pitchFamily="18" charset="0"/>
+              </a:defRPr>
+            </a:lvl4pPr>
+            <a:lvl5pPr marL="2057400" indent="-228600">
+              <a:spcBef>
+                <a:spcPct val="20000"/>
+              </a:spcBef>
+              <a:buClr>
+                <a:schemeClr val="tx2"/>
+              </a:buClr>
+              <a:buChar char="•"/>
+              <a:defRPr sz="2000">
+                <a:solidFill>
+                  <a:schemeClr val="tx1"/>
+                </a:solidFill>
+                <a:latin typeface="Times New Roman" panose="02020603050405020304" pitchFamily="18" charset="0"/>
+              </a:defRPr>
+            </a:lvl5pPr>
+            <a:lvl6pPr marL="2514600" indent="-228600" eaLnBrk="0" fontAlgn="base" hangingPunct="0">
+              <a:spcBef>
+                <a:spcPct val="20000"/>
+              </a:spcBef>
+              <a:spcAft>
+                <a:spcPct val="0"/>
+              </a:spcAft>
+              <a:buClr>
+                <a:schemeClr val="tx2"/>
+              </a:buClr>
+              <a:buChar char="•"/>
+              <a:defRPr sz="2000">
+                <a:solidFill>
+                  <a:schemeClr val="tx1"/>
+                </a:solidFill>
+                <a:latin typeface="Times New Roman" panose="02020603050405020304" pitchFamily="18" charset="0"/>
+              </a:defRPr>
+            </a:lvl6pPr>
+            <a:lvl7pPr marL="2971800" indent="-228600" eaLnBrk="0" fontAlgn="base" hangingPunct="0">
+              <a:spcBef>
+                <a:spcPct val="20000"/>
+              </a:spcBef>
+              <a:spcAft>
+                <a:spcPct val="0"/>
+              </a:spcAft>
+              <a:buClr>
+                <a:schemeClr val="tx2"/>
+              </a:buClr>
+              <a:buChar char="•"/>
+              <a:defRPr sz="2000">
+                <a:solidFill>
+                  <a:schemeClr val="tx1"/>
+                </a:solidFill>
+                <a:latin typeface="Times New Roman" panose="02020603050405020304" pitchFamily="18" charset="0"/>
+              </a:defRPr>
+            </a:lvl7pPr>
+            <a:lvl8pPr marL="3429000" indent="-228600" eaLnBrk="0" fontAlgn="base" hangingPunct="0">
+              <a:spcBef>
+                <a:spcPct val="20000"/>
+              </a:spcBef>
+              <a:spcAft>
+                <a:spcPct val="0"/>
+              </a:spcAft>
+              <a:buClr>
+                <a:schemeClr val="tx2"/>
+              </a:buClr>
+              <a:buChar char="•"/>
+              <a:defRPr sz="2000">
+                <a:solidFill>
+                  <a:schemeClr val="tx1"/>
+                </a:solidFill>
+                <a:latin typeface="Times New Roman" panose="02020603050405020304" pitchFamily="18" charset="0"/>
+              </a:defRPr>
+            </a:lvl8pPr>
+            <a:lvl9pPr marL="3886200" indent="-228600" eaLnBrk="0" fontAlgn="base" hangingPunct="0">
+              <a:spcBef>
+                <a:spcPct val="20000"/>
+              </a:spcBef>
+              <a:spcAft>
+                <a:spcPct val="0"/>
+              </a:spcAft>
+              <a:buClr>
+                <a:schemeClr val="tx2"/>
+              </a:buClr>
+              <a:buChar char="•"/>
+              <a:defRPr sz="2000">
+                <a:solidFill>
+                  <a:schemeClr val="tx1"/>
+                </a:solidFill>
+                <a:latin typeface="Times New Roman" panose="02020603050405020304" pitchFamily="18" charset="0"/>
+              </a:defRPr>
+            </a:lvl9pPr>
+          </a:lstStyle>
+          <a:p>
+            <a:pPr>
+              <a:spcBef>
+                <a:spcPct val="0"/>
+              </a:spcBef>
+              <a:buClrTx/>
+              <a:buSzTx/>
+              <a:buFontTx/>
+              <a:buNone/>
+            </a:pPr>
+            <a:fld id="{0688B0FF-48FA-4CD6-978C-D4BC22D3DEFD}" type="slidenum">
+              <a:rPr lang="en-US" altLang="en-US" sz="1400"/>
+              <a:pPr>
+                <a:spcBef>
+                  <a:spcPct val="0"/>
+                </a:spcBef>
+                <a:buClrTx/>
+                <a:buSzTx/>
+                <a:buFontTx/>
+                <a:buNone/>
+              </a:pPr>
+              <a:t>26</a:t>
+            </a:fld>
+            <a:endParaRPr lang="en-US" altLang="en-US" sz="1400"/>
+          </a:p>
+        </p:txBody>
+      </p:sp>
+      <p:sp>
+        <p:nvSpPr>
+          <p:cNvPr id="72707" name="Rectangle 2"/>
+          <p:cNvSpPr>
+            <a:spLocks noGrp="1" noChangeArrowheads="1"/>
+          </p:cNvSpPr>
+          <p:nvPr>
+            <p:ph type="title"/>
+          </p:nvPr>
+        </p:nvSpPr>
+        <p:spPr>
+          <a:xfrm>
+            <a:off x="2209800" y="0"/>
+            <a:ext cx="7772400" cy="1428750"/>
+          </a:xfrm>
+          <a:noFill/>
+        </p:spPr>
+        <p:txBody>
+          <a:bodyPr/>
+          <a:lstStyle/>
+          <a:p>
+            <a:pPr algn="ctr"/>
+            <a:r>
+              <a:rPr lang="en-US" altLang="en-US" dirty="0">
+                <a:solidFill>
+                  <a:schemeClr val="accent1"/>
+                </a:solidFill>
+              </a:rPr>
+              <a:t>Programming Errors</a:t>
+            </a:r>
+          </a:p>
+        </p:txBody>
+      </p:sp>
+      <p:sp>
+        <p:nvSpPr>
+          <p:cNvPr id="72708" name="Rectangle 3"/>
+          <p:cNvSpPr>
+            <a:spLocks noGrp="1" noChangeArrowheads="1"/>
+          </p:cNvSpPr>
+          <p:nvPr>
+            <p:ph type="body" idx="1"/>
+          </p:nvPr>
+        </p:nvSpPr>
+        <p:spPr>
+          <a:xfrm>
+            <a:off x="2209800" y="1371600"/>
+            <a:ext cx="7696200" cy="4114800"/>
+          </a:xfrm>
+          <a:noFill/>
+        </p:spPr>
+        <p:txBody>
+          <a:bodyPr/>
+          <a:lstStyle/>
+          <a:p>
+            <a:pPr algn="just"/>
+            <a:r>
+              <a:rPr lang="en-US" altLang="en-US"/>
+              <a:t>Syntax Errors</a:t>
+            </a:r>
+          </a:p>
+          <a:p>
+            <a:pPr lvl="1" algn="just"/>
+            <a:r>
+              <a:rPr lang="en-US" altLang="en-US"/>
+              <a:t>Detected by the compiler</a:t>
+            </a:r>
+          </a:p>
+          <a:p>
+            <a:pPr algn="just"/>
+            <a:r>
+              <a:rPr lang="en-US" altLang="en-US"/>
+              <a:t>Runtime Errors</a:t>
+            </a:r>
+          </a:p>
+          <a:p>
+            <a:pPr lvl="1" algn="just"/>
+            <a:r>
+              <a:rPr lang="en-US" altLang="en-US"/>
+              <a:t>Causes the program to abort</a:t>
+            </a:r>
+          </a:p>
+          <a:p>
+            <a:pPr algn="just"/>
+            <a:r>
+              <a:rPr lang="en-US" altLang="en-US"/>
+              <a:t>Logic Errors</a:t>
+            </a:r>
+          </a:p>
+          <a:p>
+            <a:pPr lvl="1" algn="just"/>
+            <a:r>
+              <a:rPr lang="en-US" altLang="en-US"/>
+              <a:t>Produces incorrect result</a:t>
+            </a:r>
+          </a:p>
+        </p:txBody>
+      </p:sp>
+    </p:spTree>
+    <p:extLst>
+      <p:ext uri="{BB962C8B-B14F-4D97-AF65-F5344CB8AC3E}">
+        <p14:creationId xmlns:p14="http://schemas.microsoft.com/office/powerpoint/2010/main" val="3391761300"/>
+      </p:ext>
+    </p:extLst>
+  </p:cSld>
+  <p:clrMapOvr>
+    <a:masterClrMapping/>
+  </p:clrMapOvr>
+</p:sld>
+</file>
+
+<file path=ppt/slides/slide27.xml><?xml version="1.0" encoding="utf-8"?>
+<p:sld xmlns:a="http://schemas.openxmlformats.org/drawingml/2006/main" xmlns:r="http://schemas.openxmlformats.org/officeDocument/2006/relationships" xmlns:p="http://schemas.openxmlformats.org/presentationml/2006/main">
+  <p:cSld>
+    <p:spTree>
+      <p:nvGrpSpPr>
+        <p:cNvPr id="1" name=""/>
+        <p:cNvGrpSpPr/>
+        <p:nvPr/>
+      </p:nvGrpSpPr>
+      <p:grpSpPr>
+        <a:xfrm>
+          <a:off x="0" y="0"/>
+          <a:ext cx="0" cy="0"/>
+          <a:chOff x="0" y="0"/>
+          <a:chExt cx="0" cy="0"/>
+        </a:xfrm>
+      </p:grpSpPr>
+      <p:sp>
+        <p:nvSpPr>
+          <p:cNvPr id="73730" name="Slide Number Placeholder 4"/>
+          <p:cNvSpPr>
+            <a:spLocks noGrp="1"/>
+          </p:cNvSpPr>
+          <p:nvPr>
+            <p:ph type="sldNum" sz="quarter" idx="11"/>
+          </p:nvPr>
+        </p:nvSpPr>
+        <p:spPr>
+          <a:noFill/>
+        </p:spPr>
+        <p:txBody>
+          <a:bodyPr/>
+          <a:lstStyle>
+            <a:lvl1pPr>
+              <a:spcBef>
+                <a:spcPct val="20000"/>
+              </a:spcBef>
+              <a:buClr>
+                <a:schemeClr val="tx2"/>
+              </a:buClr>
+              <a:buSzPct val="75000"/>
+              <a:buFont typeface="Monotype Sorts" pitchFamily="2" charset="2"/>
+              <a:buChar char="F"/>
+              <a:defRPr sz="3200">
+                <a:solidFill>
+                  <a:schemeClr val="tx1"/>
+                </a:solidFill>
+                <a:latin typeface="Times New Roman" panose="02020603050405020304" pitchFamily="18" charset="0"/>
+              </a:defRPr>
+            </a:lvl1pPr>
+            <a:lvl2pPr marL="742950" indent="-285750">
+              <a:spcBef>
+                <a:spcPct val="20000"/>
+              </a:spcBef>
+              <a:buClr>
+                <a:schemeClr val="tx1"/>
+              </a:buClr>
+              <a:buChar char="–"/>
+              <a:defRPr sz="2800">
+                <a:solidFill>
+                  <a:schemeClr val="tx1"/>
+                </a:solidFill>
+                <a:latin typeface="Times New Roman" panose="02020603050405020304" pitchFamily="18" charset="0"/>
+              </a:defRPr>
+            </a:lvl2pPr>
+            <a:lvl3pPr marL="1143000" indent="-228600">
+              <a:spcBef>
+                <a:spcPct val="20000"/>
+              </a:spcBef>
+              <a:buClr>
+                <a:schemeClr val="accent2"/>
+              </a:buClr>
+              <a:buSzPct val="65000"/>
+              <a:buFont typeface="Monotype Sorts" pitchFamily="2" charset="2"/>
+              <a:buChar char="u"/>
+              <a:defRPr sz="2400">
+                <a:solidFill>
+                  <a:schemeClr val="tx1"/>
+                </a:solidFill>
+                <a:latin typeface="Times New Roman" panose="02020603050405020304" pitchFamily="18" charset="0"/>
+              </a:defRPr>
+            </a:lvl3pPr>
+            <a:lvl4pPr marL="1600200" indent="-228600">
+              <a:spcBef>
+                <a:spcPct val="20000"/>
+              </a:spcBef>
+              <a:buClr>
+                <a:schemeClr val="tx1"/>
+              </a:buClr>
+              <a:buChar char="–"/>
+              <a:defRPr sz="2000">
+                <a:solidFill>
+                  <a:schemeClr val="tx1"/>
+                </a:solidFill>
+                <a:latin typeface="Times New Roman" panose="02020603050405020304" pitchFamily="18" charset="0"/>
+              </a:defRPr>
+            </a:lvl4pPr>
+            <a:lvl5pPr marL="2057400" indent="-228600">
+              <a:spcBef>
+                <a:spcPct val="20000"/>
+              </a:spcBef>
+              <a:buClr>
+                <a:schemeClr val="tx2"/>
+              </a:buClr>
+              <a:buChar char="•"/>
+              <a:defRPr sz="2000">
+                <a:solidFill>
+                  <a:schemeClr val="tx1"/>
+                </a:solidFill>
+                <a:latin typeface="Times New Roman" panose="02020603050405020304" pitchFamily="18" charset="0"/>
+              </a:defRPr>
+            </a:lvl5pPr>
+            <a:lvl6pPr marL="2514600" indent="-228600" eaLnBrk="0" fontAlgn="base" hangingPunct="0">
+              <a:spcBef>
+                <a:spcPct val="20000"/>
+              </a:spcBef>
+              <a:spcAft>
+                <a:spcPct val="0"/>
+              </a:spcAft>
+              <a:buClr>
+                <a:schemeClr val="tx2"/>
+              </a:buClr>
+              <a:buChar char="•"/>
+              <a:defRPr sz="2000">
+                <a:solidFill>
+                  <a:schemeClr val="tx1"/>
+                </a:solidFill>
+                <a:latin typeface="Times New Roman" panose="02020603050405020304" pitchFamily="18" charset="0"/>
+              </a:defRPr>
+            </a:lvl6pPr>
+            <a:lvl7pPr marL="2971800" indent="-228600" eaLnBrk="0" fontAlgn="base" hangingPunct="0">
+              <a:spcBef>
+                <a:spcPct val="20000"/>
+              </a:spcBef>
+              <a:spcAft>
+                <a:spcPct val="0"/>
+              </a:spcAft>
+              <a:buClr>
+                <a:schemeClr val="tx2"/>
+              </a:buClr>
+              <a:buChar char="•"/>
+              <a:defRPr sz="2000">
+                <a:solidFill>
+                  <a:schemeClr val="tx1"/>
+                </a:solidFill>
+                <a:latin typeface="Times New Roman" panose="02020603050405020304" pitchFamily="18" charset="0"/>
+              </a:defRPr>
+            </a:lvl7pPr>
+            <a:lvl8pPr marL="3429000" indent="-228600" eaLnBrk="0" fontAlgn="base" hangingPunct="0">
+              <a:spcBef>
+                <a:spcPct val="20000"/>
+              </a:spcBef>
+              <a:spcAft>
+                <a:spcPct val="0"/>
+              </a:spcAft>
+              <a:buClr>
+                <a:schemeClr val="tx2"/>
+              </a:buClr>
+              <a:buChar char="•"/>
+              <a:defRPr sz="2000">
+                <a:solidFill>
+                  <a:schemeClr val="tx1"/>
+                </a:solidFill>
+                <a:latin typeface="Times New Roman" panose="02020603050405020304" pitchFamily="18" charset="0"/>
+              </a:defRPr>
+            </a:lvl8pPr>
+            <a:lvl9pPr marL="3886200" indent="-228600" eaLnBrk="0" fontAlgn="base" hangingPunct="0">
+              <a:spcBef>
+                <a:spcPct val="20000"/>
+              </a:spcBef>
+              <a:spcAft>
+                <a:spcPct val="0"/>
+              </a:spcAft>
+              <a:buClr>
+                <a:schemeClr val="tx2"/>
+              </a:buClr>
+              <a:buChar char="•"/>
+              <a:defRPr sz="2000">
+                <a:solidFill>
+                  <a:schemeClr val="tx1"/>
+                </a:solidFill>
+                <a:latin typeface="Times New Roman" panose="02020603050405020304" pitchFamily="18" charset="0"/>
+              </a:defRPr>
+            </a:lvl9pPr>
+          </a:lstStyle>
+          <a:p>
+            <a:pPr>
+              <a:spcBef>
+                <a:spcPct val="0"/>
+              </a:spcBef>
+              <a:buClrTx/>
+              <a:buSzTx/>
+              <a:buFontTx/>
+              <a:buNone/>
+            </a:pPr>
+            <a:fld id="{688587E6-9637-4C4A-ABD7-59220B3A4E2E}" type="slidenum">
+              <a:rPr lang="en-US" altLang="en-US" sz="1400"/>
+              <a:pPr>
+                <a:spcBef>
+                  <a:spcPct val="0"/>
+                </a:spcBef>
+                <a:buClrTx/>
+                <a:buSzTx/>
+                <a:buFontTx/>
+                <a:buNone/>
+              </a:pPr>
+              <a:t>27</a:t>
+            </a:fld>
+            <a:endParaRPr lang="en-US" altLang="en-US" sz="1400"/>
+          </a:p>
+        </p:txBody>
+      </p:sp>
+      <p:sp>
+        <p:nvSpPr>
+          <p:cNvPr id="73731" name="Rectangle 2"/>
+          <p:cNvSpPr>
+            <a:spLocks noGrp="1" noChangeArrowheads="1"/>
+          </p:cNvSpPr>
+          <p:nvPr>
+            <p:ph type="title"/>
+          </p:nvPr>
+        </p:nvSpPr>
+        <p:spPr>
+          <a:xfrm>
+            <a:off x="2209800" y="228600"/>
+            <a:ext cx="7772400" cy="685800"/>
+          </a:xfrm>
+          <a:noFill/>
+        </p:spPr>
+        <p:txBody>
+          <a:bodyPr>
+            <a:normAutofit fontScale="90000"/>
+          </a:bodyPr>
+          <a:lstStyle/>
+          <a:p>
+            <a:pPr algn="ctr"/>
+            <a:r>
+              <a:rPr lang="en-US" altLang="en-US" dirty="0">
+                <a:solidFill>
+                  <a:schemeClr val="accent1"/>
+                </a:solidFill>
+              </a:rPr>
+              <a:t>Syntax Errors</a:t>
+            </a:r>
+          </a:p>
+        </p:txBody>
+      </p:sp>
+      <p:sp>
+        <p:nvSpPr>
+          <p:cNvPr id="73732" name="Rectangle 3"/>
+          <p:cNvSpPr>
+            <a:spLocks noGrp="1" noChangeArrowheads="1"/>
+          </p:cNvSpPr>
+          <p:nvPr>
+            <p:ph type="body" idx="1"/>
+          </p:nvPr>
+        </p:nvSpPr>
+        <p:spPr>
+          <a:xfrm>
+            <a:off x="1828800" y="1143000"/>
+            <a:ext cx="8458200" cy="2209800"/>
+          </a:xfrm>
+        </p:spPr>
+        <p:txBody>
+          <a:bodyPr/>
+          <a:lstStyle/>
+          <a:p>
+            <a:pPr>
+              <a:lnSpc>
+                <a:spcPct val="80000"/>
+              </a:lnSpc>
+              <a:buFont typeface="Monotype Sorts" pitchFamily="2" charset="2"/>
+              <a:buNone/>
+            </a:pPr>
+            <a:r>
+              <a:rPr lang="en-US" altLang="en-US" sz="2400" b="1" dirty="0">
+                <a:latin typeface="Courier New" panose="02070309020205020404" pitchFamily="49" charset="0"/>
+              </a:rPr>
+              <a:t>public class Welcome {</a:t>
+            </a:r>
+          </a:p>
+          <a:p>
+            <a:pPr>
+              <a:lnSpc>
+                <a:spcPct val="80000"/>
+              </a:lnSpc>
+              <a:buFont typeface="Monotype Sorts" pitchFamily="2" charset="2"/>
+              <a:buNone/>
+            </a:pPr>
+            <a:r>
+              <a:rPr lang="en-US" altLang="en-US" sz="2400" b="1" dirty="0">
+                <a:latin typeface="Courier New" panose="02070309020205020404" pitchFamily="49" charset="0"/>
+              </a:rPr>
+              <a:t>  public static main(String[] </a:t>
+            </a:r>
+            <a:r>
+              <a:rPr lang="en-US" altLang="en-US" sz="2400" b="1" dirty="0" err="1">
+                <a:latin typeface="Courier New" panose="02070309020205020404" pitchFamily="49" charset="0"/>
+              </a:rPr>
+              <a:t>args</a:t>
+            </a:r>
+            <a:r>
+              <a:rPr lang="en-US" altLang="en-US" sz="2400" b="1" dirty="0">
+                <a:latin typeface="Courier New" panose="02070309020205020404" pitchFamily="49" charset="0"/>
+              </a:rPr>
+              <a:t>) {</a:t>
+            </a:r>
+          </a:p>
+          <a:p>
+            <a:pPr>
+              <a:lnSpc>
+                <a:spcPct val="80000"/>
+              </a:lnSpc>
+              <a:buFont typeface="Monotype Sorts" pitchFamily="2" charset="2"/>
+              <a:buNone/>
+            </a:pPr>
+            <a:r>
+              <a:rPr lang="en-US" altLang="en-US" sz="2400" b="1" dirty="0">
+                <a:latin typeface="Courier New" panose="02070309020205020404" pitchFamily="49" charset="0"/>
+              </a:rPr>
+              <a:t>    </a:t>
+            </a:r>
+            <a:r>
+              <a:rPr lang="en-US" altLang="en-US" sz="2400" b="1" dirty="0" err="1">
+                <a:latin typeface="Courier New" panose="02070309020205020404" pitchFamily="49" charset="0"/>
+              </a:rPr>
+              <a:t>System.out.println</a:t>
+            </a:r>
+            <a:r>
+              <a:rPr lang="en-US" altLang="en-US" sz="2400" b="1" dirty="0">
+                <a:latin typeface="Courier New" panose="02070309020205020404" pitchFamily="49" charset="0"/>
+              </a:rPr>
+              <a:t>("Welcome to Java);</a:t>
+            </a:r>
+          </a:p>
+          <a:p>
+            <a:pPr>
+              <a:lnSpc>
+                <a:spcPct val="80000"/>
+              </a:lnSpc>
+              <a:buFont typeface="Monotype Sorts" pitchFamily="2" charset="2"/>
+              <a:buNone/>
+            </a:pPr>
+            <a:r>
+              <a:rPr lang="en-US" altLang="en-US" sz="2400" b="1" dirty="0">
+                <a:latin typeface="Courier New" panose="02070309020205020404" pitchFamily="49" charset="0"/>
+              </a:rPr>
+              <a:t>  }</a:t>
+            </a:r>
+          </a:p>
+          <a:p>
+            <a:pPr>
+              <a:lnSpc>
+                <a:spcPct val="80000"/>
+              </a:lnSpc>
+              <a:buFont typeface="Monotype Sorts" pitchFamily="2" charset="2"/>
+              <a:buNone/>
+            </a:pPr>
+            <a:r>
+              <a:rPr lang="en-US" altLang="en-US" sz="2400" b="1" dirty="0">
+                <a:latin typeface="Courier New" panose="02070309020205020404" pitchFamily="49" charset="0"/>
+              </a:rPr>
+              <a:t>}</a:t>
+            </a:r>
+          </a:p>
+        </p:txBody>
+      </p:sp>
+    </p:spTree>
+    <p:extLst>
+      <p:ext uri="{BB962C8B-B14F-4D97-AF65-F5344CB8AC3E}">
+        <p14:creationId xmlns:p14="http://schemas.microsoft.com/office/powerpoint/2010/main" val="778659633"/>
+      </p:ext>
+    </p:extLst>
+  </p:cSld>
+  <p:clrMapOvr>
+    <a:masterClrMapping/>
+  </p:clrMapOvr>
+</p:sld>
+</file>
+
+<file path=ppt/slides/slide28.xml><?xml version="1.0" encoding="utf-8"?>
+<p:sld xmlns:a="http://schemas.openxmlformats.org/drawingml/2006/main" xmlns:r="http://schemas.openxmlformats.org/officeDocument/2006/relationships" xmlns:p="http://schemas.openxmlformats.org/presentationml/2006/main">
+  <p:cSld>
+    <p:spTree>
+      <p:nvGrpSpPr>
+        <p:cNvPr id="1" name=""/>
+        <p:cNvGrpSpPr/>
+        <p:nvPr/>
+      </p:nvGrpSpPr>
+      <p:grpSpPr>
+        <a:xfrm>
+          <a:off x="0" y="0"/>
+          <a:ext cx="0" cy="0"/>
+          <a:chOff x="0" y="0"/>
+          <a:chExt cx="0" cy="0"/>
+        </a:xfrm>
+      </p:grpSpPr>
+      <p:sp>
+        <p:nvSpPr>
+          <p:cNvPr id="74754" name="Slide Number Placeholder 4"/>
+          <p:cNvSpPr>
+            <a:spLocks noGrp="1"/>
+          </p:cNvSpPr>
+          <p:nvPr>
+            <p:ph type="sldNum" sz="quarter" idx="11"/>
+          </p:nvPr>
+        </p:nvSpPr>
+        <p:spPr>
+          <a:noFill/>
+        </p:spPr>
+        <p:txBody>
+          <a:bodyPr/>
+          <a:lstStyle>
+            <a:lvl1pPr>
+              <a:spcBef>
+                <a:spcPct val="20000"/>
+              </a:spcBef>
+              <a:buClr>
+                <a:schemeClr val="tx2"/>
+              </a:buClr>
+              <a:buSzPct val="75000"/>
+              <a:buFont typeface="Monotype Sorts" pitchFamily="2" charset="2"/>
+              <a:buChar char="F"/>
+              <a:defRPr sz="3200">
+                <a:solidFill>
+                  <a:schemeClr val="tx1"/>
+                </a:solidFill>
+                <a:latin typeface="Times New Roman" panose="02020603050405020304" pitchFamily="18" charset="0"/>
+              </a:defRPr>
+            </a:lvl1pPr>
+            <a:lvl2pPr marL="742950" indent="-285750">
+              <a:spcBef>
+                <a:spcPct val="20000"/>
+              </a:spcBef>
+              <a:buClr>
+                <a:schemeClr val="tx1"/>
+              </a:buClr>
+              <a:buChar char="–"/>
+              <a:defRPr sz="2800">
+                <a:solidFill>
+                  <a:schemeClr val="tx1"/>
+                </a:solidFill>
+                <a:latin typeface="Times New Roman" panose="02020603050405020304" pitchFamily="18" charset="0"/>
+              </a:defRPr>
+            </a:lvl2pPr>
+            <a:lvl3pPr marL="1143000" indent="-228600">
+              <a:spcBef>
+                <a:spcPct val="20000"/>
+              </a:spcBef>
+              <a:buClr>
+                <a:schemeClr val="accent2"/>
+              </a:buClr>
+              <a:buSzPct val="65000"/>
+              <a:buFont typeface="Monotype Sorts" pitchFamily="2" charset="2"/>
+              <a:buChar char="u"/>
+              <a:defRPr sz="2400">
+                <a:solidFill>
+                  <a:schemeClr val="tx1"/>
+                </a:solidFill>
+                <a:latin typeface="Times New Roman" panose="02020603050405020304" pitchFamily="18" charset="0"/>
+              </a:defRPr>
+            </a:lvl3pPr>
+            <a:lvl4pPr marL="1600200" indent="-228600">
+              <a:spcBef>
+                <a:spcPct val="20000"/>
+              </a:spcBef>
+              <a:buClr>
+                <a:schemeClr val="tx1"/>
+              </a:buClr>
+              <a:buChar char="–"/>
+              <a:defRPr sz="2000">
+                <a:solidFill>
+                  <a:schemeClr val="tx1"/>
+                </a:solidFill>
+                <a:latin typeface="Times New Roman" panose="02020603050405020304" pitchFamily="18" charset="0"/>
+              </a:defRPr>
+            </a:lvl4pPr>
+            <a:lvl5pPr marL="2057400" indent="-228600">
+              <a:spcBef>
+                <a:spcPct val="20000"/>
+              </a:spcBef>
+              <a:buClr>
+                <a:schemeClr val="tx2"/>
+              </a:buClr>
+              <a:buChar char="•"/>
+              <a:defRPr sz="2000">
+                <a:solidFill>
+                  <a:schemeClr val="tx1"/>
+                </a:solidFill>
+                <a:latin typeface="Times New Roman" panose="02020603050405020304" pitchFamily="18" charset="0"/>
+              </a:defRPr>
+            </a:lvl5pPr>
+            <a:lvl6pPr marL="2514600" indent="-228600" eaLnBrk="0" fontAlgn="base" hangingPunct="0">
+              <a:spcBef>
+                <a:spcPct val="20000"/>
+              </a:spcBef>
+              <a:spcAft>
+                <a:spcPct val="0"/>
+              </a:spcAft>
+              <a:buClr>
+                <a:schemeClr val="tx2"/>
+              </a:buClr>
+              <a:buChar char="•"/>
+              <a:defRPr sz="2000">
+                <a:solidFill>
+                  <a:schemeClr val="tx1"/>
+                </a:solidFill>
+                <a:latin typeface="Times New Roman" panose="02020603050405020304" pitchFamily="18" charset="0"/>
+              </a:defRPr>
+            </a:lvl6pPr>
+            <a:lvl7pPr marL="2971800" indent="-228600" eaLnBrk="0" fontAlgn="base" hangingPunct="0">
+              <a:spcBef>
+                <a:spcPct val="20000"/>
+              </a:spcBef>
+              <a:spcAft>
+                <a:spcPct val="0"/>
+              </a:spcAft>
+              <a:buClr>
+                <a:schemeClr val="tx2"/>
+              </a:buClr>
+              <a:buChar char="•"/>
+              <a:defRPr sz="2000">
+                <a:solidFill>
+                  <a:schemeClr val="tx1"/>
+                </a:solidFill>
+                <a:latin typeface="Times New Roman" panose="02020603050405020304" pitchFamily="18" charset="0"/>
+              </a:defRPr>
+            </a:lvl7pPr>
+            <a:lvl8pPr marL="3429000" indent="-228600" eaLnBrk="0" fontAlgn="base" hangingPunct="0">
+              <a:spcBef>
+                <a:spcPct val="20000"/>
+              </a:spcBef>
+              <a:spcAft>
+                <a:spcPct val="0"/>
+              </a:spcAft>
+              <a:buClr>
+                <a:schemeClr val="tx2"/>
+              </a:buClr>
+              <a:buChar char="•"/>
+              <a:defRPr sz="2000">
+                <a:solidFill>
+                  <a:schemeClr val="tx1"/>
+                </a:solidFill>
+                <a:latin typeface="Times New Roman" panose="02020603050405020304" pitchFamily="18" charset="0"/>
+              </a:defRPr>
+            </a:lvl8pPr>
+            <a:lvl9pPr marL="3886200" indent="-228600" eaLnBrk="0" fontAlgn="base" hangingPunct="0">
+              <a:spcBef>
+                <a:spcPct val="20000"/>
+              </a:spcBef>
+              <a:spcAft>
+                <a:spcPct val="0"/>
+              </a:spcAft>
+              <a:buClr>
+                <a:schemeClr val="tx2"/>
+              </a:buClr>
+              <a:buChar char="•"/>
+              <a:defRPr sz="2000">
+                <a:solidFill>
+                  <a:schemeClr val="tx1"/>
+                </a:solidFill>
+                <a:latin typeface="Times New Roman" panose="02020603050405020304" pitchFamily="18" charset="0"/>
+              </a:defRPr>
+            </a:lvl9pPr>
+          </a:lstStyle>
+          <a:p>
+            <a:pPr>
+              <a:spcBef>
+                <a:spcPct val="0"/>
+              </a:spcBef>
+              <a:buClrTx/>
+              <a:buSzTx/>
+              <a:buFontTx/>
+              <a:buNone/>
+            </a:pPr>
+            <a:fld id="{00B3A0D7-2FAB-4797-855D-E5A8A56FEDB4}" type="slidenum">
+              <a:rPr lang="en-US" altLang="en-US" sz="1400"/>
+              <a:pPr>
+                <a:spcBef>
+                  <a:spcPct val="0"/>
+                </a:spcBef>
+                <a:buClrTx/>
+                <a:buSzTx/>
+                <a:buFontTx/>
+                <a:buNone/>
+              </a:pPr>
+              <a:t>28</a:t>
+            </a:fld>
+            <a:endParaRPr lang="en-US" altLang="en-US" sz="1400"/>
+          </a:p>
+        </p:txBody>
+      </p:sp>
+      <p:sp>
+        <p:nvSpPr>
+          <p:cNvPr id="74755" name="Rectangle 2"/>
+          <p:cNvSpPr>
+            <a:spLocks noGrp="1" noChangeArrowheads="1"/>
+          </p:cNvSpPr>
+          <p:nvPr>
+            <p:ph type="title"/>
+          </p:nvPr>
+        </p:nvSpPr>
+        <p:spPr>
+          <a:xfrm>
+            <a:off x="2094816" y="277879"/>
+            <a:ext cx="7772400" cy="685800"/>
+          </a:xfrm>
+          <a:noFill/>
+        </p:spPr>
+        <p:txBody>
+          <a:bodyPr>
+            <a:normAutofit fontScale="90000"/>
+          </a:bodyPr>
+          <a:lstStyle/>
+          <a:p>
+            <a:pPr algn="ctr"/>
+            <a:r>
+              <a:rPr lang="en-US" altLang="en-US" dirty="0">
+                <a:solidFill>
+                  <a:schemeClr val="accent1"/>
+                </a:solidFill>
+              </a:rPr>
+              <a:t>Runtime Errors</a:t>
+            </a:r>
+          </a:p>
+        </p:txBody>
+      </p:sp>
+      <p:sp>
+        <p:nvSpPr>
+          <p:cNvPr id="74756" name="Rectangle 3"/>
+          <p:cNvSpPr>
+            <a:spLocks noGrp="1" noChangeArrowheads="1"/>
+          </p:cNvSpPr>
+          <p:nvPr>
+            <p:ph type="body" idx="1"/>
+          </p:nvPr>
+        </p:nvSpPr>
+        <p:spPr>
+          <a:xfrm>
+            <a:off x="1905000" y="1295400"/>
+            <a:ext cx="8305800" cy="2133600"/>
+          </a:xfrm>
+        </p:spPr>
+        <p:txBody>
+          <a:bodyPr>
+            <a:normAutofit lnSpcReduction="10000"/>
+          </a:bodyPr>
+          <a:lstStyle/>
+          <a:p>
+            <a:pPr algn="just">
+              <a:lnSpc>
+                <a:spcPct val="90000"/>
+              </a:lnSpc>
+              <a:buFont typeface="Monotype Sorts" pitchFamily="2" charset="2"/>
+              <a:buNone/>
+            </a:pPr>
+            <a:r>
+              <a:rPr lang="en-US" altLang="en-US" sz="2400" b="1" dirty="0">
+                <a:latin typeface="Courier New" panose="02070309020205020404" pitchFamily="49" charset="0"/>
+                <a:cs typeface="Times New Roman" panose="02020603050405020304" pitchFamily="18" charset="0"/>
+              </a:rPr>
+              <a:t>public class Welcome {</a:t>
+            </a:r>
+          </a:p>
+          <a:p>
+            <a:pPr algn="just">
+              <a:lnSpc>
+                <a:spcPct val="90000"/>
+              </a:lnSpc>
+              <a:buFont typeface="Monotype Sorts" pitchFamily="2" charset="2"/>
+              <a:buNone/>
+            </a:pPr>
+            <a:r>
+              <a:rPr lang="en-US" altLang="en-US" sz="2400" b="1" dirty="0">
+                <a:latin typeface="Courier New" panose="02070309020205020404" pitchFamily="49" charset="0"/>
+                <a:cs typeface="Times New Roman" panose="02020603050405020304" pitchFamily="18" charset="0"/>
+              </a:rPr>
+              <a:t>  public static void main(String[] </a:t>
+            </a:r>
+            <a:r>
+              <a:rPr lang="en-US" altLang="en-US" sz="2400" b="1" dirty="0" err="1">
+                <a:latin typeface="Courier New" panose="02070309020205020404" pitchFamily="49" charset="0"/>
+                <a:cs typeface="Times New Roman" panose="02020603050405020304" pitchFamily="18" charset="0"/>
+              </a:rPr>
+              <a:t>args</a:t>
+            </a:r>
+            <a:r>
+              <a:rPr lang="en-US" altLang="en-US" sz="2400" b="1" dirty="0">
+                <a:latin typeface="Courier New" panose="02070309020205020404" pitchFamily="49" charset="0"/>
+                <a:cs typeface="Times New Roman" panose="02020603050405020304" pitchFamily="18" charset="0"/>
+              </a:rPr>
+              <a:t>) {</a:t>
+            </a:r>
+          </a:p>
+          <a:p>
+            <a:pPr algn="just">
+              <a:lnSpc>
+                <a:spcPct val="90000"/>
+              </a:lnSpc>
+              <a:buFont typeface="Monotype Sorts" pitchFamily="2" charset="2"/>
+              <a:buNone/>
+            </a:pPr>
+            <a:r>
+              <a:rPr lang="en-US" altLang="en-US" sz="2400" b="1" dirty="0">
+                <a:latin typeface="Courier New" panose="02070309020205020404" pitchFamily="49" charset="0"/>
+                <a:cs typeface="Times New Roman" panose="02020603050405020304" pitchFamily="18" charset="0"/>
+              </a:rPr>
+              <a:t>    </a:t>
+            </a:r>
+            <a:r>
+              <a:rPr lang="en-US" altLang="en-US" sz="2400" b="1" dirty="0" err="1">
+                <a:latin typeface="Courier New" panose="02070309020205020404" pitchFamily="49" charset="0"/>
+                <a:cs typeface="Times New Roman" panose="02020603050405020304" pitchFamily="18" charset="0"/>
+              </a:rPr>
+              <a:t>System.out.println</a:t>
+            </a:r>
+            <a:r>
+              <a:rPr lang="en-US" altLang="en-US" sz="2400" b="1" dirty="0">
+                <a:latin typeface="Courier New" panose="02070309020205020404" pitchFamily="49" charset="0"/>
+                <a:cs typeface="Times New Roman" panose="02020603050405020304" pitchFamily="18" charset="0"/>
+              </a:rPr>
+              <a:t>(1 / 0);</a:t>
+            </a:r>
+          </a:p>
+          <a:p>
+            <a:pPr algn="just">
+              <a:lnSpc>
+                <a:spcPct val="90000"/>
+              </a:lnSpc>
+              <a:buFont typeface="Monotype Sorts" pitchFamily="2" charset="2"/>
+              <a:buNone/>
+            </a:pPr>
+            <a:r>
+              <a:rPr lang="en-US" altLang="en-US" sz="2400" b="1" dirty="0">
+                <a:latin typeface="Courier New" panose="02070309020205020404" pitchFamily="49" charset="0"/>
+                <a:cs typeface="Times New Roman" panose="02020603050405020304" pitchFamily="18" charset="0"/>
+              </a:rPr>
+              <a:t>  }</a:t>
+            </a:r>
+          </a:p>
+          <a:p>
+            <a:pPr algn="just">
+              <a:lnSpc>
+                <a:spcPct val="90000"/>
+              </a:lnSpc>
+              <a:buFont typeface="Monotype Sorts" pitchFamily="2" charset="2"/>
+              <a:buNone/>
+            </a:pPr>
+            <a:r>
+              <a:rPr lang="en-US" altLang="en-US" sz="2400" b="1" dirty="0">
+                <a:latin typeface="Courier New" panose="02070309020205020404" pitchFamily="49" charset="0"/>
+                <a:cs typeface="Times New Roman" panose="02020603050405020304" pitchFamily="18" charset="0"/>
+              </a:rPr>
+              <a:t>}</a:t>
+            </a:r>
+          </a:p>
+        </p:txBody>
+      </p:sp>
+    </p:spTree>
+    <p:extLst>
+      <p:ext uri="{BB962C8B-B14F-4D97-AF65-F5344CB8AC3E}">
+        <p14:creationId xmlns:p14="http://schemas.microsoft.com/office/powerpoint/2010/main" val="1071593144"/>
+      </p:ext>
+    </p:extLst>
+  </p:cSld>
+  <p:clrMapOvr>
+    <a:masterClrMapping/>
+  </p:clrMapOvr>
+</p:sld>
+</file>
+
+<file path=ppt/slides/slide29.xml><?xml version="1.0" encoding="utf-8"?>
+<p:sld xmlns:a="http://schemas.openxmlformats.org/drawingml/2006/main" xmlns:r="http://schemas.openxmlformats.org/officeDocument/2006/relationships" xmlns:p="http://schemas.openxmlformats.org/presentationml/2006/main">
+  <p:cSld>
+    <p:spTree>
+      <p:nvGrpSpPr>
+        <p:cNvPr id="1" name=""/>
+        <p:cNvGrpSpPr/>
+        <p:nvPr/>
+      </p:nvGrpSpPr>
+      <p:grpSpPr>
+        <a:xfrm>
+          <a:off x="0" y="0"/>
+          <a:ext cx="0" cy="0"/>
+          <a:chOff x="0" y="0"/>
+          <a:chExt cx="0" cy="0"/>
+        </a:xfrm>
+      </p:grpSpPr>
+      <p:sp>
+        <p:nvSpPr>
           <p:cNvPr id="75778" name="Slide Number Placeholder 4"/>
           <p:cNvSpPr>
             <a:spLocks noGrp="1"/>
@@ -13613,7 +15261,7 @@
                 <a:buFontTx/>
                 <a:buNone/>
               </a:pPr>
-              <a:t>25</a:t>
+              <a:t>29</a:t>
             </a:fld>
             <a:endParaRPr lang="en-US" altLang="en-US" sz="1400"/>
           </a:p>
@@ -15939,7 +17587,7 @@
           <a:graphicData uri="http://schemas.openxmlformats.org/presentationml/2006/ole">
             <mc:AlternateContent xmlns:mc="http://schemas.openxmlformats.org/markup-compatibility/2006">
               <mc:Choice xmlns:v="urn:schemas-microsoft-com:vml" Requires="v">
-                <p:oleObj spid="_x0000_s1031" name="Picture" r:id="rId5" imgW="5087112" imgH="1261872" progId="Word.Picture.8">
+                <p:oleObj spid="_x0000_s1033" name="Picture" r:id="rId5" imgW="5087112" imgH="1261872" progId="Word.Picture.8">
                   <p:embed/>
                 </p:oleObj>
               </mc:Choice>
